--- a/.workshop/DevOps-Workshop.pptx
+++ b/.workshop/DevOps-Workshop.pptx
@@ -27088,7 +27088,7 @@
               <a:defRPr sz="2800"/>
             </a:pPr>
             <a:r>
-              <a:t>Automate Mainframe Apps with Jenkins</a:t>
+              <a:t>Automate Mainframe Apps with Jenkins and Zowe</a:t>
             </a:r>
           </a:p>
         </p:txBody>

--- a/.workshop/DevOps-Workshop.pptx
+++ b/.workshop/DevOps-Workshop.pptx
@@ -27108,7 +27108,7 @@
             </a:r>
             <a:br/>
             <a:r>
-              <a:t>Presentation built: 08:21 on 28 February, 2022</a:t>
+              <a:t>Presentation built: 08:49 on 28 February, 2022</a:t>
             </a:r>
             <a:endParaRPr lang="en-US" sz="2000" dirty="0">
               <a:solidFill>

--- a/.workshop/DevOps-Workshop.pptx
+++ b/.workshop/DevOps-Workshop.pptx
@@ -27108,7 +27108,7 @@
             </a:r>
             <a:br/>
             <a:r>
-              <a:t>Presentation built: 08:49 on 28 February, 2022</a:t>
+              <a:t>Presentation built: 15:11 on 15 March, 2022</a:t>
             </a:r>
             <a:endParaRPr lang="en-US" sz="2000" dirty="0">
               <a:solidFill>

--- a/.workshop/DevOps-Workshop.pptx
+++ b/.workshop/DevOps-Workshop.pptx
@@ -27108,7 +27108,7 @@
             </a:r>
             <a:br/>
             <a:r>
-              <a:t>Presentation built: 15:11 on 15 March, 2022</a:t>
+              <a:t>Presentation built: 15:13 on 15 March, 2022</a:t>
             </a:r>
             <a:endParaRPr lang="en-US" sz="2000" dirty="0">
               <a:solidFill>

--- a/.workshop/DevOps-Workshop.pptx
+++ b/.workshop/DevOps-Workshop.pptx
@@ -27104,11 +27104,11 @@
               <a:t>a new light-weight build engine for z/OS</a:t>
             </a:r>
             <a:r>
-              <a:t>md2pptx Markdown To Powerpoint Converter 2.5 14 November, 2021</a:t>
+              <a:t>md2pptx Markdown To Powerpoint Converter 2.6.1+ 1 April, 2022</a:t>
             </a:r>
             <a:br/>
             <a:r>
-              <a:t>Presentation built: 15:13 on 15 March, 2022</a:t>
+              <a:t>Presentation built: 15:40 on 11 April, 2022</a:t>
             </a:r>
             <a:endParaRPr lang="en-US" sz="2000" dirty="0">
               <a:solidFill>
@@ -27303,7 +27303,7 @@
         </p:nvGraphicFramePr>
         <p:xfrm>
           <a:off x="182880" y="1219200"/>
-          <a:ext cx="11826240" cy="1828800"/>
+          <a:ext cx="11826240" cy="2057400"/>
         </p:xfrm>
         <a:graphic>
           <a:graphicData uri="http://schemas.openxmlformats.org/drawingml/2006/table">
@@ -27571,6 +27571,38 @@
                   <a:tcPr/>
                 </a:tc>
               </a:tr>
+              <a:tr h="228600">
+                <a:tc>
+                  <a:txBody>
+                    <a:bodyPr/>
+                    <a:lstStyle/>
+                    <a:p>
+                      <a:pPr>
+                        <a:defRPr sz="1600"/>
+                      </a:pPr>
+                      <a:r>
+                        <a:t>removeFirstSlide</a:t>
+                      </a:r>
+                    </a:p>
+                  </a:txBody>
+                  <a:tcPr/>
+                </a:tc>
+                <a:tc>
+                  <a:txBody>
+                    <a:bodyPr/>
+                    <a:lstStyle/>
+                    <a:p>
+                      <a:pPr>
+                        <a:defRPr sz="1600"/>
+                      </a:pPr>
+                      <a:r>
+                        <a:t>yes</a:t>
+                      </a:r>
+                    </a:p>
+                  </a:txBody>
+                  <a:tcPr/>
+                </a:tc>
+              </a:tr>
             </a:tbl>
           </a:graphicData>
         </a:graphic>
@@ -37283,8 +37315,8 @@
         </p:nvSpPr>
         <p:spPr>
           <a:xfrm>
-            <a:off x="182880" y="3099816"/>
-            <a:ext cx="11826240" cy="1130808"/>
+            <a:off x="182880" y="4607560"/>
+            <a:ext cx="11826240" cy="1884680"/>
           </a:xfrm>
         </p:spPr>
         <p:txBody>
@@ -37380,8 +37412,8 @@
         </p:blipFill>
         <p:spPr>
           <a:xfrm>
-            <a:off x="3705148" y="838200"/>
-            <a:ext cx="4781702" cy="2261616"/>
+            <a:off x="3910293" y="655320"/>
+            <a:ext cx="4371412" cy="2067560"/>
           </a:xfrm>
           <a:prstGeom prst="rect">
             <a:avLst/>
@@ -37404,8 +37436,8 @@
         </p:blipFill>
         <p:spPr>
           <a:xfrm>
-            <a:off x="455584" y="4230624"/>
-            <a:ext cx="11280831" cy="2261616"/>
+            <a:off x="939555" y="2722880"/>
+            <a:ext cx="10312889" cy="2067560"/>
           </a:xfrm>
           <a:prstGeom prst="rect">
             <a:avLst/>

--- a/.workshop/DevOps-Workshop.pptx
+++ b/.workshop/DevOps-Workshop.pptx
@@ -27108,7 +27108,7 @@
             </a:r>
             <a:br/>
             <a:r>
-              <a:t>Presentation built: 15:40 on 11 April, 2022</a:t>
+              <a:t>Presentation built: 16:00 on 11 April, 2022</a:t>
             </a:r>
             <a:endParaRPr lang="en-US" sz="2000" dirty="0">
               <a:solidFill>
@@ -30881,7 +30881,7 @@
               <a:rPr>
                 <a:latin typeface="Courier"/>
               </a:rPr>
-              <a:t>zowe db2 execute sql -q "select * from event.marble"</a:t>
+              <a:t>zowe jobs submit ds "MAINFRAME_USER.MARBLES.JCL(MARBDB2)" --vasc</a:t>
             </a:r>
             <a:r>
               <a:t/>
@@ -35391,7 +35391,7 @@
               <a:rPr>
                 <a:latin typeface="Courier"/>
               </a:rPr>
-              <a:t>zowe db2 execute sql -q "select * from EVENT.MARBLE"</a:t>
+              <a:t>zowe jobs submit ds "MAINFRAME_USER.MARBLES.JCL(MARBDB2)</a:t>
             </a:r>
             <a:r>
               <a:t/>
@@ -36382,7 +36382,7 @@
               <a:defRPr sz="1800"/>
             </a:pPr>
             <a:r>
-              <a:t>The getMarbleQuantity function uses the Zowe DB2 plugin to query the Marbles table using SQL.</a:t>
+              <a:t>The getMarbleQuantity function submits a job to query the Marbles table using SQL.</a:t>
             </a:r>
           </a:p>
           <a:p>
@@ -36390,7 +36390,7 @@
               <a:defRPr sz="1800"/>
             </a:pPr>
             <a:r>
-              <a:t>It retrieves the output.</a:t>
+              <a:t>It waits for the job to complete then retrieves the spool file, 104.</a:t>
             </a:r>
           </a:p>
           <a:p>
@@ -36398,34 +36398,15 @@
               <a:defRPr sz="1800"/>
             </a:pPr>
             <a:r>
-              <a:t>The output is in JSON format (specified by the </a:t>
-            </a:r>
-            <a:r>
-              <a:rPr>
-                <a:latin typeface="Courier"/>
-              </a:rPr>
-              <a:t/>
-            </a:r>
-            <a:r>
-              <a:t/>
-            </a:r>
-            <a:r>
-              <a:rPr>
-                <a:latin typeface="Courier"/>
-              </a:rPr>
-              <a:t>--rfj</a:t>
-            </a:r>
-            <a:r>
-              <a:t/>
-            </a:r>
-            <a:r>
-              <a:rPr>
-                <a:latin typeface="Courier"/>
-              </a:rPr>
-              <a:t/>
-            </a:r>
-            <a:r>
-              <a:t> flag).</a:t>
+              <a:t>It parses the spool output using regular expressions to find the row with the data.</a:t>
+            </a:r>
+          </a:p>
+          <a:p>
+            <a:pPr lvl="1">
+              <a:defRPr sz="1600"/>
+            </a:pPr>
+            <a:r>
+              <a:t>Rows have a specific structure where the columns are separated with a "|"</a:t>
             </a:r>
           </a:p>
           <a:p>
@@ -36433,124 +36414,11 @@
               <a:defRPr sz="1800"/>
             </a:pPr>
             <a:r>
-              <a:t>This is placed into variable called </a:t>
-            </a:r>
-            <a:r>
-              <a:rPr>
-                <a:latin typeface="Courier"/>
-              </a:rPr>
-              <a:t/>
-            </a:r>
-            <a:r>
-              <a:t/>
-            </a:r>
-            <a:r>
-              <a:rPr>
-                <a:latin typeface="Courier"/>
-              </a:rPr>
-              <a:t>data</a:t>
-            </a:r>
-            <a:r>
-              <a:t/>
-            </a:r>
-            <a:r>
-              <a:rPr>
-                <a:latin typeface="Courier"/>
-              </a:rPr>
-              <a:t/>
-            </a:r>
-            <a:r>
-              <a:t>.</a:t>
-            </a:r>
-          </a:p>
-          <a:p>
-            <a:pPr>
-              <a:defRPr sz="1800"/>
-            </a:pPr>
-            <a:r>
-              <a:t/>
-            </a:r>
-            <a:r>
-              <a:rPr>
-                <a:latin typeface="Courier"/>
-              </a:rPr>
-              <a:t/>
-            </a:r>
-            <a:r>
-              <a:t/>
-            </a:r>
-            <a:r>
-              <a:rPr>
-                <a:latin typeface="Courier"/>
-              </a:rPr>
-              <a:t>Data</a:t>
-            </a:r>
-            <a:r>
-              <a:t/>
-            </a:r>
-            <a:r>
-              <a:rPr>
-                <a:latin typeface="Courier"/>
-              </a:rPr>
-              <a:t/>
-            </a:r>
-            <a:r>
-              <a:t> is then searched using find. </a:t>
-            </a:r>
-            <a:r>
-              <a:rPr>
-                <a:latin typeface="Courier"/>
-              </a:rPr>
-              <a:t/>
-            </a:r>
-            <a:r>
-              <a:t/>
-            </a:r>
-            <a:r>
-              <a:rPr>
-                <a:latin typeface="Courier"/>
-              </a:rPr>
-              <a:t>desiredEntry.Inventory</a:t>
-            </a:r>
-            <a:r>
-              <a:t/>
-            </a:r>
-            <a:r>
-              <a:rPr>
-                <a:latin typeface="Courier"/>
-              </a:rPr>
-              <a:t/>
-            </a:r>
-            <a:r>
-              <a:t> is then returned via the callback.</a:t>
+              <a:t>The data is assigned and the information sent through a callback to the calling function.</a:t>
             </a:r>
           </a:p>
         </p:txBody>
       </p:sp>
-      <p:pic>
-        <p:nvPicPr>
-          <p:cNvPr id="4" name="Picture 3" descr="DevOps-Workshop22.png"/>
-          <p:cNvPicPr>
-            <a:picLocks noChangeAspect="1"/>
-          </p:cNvPicPr>
-          <p:nvPr/>
-        </p:nvPicPr>
-        <p:blipFill>
-          <a:blip r:embed="rId2"/>
-          <a:stretch>
-            <a:fillRect/>
-          </a:stretch>
-        </p:blipFill>
-        <p:spPr>
-          <a:xfrm>
-            <a:off x="3866062" y="2722880"/>
-            <a:ext cx="4459875" cy="3769360"/>
-          </a:xfrm>
-          <a:prstGeom prst="rect">
-            <a:avLst/>
-          </a:prstGeom>
-        </p:spPr>
-      </p:pic>
     </p:spTree>
   </p:cSld>
   <p:clrMapOvr>

--- a/.workshop/DevOps-Workshop.pptx
+++ b/.workshop/DevOps-Workshop.pptx
@@ -8,7 +8,6 @@
     <p:notesMasterId r:id="rId3"/>
   </p:notesMasterIdLst>
   <p:sldIdLst>
-    <p:sldId id="3463" r:id="rId2"/>
     <p:sldId id="3464" r:id="rId9"/>
     <p:sldId id="3465" r:id="rId10"/>
     <p:sldId id="3466" r:id="rId11"/>
@@ -26982,654 +26981,6 @@
 </p:sldMaster>
 </file>
 
-<file path=ppt/slides/slide1.xml><?xml version="1.0" encoding="utf-8"?>
-<p:sld xmlns:a="http://schemas.openxmlformats.org/drawingml/2006/main" xmlns:r="http://schemas.openxmlformats.org/officeDocument/2006/relationships" xmlns:p="http://schemas.openxmlformats.org/presentationml/2006/main">
-  <p:cSld>
-    <p:spTree>
-      <p:nvGrpSpPr>
-        <p:cNvPr id="1" name=""/>
-        <p:cNvGrpSpPr/>
-        <p:nvPr/>
-      </p:nvGrpSpPr>
-      <p:grpSpPr>
-        <a:xfrm>
-          <a:off x="0" y="0"/>
-          <a:ext cx="0" cy="0"/>
-          <a:chOff x="0" y="0"/>
-          <a:chExt cx="0" cy="0"/>
-        </a:xfrm>
-      </p:grpSpPr>
-      <p:sp>
-        <p:nvSpPr>
-          <p:cNvPr id="5" name="Text Placeholder 4">
-            <a:extLst>
-              <a:ext uri="{FF2B5EF4-FFF2-40B4-BE49-F238E27FC236}">
-                <a16:creationId xmlns:a16="http://schemas.microsoft.com/office/drawing/2014/main" id="{8B69CD02-A5D1-0C4E-A91B-431E840ED83D}"/>
-              </a:ext>
-            </a:extLst>
-          </p:cNvPr>
-          <p:cNvSpPr>
-            <a:spLocks noGrp="1"/>
-          </p:cNvSpPr>
-          <p:nvPr>
-            <p:ph type="body" sz="quarter" idx="10"/>
-          </p:nvPr>
-        </p:nvSpPr>
-        <p:spPr>
-          <a:xfrm>
-            <a:off x="182880" y="182880"/>
-            <a:ext cx="11826240" cy="762000"/>
-          </a:xfrm>
-        </p:spPr>
-        <p:txBody>
-          <a:bodyPr anchor="t"/>
-          <a:lstStyle/>
-          <a:p>
-            <a:pPr>
-              <a:spcAft>
-                <a:spcPts val="600"/>
-              </a:spcAft>
-              <a:defRPr sz="3000"/>
-            </a:pPr>
-            <a:r>
-              <a:rPr lang="en-US" sz="2000" dirty="0" smtClean="0">
-                <a:solidFill>
-                  <a:schemeClr val="tx1"/>
-                </a:solidFill>
-              </a:rPr>
-              <a:t>Endevor </a:t>
-            </a:r>
-            <a:r>
-              <a:rPr lang="en-US" sz="2000" dirty="0">
-                <a:solidFill>
-                  <a:schemeClr val="tx1"/>
-                </a:solidFill>
-              </a:rPr>
-              <a:t>Team Build, the </a:t>
-            </a:r>
-            <a:r>
-              <a:rPr lang="en-US" sz="2000" dirty="0" smtClean="0">
-                <a:solidFill>
-                  <a:schemeClr val="tx1"/>
-                </a:solidFill>
-              </a:rPr>
-              <a:t>latest </a:t>
-            </a:r>
-            <a:r>
-              <a:rPr lang="en-US" sz="2000" dirty="0">
-                <a:solidFill>
-                  <a:schemeClr val="tx1"/>
-                </a:solidFill>
-              </a:rPr>
-              <a:t>capability in the </a:t>
-            </a:r>
-            <a:r>
-              <a:rPr lang="en-US" sz="2000" dirty="0" smtClean="0">
-                <a:solidFill>
-                  <a:schemeClr val="tx1"/>
-                </a:solidFill>
-              </a:rPr>
-              <a:t>Endevor </a:t>
-            </a:r>
-            <a:r>
-              <a:rPr lang="en-US" sz="2000" dirty="0">
-                <a:solidFill>
-                  <a:schemeClr val="tx1"/>
-                </a:solidFill>
-              </a:rPr>
-              <a:t>Integration for Enterprise DevOps </a:t>
-            </a:r>
-            <a:r>
-              <a:rPr lang="en-US" sz="2000" dirty="0" smtClean="0">
-                <a:solidFill>
-                  <a:schemeClr val="tx1"/>
-                </a:solidFill>
-              </a:rPr>
-              <a:t>option, </a:t>
-            </a:r>
-            <a:r>
-              <a:rPr lang="en-US" sz="2000" dirty="0">
-                <a:solidFill>
-                  <a:schemeClr val="tx1"/>
-                </a:solidFill>
-              </a:rPr>
-              <a:t>is </a:t>
-            </a:r>
-            <a:r>
-              <a:rPr lang="en-US" sz="2000" dirty="0" smtClean="0">
-                <a:solidFill>
-                  <a:schemeClr val="tx1"/>
-                </a:solidFill>
-              </a:rPr>
-              <a:t>a new light-weight build engine for z/OS</a:t>
-            </a:r>
-            <a:r>
-              <a:t>md2pptx Markdown To Powerpoint Converter 2.6.1+ 1 April, 2022</a:t>
-            </a:r>
-            <a:br/>
-            <a:r>
-              <a:t>Presentation built: 16:00 on 11 April, 2022</a:t>
-            </a:r>
-            <a:endParaRPr lang="en-US" sz="2000" dirty="0">
-              <a:solidFill>
-                <a:schemeClr val="tx1"/>
-              </a:solidFill>
-            </a:endParaRPr>
-          </a:p>
-          <a:p>
-            <a:pPr>
-              <a:spcAft>
-                <a:spcPts val="600"/>
-              </a:spcAft>
-            </a:pPr>
-            <a:r>
-              <a:rPr lang="en-US" sz="2000" dirty="0">
-                <a:solidFill>
-                  <a:schemeClr val="tx1"/>
-                </a:solidFill>
-              </a:rPr>
-              <a:t>Team Build uses a </a:t>
-            </a:r>
-            <a:r>
-              <a:rPr lang="en-US" sz="2000" dirty="0" smtClean="0">
-                <a:solidFill>
-                  <a:schemeClr val="tx1"/>
-                </a:solidFill>
-              </a:rPr>
-              <a:t>processor-based build </a:t>
-            </a:r>
-            <a:r>
-              <a:rPr lang="en-US" sz="2000" dirty="0">
-                <a:solidFill>
-                  <a:schemeClr val="tx1"/>
-                </a:solidFill>
-              </a:rPr>
-              <a:t>that:</a:t>
-            </a:r>
-          </a:p>
-          <a:p>
-            <a:pPr lvl="1">
-              <a:spcAft>
-                <a:spcPts val="600"/>
-              </a:spcAft>
-            </a:pPr>
-            <a:r>
-              <a:rPr lang="en-US" sz="2000" dirty="0">
-                <a:solidFill>
-                  <a:schemeClr val="tx1"/>
-                </a:solidFill>
-              </a:rPr>
-              <a:t>Runs on any LPAR, including virtual such as </a:t>
-            </a:r>
-            <a:r>
-              <a:rPr lang="en-US" sz="2000" dirty="0" err="1">
-                <a:solidFill>
-                  <a:schemeClr val="tx1"/>
-                </a:solidFill>
-              </a:rPr>
-              <a:t>zD&amp;T</a:t>
-            </a:r>
-            <a:endParaRPr lang="en-US" sz="2000" dirty="0">
-              <a:solidFill>
-                <a:schemeClr val="tx1"/>
-              </a:solidFill>
-            </a:endParaRPr>
-          </a:p>
-          <a:p>
-            <a:pPr lvl="1">
-              <a:spcAft>
-                <a:spcPts val="600"/>
-              </a:spcAft>
-            </a:pPr>
-            <a:r>
-              <a:rPr lang="en-US" sz="2000" dirty="0">
-                <a:solidFill>
-                  <a:schemeClr val="tx1"/>
-                </a:solidFill>
-              </a:rPr>
-              <a:t>Does not require full Endevor infrastructure on the </a:t>
-            </a:r>
-            <a:r>
-              <a:rPr lang="en-US" sz="2000" dirty="0" smtClean="0">
-                <a:solidFill>
-                  <a:schemeClr val="tx1"/>
-                </a:solidFill>
-              </a:rPr>
-              <a:t>LPAR</a:t>
-            </a:r>
-            <a:endParaRPr lang="en-US" sz="2000" dirty="0">
-              <a:solidFill>
-                <a:schemeClr val="tx1"/>
-              </a:solidFill>
-            </a:endParaRPr>
-          </a:p>
-          <a:p>
-            <a:pPr lvl="1">
-              <a:spcAft>
-                <a:spcPts val="600"/>
-              </a:spcAft>
-            </a:pPr>
-            <a:r>
-              <a:rPr lang="en-US" sz="2000" dirty="0">
-                <a:solidFill>
-                  <a:schemeClr val="tx1"/>
-                </a:solidFill>
-              </a:rPr>
-              <a:t>Allows developers to collaborate natively with their Enterprise </a:t>
-            </a:r>
-            <a:r>
-              <a:rPr lang="en-US" sz="2000" dirty="0" err="1">
-                <a:solidFill>
-                  <a:schemeClr val="tx1"/>
-                </a:solidFill>
-              </a:rPr>
-              <a:t>Git</a:t>
-            </a:r>
-            <a:r>
-              <a:rPr lang="en-US" sz="2000" dirty="0">
-                <a:solidFill>
-                  <a:schemeClr val="tx1"/>
-                </a:solidFill>
-              </a:rPr>
-              <a:t> repository</a:t>
-            </a:r>
-          </a:p>
-          <a:p>
-            <a:pPr lvl="1">
-              <a:spcAft>
-                <a:spcPts val="600"/>
-              </a:spcAft>
-            </a:pPr>
-            <a:r>
-              <a:rPr lang="en-US" sz="2000" dirty="0">
-                <a:solidFill>
-                  <a:schemeClr val="tx1"/>
-                </a:solidFill>
-              </a:rPr>
-              <a:t>Optionally loads </a:t>
-            </a:r>
-            <a:r>
-              <a:rPr lang="en-US" sz="2000" dirty="0" err="1">
-                <a:solidFill>
-                  <a:schemeClr val="tx1"/>
-                </a:solidFill>
-              </a:rPr>
-              <a:t>Endevor</a:t>
-            </a:r>
-            <a:r>
-              <a:rPr lang="en-US" sz="2000" dirty="0">
-                <a:solidFill>
-                  <a:schemeClr val="tx1"/>
-                </a:solidFill>
-              </a:rPr>
-              <a:t> automatically for an integration build and promotion to production</a:t>
-            </a:r>
-          </a:p>
-          <a:p>
-            <a:pPr marL="0" indent="0">
-              <a:spcAft>
-                <a:spcPts val="600"/>
-              </a:spcAft>
-              <a:buNone/>
-            </a:pPr>
-            <a:endParaRPr lang="en-US" sz="2000" dirty="0" smtClean="0">
-              <a:solidFill>
-                <a:schemeClr val="tx1"/>
-              </a:solidFill>
-            </a:endParaRPr>
-          </a:p>
-          <a:p>
-            <a:pPr marL="0" indent="0">
-              <a:spcAft>
-                <a:spcPts val="600"/>
-              </a:spcAft>
-              <a:buNone/>
-            </a:pPr>
-            <a:endParaRPr lang="en-US" sz="1800" dirty="0">
-              <a:solidFill>
-                <a:schemeClr val="tx1"/>
-              </a:solidFill>
-            </a:endParaRPr>
-          </a:p>
-        </p:txBody>
-      </p:sp>
-      <p:graphicFrame>
-        <p:nvGraphicFramePr>
-          <p:cNvPr id="6" name="Table 5"/>
-          <p:cNvGraphicFramePr>
-            <a:graphicFrameLocks noGrp="1"/>
-          </p:cNvGraphicFramePr>
-          <p:nvPr/>
-        </p:nvGraphicFramePr>
-        <p:xfrm>
-          <a:off x="182880" y="1219200"/>
-          <a:ext cx="11826240" cy="2057400"/>
-        </p:xfrm>
-        <a:graphic>
-          <a:graphicData uri="http://schemas.openxmlformats.org/drawingml/2006/table">
-            <a:tbl>
-              <a:tblPr bandRow="1">
-                <a:tableStyleId>{5C22544A-7EE6-4342-B048-85BDC9FD1C3A}</a:tableStyleId>
-              </a:tblPr>
-              <a:tblGrid>
-                <a:gridCol w="5913120"/>
-                <a:gridCol w="5913120"/>
-              </a:tblGrid>
-              <a:tr h="228600">
-                <a:tc>
-                  <a:txBody>
-                    <a:bodyPr/>
-                    <a:lstStyle/>
-                    <a:p>
-                      <a:pPr>
-                        <a:defRPr sz="1600"/>
-                      </a:pPr>
-                      <a:r>
-                        <a:t>template</a:t>
-                      </a:r>
-                    </a:p>
-                  </a:txBody>
-                  <a:tcPr/>
-                </a:tc>
-                <a:tc>
-                  <a:txBody>
-                    <a:bodyPr/>
-                    <a:lstStyle/>
-                    <a:p>
-                      <a:pPr>
-                        <a:defRPr sz="1600"/>
-                      </a:pPr>
-                      <a:r>
-                        <a:t>broadcom.pptx</a:t>
-                      </a:r>
-                    </a:p>
-                  </a:txBody>
-                  <a:tcPr/>
-                </a:tc>
-              </a:tr>
-              <a:tr h="228600">
-                <a:tc>
-                  <a:txBody>
-                    <a:bodyPr/>
-                    <a:lstStyle/>
-                    <a:p>
-                      <a:pPr>
-                        <a:defRPr sz="1600"/>
-                      </a:pPr>
-                      <a:r>
-                        <a:t>ContentSplitDirection</a:t>
-                      </a:r>
-                    </a:p>
-                  </a:txBody>
-                  <a:tcPr/>
-                </a:tc>
-                <a:tc>
-                  <a:txBody>
-                    <a:bodyPr/>
-                    <a:lstStyle/>
-                    <a:p>
-                      <a:pPr>
-                        <a:defRPr sz="1600"/>
-                      </a:pPr>
-                      <a:r>
-                        <a:t>horizontal</a:t>
-                      </a:r>
-                    </a:p>
-                  </a:txBody>
-                  <a:tcPr/>
-                </a:tc>
-              </a:tr>
-              <a:tr h="228600">
-                <a:tc>
-                  <a:txBody>
-                    <a:bodyPr/>
-                    <a:lstStyle/>
-                    <a:p>
-                      <a:pPr>
-                        <a:defRPr sz="1600"/>
-                      </a:pPr>
-                      <a:r>
-                        <a:t>taskSlides</a:t>
-                      </a:r>
-                    </a:p>
-                  </a:txBody>
-                  <a:tcPr/>
-                </a:tc>
-                <a:tc>
-                  <a:txBody>
-                    <a:bodyPr/>
-                    <a:lstStyle/>
-                    <a:p>
-                      <a:pPr>
-                        <a:defRPr sz="1600"/>
-                      </a:pPr>
-                      <a:r>
-                        <a:t>all</a:t>
-                      </a:r>
-                    </a:p>
-                  </a:txBody>
-                  <a:tcPr/>
-                </a:tc>
-              </a:tr>
-              <a:tr h="228600">
-                <a:tc>
-                  <a:txBody>
-                    <a:bodyPr/>
-                    <a:lstStyle/>
-                    <a:p>
-                      <a:pPr>
-                        <a:defRPr sz="1600"/>
-                      </a:pPr>
-                      <a:r>
-                        <a:t>TitleSlideLayout</a:t>
-                      </a:r>
-                    </a:p>
-                  </a:txBody>
-                  <a:tcPr/>
-                </a:tc>
-                <a:tc>
-                  <a:txBody>
-                    <a:bodyPr/>
-                    <a:lstStyle/>
-                    <a:p>
-                      <a:pPr>
-                        <a:defRPr sz="1600"/>
-                      </a:pPr>
-                      <a:r>
-                        <a:t>4</a:t>
-                      </a:r>
-                    </a:p>
-                  </a:txBody>
-                  <a:tcPr/>
-                </a:tc>
-              </a:tr>
-              <a:tr h="228600">
-                <a:tc>
-                  <a:txBody>
-                    <a:bodyPr/>
-                    <a:lstStyle/>
-                    <a:p>
-                      <a:pPr>
-                        <a:defRPr sz="1600"/>
-                      </a:pPr>
-                      <a:r>
-                        <a:t>SectionSlideLayout</a:t>
-                      </a:r>
-                    </a:p>
-                  </a:txBody>
-                  <a:tcPr/>
-                </a:tc>
-                <a:tc>
-                  <a:txBody>
-                    <a:bodyPr/>
-                    <a:lstStyle/>
-                    <a:p>
-                      <a:pPr>
-                        <a:defRPr sz="1600"/>
-                      </a:pPr>
-                      <a:r>
-                        <a:t>4</a:t>
-                      </a:r>
-                    </a:p>
-                  </a:txBody>
-                  <a:tcPr/>
-                </a:tc>
-              </a:tr>
-              <a:tr h="228600">
-                <a:tc>
-                  <a:txBody>
-                    <a:bodyPr/>
-                    <a:lstStyle/>
-                    <a:p>
-                      <a:pPr>
-                        <a:defRPr sz="1600"/>
-                      </a:pPr>
-                      <a:r>
-                        <a:t>TitleOnlyLayout</a:t>
-                      </a:r>
-                    </a:p>
-                  </a:txBody>
-                  <a:tcPr/>
-                </a:tc>
-                <a:tc>
-                  <a:txBody>
-                    <a:bodyPr/>
-                    <a:lstStyle/>
-                    <a:p>
-                      <a:pPr>
-                        <a:defRPr sz="1600"/>
-                      </a:pPr>
-                      <a:r>
-                        <a:t>17</a:t>
-                      </a:r>
-                    </a:p>
-                  </a:txBody>
-                  <a:tcPr/>
-                </a:tc>
-              </a:tr>
-              <a:tr h="228600">
-                <a:tc>
-                  <a:txBody>
-                    <a:bodyPr/>
-                    <a:lstStyle/>
-                    <a:p>
-                      <a:pPr>
-                        <a:defRPr sz="1600"/>
-                      </a:pPr>
-                      <a:r>
-                        <a:t>BlankLayout</a:t>
-                      </a:r>
-                    </a:p>
-                  </a:txBody>
-                  <a:tcPr/>
-                </a:tc>
-                <a:tc>
-                  <a:txBody>
-                    <a:bodyPr/>
-                    <a:lstStyle/>
-                    <a:p>
-                      <a:pPr>
-                        <a:defRPr sz="1600"/>
-                      </a:pPr>
-                      <a:r>
-                        <a:t>11</a:t>
-                      </a:r>
-                    </a:p>
-                  </a:txBody>
-                  <a:tcPr/>
-                </a:tc>
-              </a:tr>
-              <a:tr h="228600">
-                <a:tc>
-                  <a:txBody>
-                    <a:bodyPr/>
-                    <a:lstStyle/>
-                    <a:p>
-                      <a:pPr>
-                        <a:defRPr sz="1600"/>
-                      </a:pPr>
-                      <a:r>
-                        <a:t>ContentSlideLayout</a:t>
-                      </a:r>
-                    </a:p>
-                  </a:txBody>
-                  <a:tcPr/>
-                </a:tc>
-                <a:tc>
-                  <a:txBody>
-                    <a:bodyPr/>
-                    <a:lstStyle/>
-                    <a:p>
-                      <a:pPr>
-                        <a:defRPr sz="1600"/>
-                      </a:pPr>
-                      <a:r>
-                        <a:t>11</a:t>
-                      </a:r>
-                    </a:p>
-                  </a:txBody>
-                  <a:tcPr/>
-                </a:tc>
-              </a:tr>
-              <a:tr h="228600">
-                <a:tc>
-                  <a:txBody>
-                    <a:bodyPr/>
-                    <a:lstStyle/>
-                    <a:p>
-                      <a:pPr>
-                        <a:defRPr sz="1600"/>
-                      </a:pPr>
-                      <a:r>
-                        <a:t>removeFirstSlide</a:t>
-                      </a:r>
-                    </a:p>
-                  </a:txBody>
-                  <a:tcPr/>
-                </a:tc>
-                <a:tc>
-                  <a:txBody>
-                    <a:bodyPr/>
-                    <a:lstStyle/>
-                    <a:p>
-                      <a:pPr>
-                        <a:defRPr sz="1600"/>
-                      </a:pPr>
-                      <a:r>
-                        <a:t>yes</a:t>
-                      </a:r>
-                    </a:p>
-                  </a:txBody>
-                  <a:tcPr/>
-                </a:tc>
-              </a:tr>
-            </a:tbl>
-          </a:graphicData>
-        </a:graphic>
-      </p:graphicFrame>
-    </p:spTree>
-    <p:extLst>
-      <p:ext uri="{BB962C8B-B14F-4D97-AF65-F5344CB8AC3E}">
-        <p14:creationId xmlns:p14="http://schemas.microsoft.com/office/powerpoint/2010/main" val="3846330824"/>
-      </p:ext>
-    </p:extLst>
-  </p:cSld>
-  <p:clrMapOvr>
-    <a:masterClrMapping/>
-  </p:clrMapOvr>
-  <p:transition spd="med">
-    <p:fade/>
-  </p:transition>
-  <p:timing>
-    <p:tnLst>
-      <p:par>
-        <p:cTn id="1" dur="indefinite" restart="never" nodeType="tmRoot"/>
-      </p:par>
-    </p:tnLst>
-  </p:timing>
-</p:sld>
-</file>
-
 <file path=ppt/slides/slide10.xml><?xml version="1.0" encoding="utf-8"?>
 <p:sld xmlns:a="http://schemas.openxmlformats.org/drawingml/2006/main" xmlns:p="http://schemas.openxmlformats.org/presentationml/2006/main" xmlns:r="http://schemas.openxmlformats.org/officeDocument/2006/relationships">
   <p:cSld>

--- a/.workshop/DevOps-Workshop.pptx
+++ b/.workshop/DevOps-Workshop.pptx
@@ -106,7 +106,6 @@
     <p:sldId id="3559" r:id="rId104"/>
     <p:sldId id="3560" r:id="rId105"/>
     <p:sldId id="3561" r:id="rId106"/>
-    <p:sldId id="3562" r:id="rId107"/>
   </p:sldIdLst>
   <p:sldSz cx="12192000" cy="6858000"/>
   <p:notesSz cx="6858000" cy="9144000"/>
@@ -6845,72 +6844,6 @@
 </file>
 
 <file path=ppt/notesSlides/notesSlide96.xml><?xml version="1.0" encoding="utf-8"?>
-<p:notes xmlns:a="http://schemas.openxmlformats.org/drawingml/2006/main" xmlns:p="http://schemas.openxmlformats.org/presentationml/2006/main" xmlns:r="http://schemas.openxmlformats.org/officeDocument/2006/relationships">
-  <p:cSld>
-    <p:spTree>
-      <p:nvGrpSpPr>
-        <p:cNvPr id="1" name=""/>
-        <p:cNvGrpSpPr/>
-        <p:nvPr/>
-      </p:nvGrpSpPr>
-      <p:grpSpPr>
-        <a:xfrm>
-          <a:off x="0" y="0"/>
-          <a:ext cx="0" cy="0"/>
-          <a:chOff x="0" y="0"/>
-          <a:chExt cx="0" cy="0"/>
-        </a:xfrm>
-      </p:grpSpPr>
-      <p:sp>
-        <p:nvSpPr>
-          <p:cNvPr id="2" name="Slide Image Placeholder 1"/>
-          <p:cNvSpPr>
-            <a:spLocks noGrp="1"/>
-          </p:cNvSpPr>
-          <p:nvPr>
-            <p:ph type="sldImg" idx="2"/>
-          </p:nvPr>
-        </p:nvSpPr>
-        <p:spPr/>
-      </p:sp>
-      <p:sp>
-        <p:nvSpPr>
-          <p:cNvPr id="3" name="Notes Placeholder 2"/>
-          <p:cNvSpPr>
-            <a:spLocks noGrp="1"/>
-          </p:cNvSpPr>
-          <p:nvPr>
-            <p:ph type="body" idx="3" sz="quarter"/>
-          </p:nvPr>
-        </p:nvSpPr>
-        <p:spPr/>
-        <p:txBody>
-          <a:bodyPr/>
-          <a:lstStyle/>
-          <a:p/>
-        </p:txBody>
-      </p:sp>
-      <p:sp>
-        <p:nvSpPr>
-          <p:cNvPr id="4" name="Slide Number Placeholder 3"/>
-          <p:cNvSpPr>
-            <a:spLocks noGrp="1"/>
-          </p:cNvSpPr>
-          <p:nvPr>
-            <p:ph type="sldNum" idx="5" sz="quarter"/>
-          </p:nvPr>
-        </p:nvSpPr>
-        <p:spPr/>
-      </p:sp>
-    </p:spTree>
-  </p:cSld>
-  <p:clrMapOvr>
-    <a:masterClrMapping/>
-  </p:clrMapOvr>
-</p:notes>
-</file>
-
-<file path=ppt/notesSlides/notesSlide97.xml><?xml version="1.0" encoding="utf-8"?>
 <p:notes xmlns:a="http://schemas.openxmlformats.org/drawingml/2006/main" xmlns:p="http://schemas.openxmlformats.org/presentationml/2006/main" xmlns:r="http://schemas.openxmlformats.org/officeDocument/2006/relationships">
   <p:cSld>
     <p:spTree>
@@ -27052,70 +26985,6 @@
 </p:sld>
 </file>
 
-<file path=ppt/slides/slide100.xml><?xml version="1.0" encoding="utf-8"?>
-<p:sld xmlns:a="http://schemas.openxmlformats.org/drawingml/2006/main" xmlns:p="http://schemas.openxmlformats.org/presentationml/2006/main" xmlns:r="http://schemas.openxmlformats.org/officeDocument/2006/relationships">
-  <p:cSld>
-    <p:spTree>
-      <p:nvGrpSpPr>
-        <p:cNvPr id="1" name=""/>
-        <p:cNvGrpSpPr/>
-        <p:nvPr/>
-      </p:nvGrpSpPr>
-      <p:grpSpPr/>
-      <p:sp>
-        <p:nvSpPr>
-          <p:cNvPr id="2" name="Title 1"/>
-          <p:cNvSpPr>
-            <a:spLocks noGrp="1"/>
-          </p:cNvSpPr>
-          <p:nvPr>
-            <p:ph type="ctrTitle"/>
-          </p:nvPr>
-        </p:nvSpPr>
-        <p:spPr/>
-        <p:txBody>
-          <a:bodyPr/>
-          <a:lstStyle/>
-          <a:p>
-            <a:pPr>
-              <a:defRPr sz="4000"/>
-            </a:pPr>
-            <a:r>
-              <a:t>Thank You</a:t>
-            </a:r>
-          </a:p>
-        </p:txBody>
-      </p:sp>
-      <p:sp>
-        <p:nvSpPr>
-          <p:cNvPr id="3" name="Subtitle 2"/>
-          <p:cNvSpPr>
-            <a:spLocks noGrp="1"/>
-          </p:cNvSpPr>
-          <p:nvPr>
-            <p:ph type="subTitle" idx="1"/>
-          </p:nvPr>
-        </p:nvSpPr>
-        <p:spPr>
-          <a:xfrm>
-            <a:off x="527050" y="5274310"/>
-            <a:ext cx="9144000" cy="365760"/>
-          </a:xfrm>
-        </p:spPr>
-        <p:txBody>
-          <a:bodyPr/>
-          <a:lstStyle/>
-          <a:p/>
-        </p:txBody>
-      </p:sp>
-    </p:spTree>
-  </p:cSld>
-  <p:clrMapOvr>
-    <a:masterClrMapping/>
-  </p:clrMapOvr>
-</p:sld>
-</file>
-
 <file path=ppt/slides/slide11.xml><?xml version="1.0" encoding="utf-8"?>
 <p:sld xmlns:a="http://schemas.openxmlformats.org/drawingml/2006/main" xmlns:p="http://schemas.openxmlformats.org/presentationml/2006/main" xmlns:r="http://schemas.openxmlformats.org/officeDocument/2006/relationships">
   <p:cSld>
@@ -30379,7 +30248,7 @@
               <a:defRPr sz="2800"/>
             </a:pPr>
             <a:r>
-              <a:t>Automation</a:t>
+              <a:t>Automation Automate the Build</a:t>
             </a:r>
           </a:p>
         </p:txBody>
@@ -30409,43 +30278,102 @@
             <a:spLocks noGrp="1"/>
           </p:cNvSpPr>
           <p:nvPr>
-            <p:ph type="ctrTitle"/>
-          </p:nvPr>
-        </p:nvSpPr>
-        <p:spPr/>
+            <p:ph type="title"/>
+          </p:nvPr>
+        </p:nvSpPr>
+        <p:spPr>
+          <a:xfrm>
+            <a:off x="182880" y="182880"/>
+            <a:ext cx="11826240" cy="381000"/>
+          </a:xfrm>
+        </p:spPr>
         <p:txBody>
-          <a:bodyPr/>
+          <a:bodyPr anchor="t"/>
           <a:lstStyle/>
           <a:p>
             <a:pPr>
-              <a:defRPr sz="4000"/>
-            </a:pPr>
-            <a:r>
-              <a:t>Section IIIa:</a:t>
+              <a:defRPr sz="3000"/>
+            </a:pPr>
+            <a:r>
+              <a:t>Automate the Code Build - Introduction</a:t>
             </a:r>
           </a:p>
         </p:txBody>
       </p:sp>
       <p:sp>
         <p:nvSpPr>
-          <p:cNvPr id="3" name="Subtitle 2"/>
-          <p:cNvSpPr>
-            <a:spLocks noGrp="1"/>
-          </p:cNvSpPr>
-          <p:nvPr>
-            <p:ph type="subTitle" idx="1"/>
-          </p:nvPr>
-        </p:nvSpPr>
-        <p:spPr/>
+          <p:cNvPr id="3" name="Content Placeholder 2"/>
+          <p:cNvSpPr>
+            <a:spLocks noGrp="1"/>
+          </p:cNvSpPr>
+          <p:nvPr>
+            <p:ph idx="1"/>
+          </p:nvPr>
+        </p:nvSpPr>
+        <p:spPr>
+          <a:xfrm>
+            <a:off x="182880" y="838200"/>
+            <a:ext cx="11826240" cy="5654040"/>
+          </a:xfrm>
+        </p:spPr>
         <p:txBody>
-          <a:bodyPr/>
+          <a:bodyPr>
+            <a:normAutofit/>
+          </a:bodyPr>
           <a:lstStyle/>
           <a:p>
             <a:pPr>
-              <a:defRPr sz="2800"/>
-            </a:pPr>
-            <a:r>
-              <a:t>Automate Build Process</a:t>
+              <a:defRPr sz="1800"/>
+            </a:pPr>
+            <a:r>
+              <a:t>Now that you've used the CLI to successfully make code changes and perform generates on Endevor, it's time to automate these steps.</a:t>
+            </a:r>
+          </a:p>
+          <a:p>
+            <a:pPr>
+              <a:defRPr sz="1800"/>
+            </a:pPr>
+            <a:r>
+              <a:t>CLI commands can be embedded in scripts that you can run repeatedly from your local machine.</a:t>
+            </a:r>
+          </a:p>
+          <a:p>
+            <a:pPr>
+              <a:defRPr sz="1800"/>
+            </a:pPr>
+            <a:r>
+              <a:t>These same scripts can also be called from CI/CD tools like Jenkins</a:t>
+            </a:r>
+          </a:p>
+          <a:p>
+            <a:pPr>
+              <a:defRPr sz="1800"/>
+            </a:pPr>
+            <a:r>
+              <a:t>Task Runners are a way to organize and interact with your automation scripts more easily.</a:t>
+            </a:r>
+          </a:p>
+          <a:p>
+            <a:pPr>
+              <a:defRPr sz="1800"/>
+            </a:pPr>
+            <a:r>
+              <a:t>We will be using a javascript based Task Runner called Gulp for this section. Task Runners can also be called from CI/CD tools like Jenkins</a:t>
+            </a:r>
+          </a:p>
+          <a:p>
+            <a:pPr>
+              <a:defRPr sz="1800"/>
+            </a:pPr>
+            <a:r>
+              <a:t/>
+            </a:r>
+            <a:r>
+              <a:rPr b="1"/>
+              <a:t>Note</a:t>
+            </a:r>
+            <a:r>
+              <a:t>: Task Runners are an abstraction layer over scripts. They are helpful but are not a necessity.</a:t>
             </a:r>
           </a:p>
         </p:txBody>
@@ -30492,7 +30420,7 @@
               <a:defRPr sz="3000"/>
             </a:pPr>
             <a:r>
-              <a:t>Automate the Code Build - Introduction</a:t>
+              <a:t>Steps for Section III</a:t>
             </a:r>
           </a:p>
         </p:txBody>
@@ -30523,7 +30451,136 @@
               <a:defRPr sz="1800"/>
             </a:pPr>
             <a:r>
-              <a:t>Now that you've used the CLI to successfully make code changes and perform generates on Endevor, it's time to automate these steps.</a:t>
+              <a:t>Now that you've used the CLI to successfully make code changes and perform generates on Endevor, we want to automate the following:</a:t>
+            </a:r>
+          </a:p>
+          <a:p>
+            <a:pPr lvl="1">
+              <a:defRPr sz="1600"/>
+            </a:pPr>
+            <a:r>
+              <a:t>Generate operations for </a:t>
+            </a:r>
+            <a:r>
+              <a:rPr>
+                <a:latin typeface="Courier"/>
+              </a:rPr>
+              <a:t/>
+            </a:r>
+            <a:r>
+              <a:t/>
+            </a:r>
+            <a:r>
+              <a:rPr>
+                <a:latin typeface="Courier"/>
+              </a:rPr>
+              <a:t>COBOL</a:t>
+            </a:r>
+            <a:r>
+              <a:t/>
+            </a:r>
+            <a:r>
+              <a:rPr>
+                <a:latin typeface="Courier"/>
+              </a:rPr>
+              <a:t/>
+            </a:r>
+            <a:r>
+              <a:t> and </a:t>
+            </a:r>
+            <a:r>
+              <a:rPr>
+                <a:latin typeface="Courier"/>
+              </a:rPr>
+              <a:t/>
+            </a:r>
+            <a:r>
+              <a:t/>
+            </a:r>
+            <a:r>
+              <a:rPr>
+                <a:latin typeface="Courier"/>
+              </a:rPr>
+              <a:t>LNK</a:t>
+            </a:r>
+            <a:r>
+              <a:t/>
+            </a:r>
+            <a:r>
+              <a:rPr>
+                <a:latin typeface="Courier"/>
+              </a:rPr>
+              <a:t/>
+            </a:r>
+          </a:p>
+          <a:p>
+            <a:pPr lvl="1">
+              <a:defRPr sz="1600"/>
+            </a:pPr>
+            <a:r>
+              <a:t>Build the application</a:t>
+            </a:r>
+          </a:p>
+          <a:p>
+            <a:pPr lvl="2">
+              <a:defRPr sz="1400"/>
+            </a:pPr>
+            <a:r>
+              <a:t>It should generate both the </a:t>
+            </a:r>
+            <a:r>
+              <a:rPr>
+                <a:latin typeface="Courier"/>
+              </a:rPr>
+              <a:t/>
+            </a:r>
+            <a:r>
+              <a:t/>
+            </a:r>
+            <a:r>
+              <a:rPr>
+                <a:latin typeface="Courier"/>
+              </a:rPr>
+              <a:t>COBOL</a:t>
+            </a:r>
+            <a:r>
+              <a:t/>
+            </a:r>
+            <a:r>
+              <a:rPr>
+                <a:latin typeface="Courier"/>
+              </a:rPr>
+              <a:t/>
+            </a:r>
+            <a:r>
+              <a:t> and </a:t>
+            </a:r>
+            <a:r>
+              <a:rPr>
+                <a:latin typeface="Courier"/>
+              </a:rPr>
+              <a:t/>
+            </a:r>
+            <a:r>
+              <a:t/>
+            </a:r>
+            <a:r>
+              <a:rPr>
+                <a:latin typeface="Courier"/>
+              </a:rPr>
+              <a:t>LNK</a:t>
+            </a:r>
+            <a:r>
+              <a:t/>
+            </a:r>
+            <a:r>
+              <a:rPr>
+                <a:latin typeface="Courier"/>
+              </a:rPr>
+              <a:t/>
+            </a:r>
+            <a:r>
+              <a:t> elements in a single task</a:t>
             </a:r>
           </a:p>
           <a:p>
@@ -30531,38 +30588,6 @@
               <a:defRPr sz="1800"/>
             </a:pPr>
             <a:r>
-              <a:t>CLI commands can be embedded in scripts that you can run repeatedly from your local machine.</a:t>
-            </a:r>
-          </a:p>
-          <a:p>
-            <a:pPr>
-              <a:defRPr sz="1800"/>
-            </a:pPr>
-            <a:r>
-              <a:t>These same scripts can also be called from CI/CD tools like Jenkins</a:t>
-            </a:r>
-          </a:p>
-          <a:p>
-            <a:pPr>
-              <a:defRPr sz="1800"/>
-            </a:pPr>
-            <a:r>
-              <a:t>Task Runners are a way to organize and interact with your automation scripts more easily.</a:t>
-            </a:r>
-          </a:p>
-          <a:p>
-            <a:pPr>
-              <a:defRPr sz="1800"/>
-            </a:pPr>
-            <a:r>
-              <a:t>We will be using a javascript based Task Runner called Gulp for this section. Task Runners can also be called from CI/CD tools like Jenkins</a:t>
-            </a:r>
-          </a:p>
-          <a:p>
-            <a:pPr>
-              <a:defRPr sz="1800"/>
-            </a:pPr>
-            <a:r>
               <a:t/>
             </a:r>
             <a:r>
@@ -30570,7 +30595,7 @@
               <a:t>Note</a:t>
             </a:r>
             <a:r>
-              <a:t>: Task Runners are an abstraction layer over scripts. They are helpful but are not a necessity.</a:t>
+              <a:t>: Gulp is a JavaScript based task runner. Other task runners like Gradle use other scripting languages like Groovy.</a:t>
             </a:r>
           </a:p>
         </p:txBody>
@@ -30617,7 +30642,7 @@
               <a:defRPr sz="3000"/>
             </a:pPr>
             <a:r>
-              <a:t>Steps for Section II</a:t>
+              <a:t>Starting the Automation</a:t>
             </a:r>
           </a:p>
         </p:txBody>
@@ -30648,7 +30673,7 @@
               <a:defRPr sz="1800"/>
             </a:pPr>
             <a:r>
-              <a:t>Now that you've used the CLI to successfully make code changes and perform generates on Endevor, we want to automate the following:</a:t>
+              <a:t>We have performed some functions for you, like downloading the code and getting it ready.</a:t>
             </a:r>
           </a:p>
           <a:p>
@@ -30656,58 +30681,7 @@
               <a:defRPr sz="1600"/>
             </a:pPr>
             <a:r>
-              <a:t>Generate operations for </a:t>
-            </a:r>
-            <a:r>
-              <a:rPr>
-                <a:latin typeface="Courier"/>
-              </a:rPr>
-              <a:t/>
-            </a:r>
-            <a:r>
-              <a:t/>
-            </a:r>
-            <a:r>
-              <a:rPr>
-                <a:latin typeface="Courier"/>
-              </a:rPr>
-              <a:t>COBOL</a:t>
-            </a:r>
-            <a:r>
-              <a:t/>
-            </a:r>
-            <a:r>
-              <a:rPr>
-                <a:latin typeface="Courier"/>
-              </a:rPr>
-              <a:t/>
-            </a:r>
-            <a:r>
-              <a:t> and </a:t>
-            </a:r>
-            <a:r>
-              <a:rPr>
-                <a:latin typeface="Courier"/>
-              </a:rPr>
-              <a:t/>
-            </a:r>
-            <a:r>
-              <a:t/>
-            </a:r>
-            <a:r>
-              <a:rPr>
-                <a:latin typeface="Courier"/>
-              </a:rPr>
-              <a:t>LNK</a:t>
-            </a:r>
-            <a:r>
-              <a:t/>
-            </a:r>
-            <a:r>
-              <a:rPr>
-                <a:latin typeface="Courier"/>
-              </a:rPr>
-              <a:t/>
+              <a:t>Your code is located in /projects.</a:t>
             </a:r>
           </a:p>
           <a:p>
@@ -30715,84 +30689,7 @@
               <a:defRPr sz="1600"/>
             </a:pPr>
             <a:r>
-              <a:t>Build the application</a:t>
-            </a:r>
-          </a:p>
-          <a:p>
-            <a:pPr lvl="2">
-              <a:defRPr sz="1400"/>
-            </a:pPr>
-            <a:r>
-              <a:t>It should generate both the </a:t>
-            </a:r>
-            <a:r>
-              <a:rPr>
-                <a:latin typeface="Courier"/>
-              </a:rPr>
-              <a:t/>
-            </a:r>
-            <a:r>
-              <a:t/>
-            </a:r>
-            <a:r>
-              <a:rPr>
-                <a:latin typeface="Courier"/>
-              </a:rPr>
-              <a:t>COBOL</a:t>
-            </a:r>
-            <a:r>
-              <a:t/>
-            </a:r>
-            <a:r>
-              <a:rPr>
-                <a:latin typeface="Courier"/>
-              </a:rPr>
-              <a:t/>
-            </a:r>
-            <a:r>
-              <a:t> and </a:t>
-            </a:r>
-            <a:r>
-              <a:rPr>
-                <a:latin typeface="Courier"/>
-              </a:rPr>
-              <a:t/>
-            </a:r>
-            <a:r>
-              <a:t/>
-            </a:r>
-            <a:r>
-              <a:rPr>
-                <a:latin typeface="Courier"/>
-              </a:rPr>
-              <a:t>LNK</a:t>
-            </a:r>
-            <a:r>
-              <a:t/>
-            </a:r>
-            <a:r>
-              <a:rPr>
-                <a:latin typeface="Courier"/>
-              </a:rPr>
-              <a:t/>
-            </a:r>
-            <a:r>
-              <a:t> elements in a single task</a:t>
-            </a:r>
-          </a:p>
-          <a:p>
-            <a:pPr>
-              <a:defRPr sz="1800"/>
-            </a:pPr>
-            <a:r>
-              <a:t/>
-            </a:r>
-            <a:r>
-              <a:rPr b="1"/>
-              <a:t>Note</a:t>
-            </a:r>
-            <a:r>
-              <a:t>: Gulp is a JavaScript based task runner. Other task runners like Gradle use other scripting languages like Groovy.</a:t>
+              <a:t>When you ran the gulp command earlier, you used that code.</a:t>
             </a:r>
           </a:p>
         </p:txBody>
@@ -30839,7 +30736,7 @@
               <a:defRPr sz="3000"/>
             </a:pPr>
             <a:r>
-              <a:t>Starting the Automation</a:t>
+              <a:t>Create a Build Task in Gulp</a:t>
             </a:r>
           </a:p>
         </p:txBody>
@@ -30870,7 +30767,131 @@
               <a:defRPr sz="1800"/>
             </a:pPr>
             <a:r>
-              <a:t>We have performed some functions for you, like downloading the code and getting it ready.</a:t>
+              <a:t>Generating the source element and the LNK element on Endevor are steps that you'll need to perform every time after making code changes to create the load module. It's a great task to automate, so that you don't have to keep doing it manually. Let's start by reviewing our gulpfile and existing gulp </a:t>
+            </a:r>
+            <a:r>
+              <a:rPr>
+                <a:latin typeface="Courier"/>
+              </a:rPr>
+              <a:t/>
+            </a:r>
+            <a:r>
+              <a:t/>
+            </a:r>
+            <a:r>
+              <a:rPr>
+                <a:latin typeface="Courier"/>
+              </a:rPr>
+              <a:t>build-cobol</a:t>
+            </a:r>
+            <a:r>
+              <a:t/>
+            </a:r>
+            <a:r>
+              <a:rPr>
+                <a:latin typeface="Courier"/>
+              </a:rPr>
+              <a:t/>
+            </a:r>
+            <a:r>
+              <a:t> task. Then you will create a task in Gulp called </a:t>
+            </a:r>
+            <a:r>
+              <a:rPr>
+                <a:latin typeface="Courier"/>
+              </a:rPr>
+              <a:t/>
+            </a:r>
+            <a:r>
+              <a:t/>
+            </a:r>
+            <a:r>
+              <a:rPr>
+                <a:latin typeface="Courier"/>
+              </a:rPr>
+              <a:t>build-lnk</a:t>
+            </a:r>
+            <a:r>
+              <a:t/>
+            </a:r>
+            <a:r>
+              <a:rPr>
+                <a:latin typeface="Courier"/>
+              </a:rPr>
+              <a:t/>
+            </a:r>
+            <a:r>
+              <a:t>.</a:t>
+            </a:r>
+          </a:p>
+          <a:p>
+            <a:pPr>
+              <a:defRPr sz="1800"/>
+            </a:pPr>
+            <a:r>
+              <a:t>Review gulpfile: A gulpfile is a file in your project directory titled </a:t>
+            </a:r>
+            <a:r>
+              <a:rPr>
+                <a:latin typeface="Courier"/>
+              </a:rPr>
+              <a:t/>
+            </a:r>
+            <a:r>
+              <a:t/>
+            </a:r>
+            <a:r>
+              <a:rPr>
+                <a:latin typeface="Courier"/>
+              </a:rPr>
+              <a:t>gulpfile.js</a:t>
+            </a:r>
+            <a:r>
+              <a:t/>
+            </a:r>
+            <a:r>
+              <a:rPr>
+                <a:latin typeface="Courier"/>
+              </a:rPr>
+              <a:t/>
+            </a:r>
+            <a:r>
+              <a:t> that automatically loads when you run the </a:t>
+            </a:r>
+            <a:r>
+              <a:rPr>
+                <a:latin typeface="Courier"/>
+              </a:rPr>
+              <a:t/>
+            </a:r>
+            <a:r>
+              <a:t/>
+            </a:r>
+            <a:r>
+              <a:rPr>
+                <a:latin typeface="Courier"/>
+              </a:rPr>
+              <a:t>gulp</a:t>
+            </a:r>
+            <a:r>
+              <a:t/>
+            </a:r>
+            <a:r>
+              <a:rPr>
+                <a:latin typeface="Courier"/>
+              </a:rPr>
+              <a:t/>
+            </a:r>
+            <a:r>
+              <a:t> command.</a:t>
+            </a:r>
+          </a:p>
+          <a:p>
+            <a:pPr>
+              <a:defRPr sz="1800"/>
+            </a:pPr>
+            <a:r>
+              <a:t>At the top of the gulpfile, take note of three packages that we are using:</a:t>
             </a:r>
           </a:p>
           <a:p>
@@ -30878,7 +30899,34 @@
               <a:defRPr sz="1600"/>
             </a:pPr>
             <a:r>
-              <a:t>Your code is located in /projects.</a:t>
+              <a:t/>
+            </a:r>
+            <a:r>
+              <a:rPr>
+                <a:latin typeface="Courier"/>
+              </a:rPr>
+              <a:t/>
+            </a:r>
+            <a:r>
+              <a:t/>
+            </a:r>
+            <a:r>
+              <a:rPr>
+                <a:latin typeface="Courier"/>
+              </a:rPr>
+              <a:t>gulp-help</a:t>
+            </a:r>
+            <a:r>
+              <a:t/>
+            </a:r>
+            <a:r>
+              <a:rPr>
+                <a:latin typeface="Courier"/>
+              </a:rPr>
+              <a:t/>
+            </a:r>
+            <a:r>
+              <a:t>: Adds a default help task to gulp and provides the ability to add custom help messages for gulp tasks. Try issuing gulp help in the terminal at your projects directory.</a:t>
             </a:r>
           </a:p>
           <a:p>
@@ -30886,7 +30934,104 @@
               <a:defRPr sz="1600"/>
             </a:pPr>
             <a:r>
-              <a:t>When you ran the gulp command earlier, you used that code.</a:t>
+              <a:t/>
+            </a:r>
+            <a:r>
+              <a:rPr>
+                <a:latin typeface="Courier"/>
+              </a:rPr>
+              <a:t/>
+            </a:r>
+            <a:r>
+              <a:t/>
+            </a:r>
+            <a:r>
+              <a:rPr>
+                <a:latin typeface="Courier"/>
+              </a:rPr>
+              <a:t>gulp-sequence</a:t>
+            </a:r>
+            <a:r>
+              <a:t/>
+            </a:r>
+            <a:r>
+              <a:rPr>
+                <a:latin typeface="Courier"/>
+              </a:rPr>
+              <a:t/>
+            </a:r>
+            <a:r>
+              <a:t>: Allows a series of gulp tasks to be run in order</a:t>
+            </a:r>
+          </a:p>
+          <a:p>
+            <a:pPr lvl="1">
+              <a:defRPr sz="1600"/>
+            </a:pPr>
+            <a:r>
+              <a:t/>
+            </a:r>
+            <a:r>
+              <a:rPr>
+                <a:latin typeface="Courier"/>
+              </a:rPr>
+              <a:t/>
+            </a:r>
+            <a:r>
+              <a:t/>
+            </a:r>
+            <a:r>
+              <a:rPr>
+                <a:latin typeface="Courier"/>
+              </a:rPr>
+              <a:t>node-cmd</a:t>
+            </a:r>
+            <a:r>
+              <a:t/>
+            </a:r>
+            <a:r>
+              <a:rPr>
+                <a:latin typeface="Courier"/>
+              </a:rPr>
+              <a:t/>
+            </a:r>
+            <a:r>
+              <a:t>: Simple terminal interface that allows cli commands to be run. These commands are run asynchronously.</a:t>
+            </a:r>
+          </a:p>
+          <a:p>
+            <a:pPr lvl="1">
+              <a:defRPr sz="1600"/>
+            </a:pPr>
+            <a:r>
+              <a:t/>
+            </a:r>
+            <a:r>
+              <a:rPr>
+                <a:latin typeface="Courier"/>
+              </a:rPr>
+              <a:t/>
+            </a:r>
+            <a:r>
+              <a:t/>
+            </a:r>
+            <a:r>
+              <a:rPr>
+                <a:latin typeface="Courier"/>
+              </a:rPr>
+              <a:t>config</a:t>
+            </a:r>
+            <a:r>
+              <a:t/>
+            </a:r>
+            <a:r>
+              <a:rPr>
+                <a:latin typeface="Courier"/>
+              </a:rPr>
+              <a:t/>
+            </a:r>
+            <a:r>
+              <a:t>: requires a config.json file for all the options</a:t>
             </a:r>
           </a:p>
         </p:txBody>
@@ -30900,348 +31045,6 @@
 </file>
 
 <file path=ppt/slides/slide38.xml><?xml version="1.0" encoding="utf-8"?>
-<p:sld xmlns:a="http://schemas.openxmlformats.org/drawingml/2006/main" xmlns:p="http://schemas.openxmlformats.org/presentationml/2006/main" xmlns:r="http://schemas.openxmlformats.org/officeDocument/2006/relationships">
-  <p:cSld>
-    <p:spTree>
-      <p:nvGrpSpPr>
-        <p:cNvPr id="1" name=""/>
-        <p:cNvGrpSpPr/>
-        <p:nvPr/>
-      </p:nvGrpSpPr>
-      <p:grpSpPr/>
-      <p:sp>
-        <p:nvSpPr>
-          <p:cNvPr id="2" name="Title 1"/>
-          <p:cNvSpPr>
-            <a:spLocks noGrp="1"/>
-          </p:cNvSpPr>
-          <p:nvPr>
-            <p:ph type="title"/>
-          </p:nvPr>
-        </p:nvSpPr>
-        <p:spPr>
-          <a:xfrm>
-            <a:off x="182880" y="182880"/>
-            <a:ext cx="11826240" cy="381000"/>
-          </a:xfrm>
-        </p:spPr>
-        <p:txBody>
-          <a:bodyPr anchor="t"/>
-          <a:lstStyle/>
-          <a:p>
-            <a:pPr>
-              <a:defRPr sz="3000"/>
-            </a:pPr>
-            <a:r>
-              <a:t>Create a Build Task in Gulp</a:t>
-            </a:r>
-          </a:p>
-        </p:txBody>
-      </p:sp>
-      <p:sp>
-        <p:nvSpPr>
-          <p:cNvPr id="3" name="Content Placeholder 2"/>
-          <p:cNvSpPr>
-            <a:spLocks noGrp="1"/>
-          </p:cNvSpPr>
-          <p:nvPr>
-            <p:ph idx="1"/>
-          </p:nvPr>
-        </p:nvSpPr>
-        <p:spPr>
-          <a:xfrm>
-            <a:off x="182880" y="838200"/>
-            <a:ext cx="11826240" cy="5654040"/>
-          </a:xfrm>
-        </p:spPr>
-        <p:txBody>
-          <a:bodyPr>
-            <a:normAutofit/>
-          </a:bodyPr>
-          <a:lstStyle/>
-          <a:p>
-            <a:pPr>
-              <a:defRPr sz="1800"/>
-            </a:pPr>
-            <a:r>
-              <a:t>Generating the source element and the LNK element on Endevor are steps that you'll need to perform every time after making code changes to create the load module. It's a great task to automate, so that you don't have to keep doing it manually. Let's start by reviewing our gulpfile and existing gulp </a:t>
-            </a:r>
-            <a:r>
-              <a:rPr>
-                <a:latin typeface="Courier"/>
-              </a:rPr>
-              <a:t/>
-            </a:r>
-            <a:r>
-              <a:t/>
-            </a:r>
-            <a:r>
-              <a:rPr>
-                <a:latin typeface="Courier"/>
-              </a:rPr>
-              <a:t>build-cobol</a:t>
-            </a:r>
-            <a:r>
-              <a:t/>
-            </a:r>
-            <a:r>
-              <a:rPr>
-                <a:latin typeface="Courier"/>
-              </a:rPr>
-              <a:t/>
-            </a:r>
-            <a:r>
-              <a:t> task. Then you will create a task in Gulp called </a:t>
-            </a:r>
-            <a:r>
-              <a:rPr>
-                <a:latin typeface="Courier"/>
-              </a:rPr>
-              <a:t/>
-            </a:r>
-            <a:r>
-              <a:t/>
-            </a:r>
-            <a:r>
-              <a:rPr>
-                <a:latin typeface="Courier"/>
-              </a:rPr>
-              <a:t>build-lnk</a:t>
-            </a:r>
-            <a:r>
-              <a:t/>
-            </a:r>
-            <a:r>
-              <a:rPr>
-                <a:latin typeface="Courier"/>
-              </a:rPr>
-              <a:t/>
-            </a:r>
-            <a:r>
-              <a:t>.</a:t>
-            </a:r>
-          </a:p>
-          <a:p>
-            <a:pPr>
-              <a:defRPr sz="1800"/>
-            </a:pPr>
-            <a:r>
-              <a:t>Review gulpfile: A gulpfile is a file in your project directory titled </a:t>
-            </a:r>
-            <a:r>
-              <a:rPr>
-                <a:latin typeface="Courier"/>
-              </a:rPr>
-              <a:t/>
-            </a:r>
-            <a:r>
-              <a:t/>
-            </a:r>
-            <a:r>
-              <a:rPr>
-                <a:latin typeface="Courier"/>
-              </a:rPr>
-              <a:t>gulpfile.js</a:t>
-            </a:r>
-            <a:r>
-              <a:t/>
-            </a:r>
-            <a:r>
-              <a:rPr>
-                <a:latin typeface="Courier"/>
-              </a:rPr>
-              <a:t/>
-            </a:r>
-            <a:r>
-              <a:t> that automatically loads when you run the </a:t>
-            </a:r>
-            <a:r>
-              <a:rPr>
-                <a:latin typeface="Courier"/>
-              </a:rPr>
-              <a:t/>
-            </a:r>
-            <a:r>
-              <a:t/>
-            </a:r>
-            <a:r>
-              <a:rPr>
-                <a:latin typeface="Courier"/>
-              </a:rPr>
-              <a:t>gulp</a:t>
-            </a:r>
-            <a:r>
-              <a:t/>
-            </a:r>
-            <a:r>
-              <a:rPr>
-                <a:latin typeface="Courier"/>
-              </a:rPr>
-              <a:t/>
-            </a:r>
-            <a:r>
-              <a:t> command.</a:t>
-            </a:r>
-          </a:p>
-          <a:p>
-            <a:pPr>
-              <a:defRPr sz="1800"/>
-            </a:pPr>
-            <a:r>
-              <a:t>At the top of the gulpfile, take note of three packages that we are using:</a:t>
-            </a:r>
-          </a:p>
-          <a:p>
-            <a:pPr lvl="1">
-              <a:defRPr sz="1600"/>
-            </a:pPr>
-            <a:r>
-              <a:t/>
-            </a:r>
-            <a:r>
-              <a:rPr>
-                <a:latin typeface="Courier"/>
-              </a:rPr>
-              <a:t/>
-            </a:r>
-            <a:r>
-              <a:t/>
-            </a:r>
-            <a:r>
-              <a:rPr>
-                <a:latin typeface="Courier"/>
-              </a:rPr>
-              <a:t>gulp-help</a:t>
-            </a:r>
-            <a:r>
-              <a:t/>
-            </a:r>
-            <a:r>
-              <a:rPr>
-                <a:latin typeface="Courier"/>
-              </a:rPr>
-              <a:t/>
-            </a:r>
-            <a:r>
-              <a:t>: Adds a default help task to gulp and provides the ability to add custom help messages for gulp tasks. Try issuing gulp help in the terminal at your projects directory.</a:t>
-            </a:r>
-          </a:p>
-          <a:p>
-            <a:pPr lvl="1">
-              <a:defRPr sz="1600"/>
-            </a:pPr>
-            <a:r>
-              <a:t/>
-            </a:r>
-            <a:r>
-              <a:rPr>
-                <a:latin typeface="Courier"/>
-              </a:rPr>
-              <a:t/>
-            </a:r>
-            <a:r>
-              <a:t/>
-            </a:r>
-            <a:r>
-              <a:rPr>
-                <a:latin typeface="Courier"/>
-              </a:rPr>
-              <a:t>gulp-sequence</a:t>
-            </a:r>
-            <a:r>
-              <a:t/>
-            </a:r>
-            <a:r>
-              <a:rPr>
-                <a:latin typeface="Courier"/>
-              </a:rPr>
-              <a:t/>
-            </a:r>
-            <a:r>
-              <a:t>: Allows a series of gulp tasks to be run in order</a:t>
-            </a:r>
-          </a:p>
-          <a:p>
-            <a:pPr lvl="1">
-              <a:defRPr sz="1600"/>
-            </a:pPr>
-            <a:r>
-              <a:t/>
-            </a:r>
-            <a:r>
-              <a:rPr>
-                <a:latin typeface="Courier"/>
-              </a:rPr>
-              <a:t/>
-            </a:r>
-            <a:r>
-              <a:t/>
-            </a:r>
-            <a:r>
-              <a:rPr>
-                <a:latin typeface="Courier"/>
-              </a:rPr>
-              <a:t>node-cmd</a:t>
-            </a:r>
-            <a:r>
-              <a:t/>
-            </a:r>
-            <a:r>
-              <a:rPr>
-                <a:latin typeface="Courier"/>
-              </a:rPr>
-              <a:t/>
-            </a:r>
-            <a:r>
-              <a:t>: Simple terminal interface that allows cli commands to be run. These commands are run asynchronously.</a:t>
-            </a:r>
-          </a:p>
-          <a:p>
-            <a:pPr lvl="1">
-              <a:defRPr sz="1600"/>
-            </a:pPr>
-            <a:r>
-              <a:t/>
-            </a:r>
-            <a:r>
-              <a:rPr>
-                <a:latin typeface="Courier"/>
-              </a:rPr>
-              <a:t/>
-            </a:r>
-            <a:r>
-              <a:t/>
-            </a:r>
-            <a:r>
-              <a:rPr>
-                <a:latin typeface="Courier"/>
-              </a:rPr>
-              <a:t>config</a:t>
-            </a:r>
-            <a:r>
-              <a:t/>
-            </a:r>
-            <a:r>
-              <a:rPr>
-                <a:latin typeface="Courier"/>
-              </a:rPr>
-              <a:t/>
-            </a:r>
-            <a:r>
-              <a:t>: requires a config.json file for all the options</a:t>
-            </a:r>
-          </a:p>
-        </p:txBody>
-      </p:sp>
-    </p:spTree>
-  </p:cSld>
-  <p:clrMapOvr>
-    <a:masterClrMapping/>
-  </p:clrMapOvr>
-</p:sld>
-</file>
-
-<file path=ppt/slides/slide39.xml><?xml version="1.0" encoding="utf-8"?>
 <p:sld xmlns:a="http://schemas.openxmlformats.org/drawingml/2006/main" xmlns:p="http://schemas.openxmlformats.org/presentationml/2006/main" xmlns:r="http://schemas.openxmlformats.org/officeDocument/2006/relationships">
   <p:cSld>
     <p:spTree>
@@ -31391,71 +31194,7 @@
 </p:sld>
 </file>
 
-<file path=ppt/slides/slide4.xml><?xml version="1.0" encoding="utf-8"?>
-<p:sld xmlns:a="http://schemas.openxmlformats.org/drawingml/2006/main" xmlns:p="http://schemas.openxmlformats.org/presentationml/2006/main" xmlns:r="http://schemas.openxmlformats.org/officeDocument/2006/relationships">
-  <p:cSld>
-    <p:spTree>
-      <p:nvGrpSpPr>
-        <p:cNvPr id="1" name=""/>
-        <p:cNvGrpSpPr/>
-        <p:nvPr/>
-      </p:nvGrpSpPr>
-      <p:grpSpPr/>
-      <p:sp>
-        <p:nvSpPr>
-          <p:cNvPr id="2" name="Title 1"/>
-          <p:cNvSpPr>
-            <a:spLocks noGrp="1"/>
-          </p:cNvSpPr>
-          <p:nvPr>
-            <p:ph type="ctrTitle"/>
-          </p:nvPr>
-        </p:nvSpPr>
-        <p:spPr/>
-        <p:txBody>
-          <a:bodyPr/>
-          <a:lstStyle/>
-          <a:p>
-            <a:pPr>
-              <a:defRPr sz="4000"/>
-            </a:pPr>
-            <a:r>
-              <a:t>Accessing your Workshop Environment</a:t>
-            </a:r>
-          </a:p>
-        </p:txBody>
-      </p:sp>
-      <p:sp>
-        <p:nvSpPr>
-          <p:cNvPr id="3" name="Subtitle 2"/>
-          <p:cNvSpPr>
-            <a:spLocks noGrp="1"/>
-          </p:cNvSpPr>
-          <p:nvPr>
-            <p:ph type="subTitle" idx="1"/>
-          </p:nvPr>
-        </p:nvSpPr>
-        <p:spPr>
-          <a:xfrm>
-            <a:off x="527050" y="5274310"/>
-            <a:ext cx="9144000" cy="365760"/>
-          </a:xfrm>
-        </p:spPr>
-        <p:txBody>
-          <a:bodyPr/>
-          <a:lstStyle/>
-          <a:p/>
-        </p:txBody>
-      </p:sp>
-    </p:spTree>
-  </p:cSld>
-  <p:clrMapOvr>
-    <a:masterClrMapping/>
-  </p:clrMapOvr>
-</p:sld>
-</file>
-
-<file path=ppt/slides/slide40.xml><?xml version="1.0" encoding="utf-8"?>
+<file path=ppt/slides/slide39.xml><?xml version="1.0" encoding="utf-8"?>
 <p:sld xmlns:a="http://schemas.openxmlformats.org/drawingml/2006/main" xmlns:p="http://schemas.openxmlformats.org/presentationml/2006/main" xmlns:r="http://schemas.openxmlformats.org/officeDocument/2006/relationships">
   <p:cSld>
     <p:spTree>
@@ -31780,7 +31519,71 @@
 </p:sld>
 </file>
 
-<file path=ppt/slides/slide41.xml><?xml version="1.0" encoding="utf-8"?>
+<file path=ppt/slides/slide4.xml><?xml version="1.0" encoding="utf-8"?>
+<p:sld xmlns:a="http://schemas.openxmlformats.org/drawingml/2006/main" xmlns:p="http://schemas.openxmlformats.org/presentationml/2006/main" xmlns:r="http://schemas.openxmlformats.org/officeDocument/2006/relationships">
+  <p:cSld>
+    <p:spTree>
+      <p:nvGrpSpPr>
+        <p:cNvPr id="1" name=""/>
+        <p:cNvGrpSpPr/>
+        <p:nvPr/>
+      </p:nvGrpSpPr>
+      <p:grpSpPr/>
+      <p:sp>
+        <p:nvSpPr>
+          <p:cNvPr id="2" name="Title 1"/>
+          <p:cNvSpPr>
+            <a:spLocks noGrp="1"/>
+          </p:cNvSpPr>
+          <p:nvPr>
+            <p:ph type="ctrTitle"/>
+          </p:nvPr>
+        </p:nvSpPr>
+        <p:spPr/>
+        <p:txBody>
+          <a:bodyPr/>
+          <a:lstStyle/>
+          <a:p>
+            <a:pPr>
+              <a:defRPr sz="4000"/>
+            </a:pPr>
+            <a:r>
+              <a:t>Accessing your Workshop Environment</a:t>
+            </a:r>
+          </a:p>
+        </p:txBody>
+      </p:sp>
+      <p:sp>
+        <p:nvSpPr>
+          <p:cNvPr id="3" name="Subtitle 2"/>
+          <p:cNvSpPr>
+            <a:spLocks noGrp="1"/>
+          </p:cNvSpPr>
+          <p:nvPr>
+            <p:ph type="subTitle" idx="1"/>
+          </p:nvPr>
+        </p:nvSpPr>
+        <p:spPr>
+          <a:xfrm>
+            <a:off x="527050" y="5274310"/>
+            <a:ext cx="9144000" cy="365760"/>
+          </a:xfrm>
+        </p:spPr>
+        <p:txBody>
+          <a:bodyPr/>
+          <a:lstStyle/>
+          <a:p/>
+        </p:txBody>
+      </p:sp>
+    </p:spTree>
+  </p:cSld>
+  <p:clrMapOvr>
+    <a:masterClrMapping/>
+  </p:clrMapOvr>
+</p:sld>
+</file>
+
+<file path=ppt/slides/slide40.xml><?xml version="1.0" encoding="utf-8"?>
 <p:sld xmlns:a="http://schemas.openxmlformats.org/drawingml/2006/main" xmlns:p="http://schemas.openxmlformats.org/presentationml/2006/main" xmlns:r="http://schemas.openxmlformats.org/officeDocument/2006/relationships">
   <p:cSld>
     <p:spTree>
@@ -32000,7 +31803,7 @@
 </p:sld>
 </file>
 
-<file path=ppt/slides/slide42.xml><?xml version="1.0" encoding="utf-8"?>
+<file path=ppt/slides/slide41.xml><?xml version="1.0" encoding="utf-8"?>
 <p:sld xmlns:a="http://schemas.openxmlformats.org/drawingml/2006/main" xmlns:p="http://schemas.openxmlformats.org/presentationml/2006/main" xmlns:r="http://schemas.openxmlformats.org/officeDocument/2006/relationships">
   <p:cSld>
     <p:spTree>
@@ -32293,7 +32096,7 @@
 </p:sld>
 </file>
 
-<file path=ppt/slides/slide43.xml><?xml version="1.0" encoding="utf-8"?>
+<file path=ppt/slides/slide42.xml><?xml version="1.0" encoding="utf-8"?>
 <p:sld xmlns:a="http://schemas.openxmlformats.org/drawingml/2006/main" xmlns:p="http://schemas.openxmlformats.org/presentationml/2006/main" xmlns:r="http://schemas.openxmlformats.org/officeDocument/2006/relationships">
   <p:cSld>
     <p:spTree>
@@ -32626,7 +32429,7 @@
 </p:sld>
 </file>
 
-<file path=ppt/slides/slide44.xml><?xml version="1.0" encoding="utf-8"?>
+<file path=ppt/slides/slide43.xml><?xml version="1.0" encoding="utf-8"?>
 <p:sld xmlns:a="http://schemas.openxmlformats.org/drawingml/2006/main" xmlns:p="http://schemas.openxmlformats.org/presentationml/2006/main" xmlns:r="http://schemas.openxmlformats.org/officeDocument/2006/relationships">
   <p:cSld>
     <p:spTree>
@@ -32728,7 +32531,7 @@
 </p:sld>
 </file>
 
-<file path=ppt/slides/slide45.xml><?xml version="1.0" encoding="utf-8"?>
+<file path=ppt/slides/slide44.xml><?xml version="1.0" encoding="utf-8"?>
 <p:sld xmlns:a="http://schemas.openxmlformats.org/drawingml/2006/main" xmlns:p="http://schemas.openxmlformats.org/presentationml/2006/main" xmlns:r="http://schemas.openxmlformats.org/officeDocument/2006/relationships">
   <p:cSld>
     <p:spTree>
@@ -32757,7 +32560,7 @@
               <a:defRPr sz="4000"/>
             </a:pPr>
             <a:r>
-              <a:t>Section IIIb:</a:t>
+              <a:t>Section IV:</a:t>
             </a:r>
           </a:p>
         </p:txBody>
@@ -32794,7 +32597,7 @@
 </p:sld>
 </file>
 
-<file path=ppt/slides/slide46.xml><?xml version="1.0" encoding="utf-8"?>
+<file path=ppt/slides/slide45.xml><?xml version="1.0" encoding="utf-8"?>
 <p:sld xmlns:a="http://schemas.openxmlformats.org/drawingml/2006/main" xmlns:p="http://schemas.openxmlformats.org/presentationml/2006/main" xmlns:r="http://schemas.openxmlformats.org/officeDocument/2006/relationships">
   <p:cSld>
     <p:spTree>
@@ -32985,7 +32788,7 @@
 </p:sld>
 </file>
 
-<file path=ppt/slides/slide47.xml><?xml version="1.0" encoding="utf-8"?>
+<file path=ppt/slides/slide46.xml><?xml version="1.0" encoding="utf-8"?>
 <p:sld xmlns:a="http://schemas.openxmlformats.org/drawingml/2006/main" xmlns:p="http://schemas.openxmlformats.org/presentationml/2006/main" xmlns:r="http://schemas.openxmlformats.org/officeDocument/2006/relationships">
   <p:cSld>
     <p:spTree>
@@ -33095,7 +32898,7 @@
 </p:sld>
 </file>
 
-<file path=ppt/slides/slide48.xml><?xml version="1.0" encoding="utf-8"?>
+<file path=ppt/slides/slide47.xml><?xml version="1.0" encoding="utf-8"?>
 <p:sld xmlns:a="http://schemas.openxmlformats.org/drawingml/2006/main" xmlns:p="http://schemas.openxmlformats.org/presentationml/2006/main" xmlns:r="http://schemas.openxmlformats.org/officeDocument/2006/relationships">
   <p:cSld>
     <p:spTree>
@@ -33283,7 +33086,7 @@
 </p:sld>
 </file>
 
-<file path=ppt/slides/slide49.xml><?xml version="1.0" encoding="utf-8"?>
+<file path=ppt/slides/slide48.xml><?xml version="1.0" encoding="utf-8"?>
 <p:sld xmlns:a="http://schemas.openxmlformats.org/drawingml/2006/main" xmlns:p="http://schemas.openxmlformats.org/presentationml/2006/main" xmlns:r="http://schemas.openxmlformats.org/officeDocument/2006/relationships">
   <p:cSld>
     <p:spTree>
@@ -33417,6 +33220,400 @@
           </a:prstGeom>
         </p:spPr>
       </p:pic>
+    </p:spTree>
+  </p:cSld>
+  <p:clrMapOvr>
+    <a:masterClrMapping/>
+  </p:clrMapOvr>
+</p:sld>
+</file>
+
+<file path=ppt/slides/slide49.xml><?xml version="1.0" encoding="utf-8"?>
+<p:sld xmlns:a="http://schemas.openxmlformats.org/drawingml/2006/main" xmlns:p="http://schemas.openxmlformats.org/presentationml/2006/main" xmlns:r="http://schemas.openxmlformats.org/officeDocument/2006/relationships">
+  <p:cSld>
+    <p:spTree>
+      <p:nvGrpSpPr>
+        <p:cNvPr id="1" name=""/>
+        <p:cNvGrpSpPr/>
+        <p:nvPr/>
+      </p:nvGrpSpPr>
+      <p:grpSpPr/>
+      <p:sp>
+        <p:nvSpPr>
+          <p:cNvPr id="2" name="Title 1"/>
+          <p:cNvSpPr>
+            <a:spLocks noGrp="1"/>
+          </p:cNvSpPr>
+          <p:nvPr>
+            <p:ph type="title"/>
+          </p:nvPr>
+        </p:nvSpPr>
+        <p:spPr>
+          <a:xfrm>
+            <a:off x="182880" y="182880"/>
+            <a:ext cx="11826240" cy="381000"/>
+          </a:xfrm>
+        </p:spPr>
+        <p:txBody>
+          <a:bodyPr anchor="t"/>
+          <a:lstStyle/>
+          <a:p>
+            <a:pPr>
+              <a:defRPr sz="3000"/>
+            </a:pPr>
+            <a:r>
+              <a:t>Create and implement a Gulp Deploy task</a:t>
+            </a:r>
+          </a:p>
+        </p:txBody>
+      </p:sp>
+      <p:sp>
+        <p:nvSpPr>
+          <p:cNvPr id="3" name="Content Placeholder 2"/>
+          <p:cNvSpPr>
+            <a:spLocks noGrp="1"/>
+          </p:cNvSpPr>
+          <p:nvPr>
+            <p:ph idx="1"/>
+          </p:nvPr>
+        </p:nvSpPr>
+        <p:spPr>
+          <a:xfrm>
+            <a:off x="182880" y="838200"/>
+            <a:ext cx="11826240" cy="5654040"/>
+          </a:xfrm>
+        </p:spPr>
+        <p:txBody>
+          <a:bodyPr>
+            <a:normAutofit/>
+          </a:bodyPr>
+          <a:lstStyle/>
+          <a:p>
+            <a:pPr>
+              <a:defRPr sz="1800"/>
+            </a:pPr>
+            <a:r>
+              <a:t>Review </a:t>
+            </a:r>
+            <a:r>
+              <a:rPr>
+                <a:latin typeface="Courier"/>
+              </a:rPr>
+              <a:t/>
+            </a:r>
+            <a:r>
+              <a:t/>
+            </a:r>
+            <a:r>
+              <a:rPr>
+                <a:latin typeface="Courier"/>
+              </a:rPr>
+              <a:t>cics-refresh</a:t>
+            </a:r>
+            <a:r>
+              <a:t/>
+            </a:r>
+            <a:r>
+              <a:rPr>
+                <a:latin typeface="Courier"/>
+              </a:rPr>
+              <a:t/>
+            </a:r>
+            <a:r>
+              <a:t> task to refresh the </a:t>
+            </a:r>
+            <a:r>
+              <a:rPr>
+                <a:latin typeface="Courier"/>
+              </a:rPr>
+              <a:t/>
+            </a:r>
+            <a:r>
+              <a:t/>
+            </a:r>
+            <a:r>
+              <a:rPr>
+                <a:latin typeface="Courier"/>
+              </a:rPr>
+              <a:t>MARBLE PGM</a:t>
+            </a:r>
+            <a:r>
+              <a:t/>
+            </a:r>
+            <a:r>
+              <a:rPr>
+                <a:latin typeface="Courier"/>
+              </a:rPr>
+              <a:t/>
+            </a:r>
+          </a:p>
+          <a:p>
+            <a:pPr>
+              <a:defRPr sz="1800"/>
+            </a:pPr>
+            <a:r>
+              <a:t>Combine the tasks into a single deploy task using </a:t>
+            </a:r>
+            <a:r>
+              <a:rPr>
+                <a:latin typeface="Courier"/>
+              </a:rPr>
+              <a:t/>
+            </a:r>
+            <a:r>
+              <a:t/>
+            </a:r>
+            <a:r>
+              <a:rPr>
+                <a:latin typeface="Courier"/>
+              </a:rPr>
+              <a:t>gulpSequence</a:t>
+            </a:r>
+            <a:r>
+              <a:t/>
+            </a:r>
+            <a:r>
+              <a:rPr>
+                <a:latin typeface="Courier"/>
+              </a:rPr>
+              <a:t/>
+            </a:r>
+            <a:r>
+              <a:t>.</a:t>
+            </a:r>
+          </a:p>
+          <a:p>
+            <a:pPr lvl="1">
+              <a:defRPr sz="1600"/>
+            </a:pPr>
+            <a:r>
+              <a:t>Using the code you created to combine the </a:t>
+            </a:r>
+            <a:r>
+              <a:rPr>
+                <a:latin typeface="Courier"/>
+              </a:rPr>
+              <a:t/>
+            </a:r>
+            <a:r>
+              <a:t/>
+            </a:r>
+            <a:r>
+              <a:rPr>
+                <a:latin typeface="Courier"/>
+              </a:rPr>
+              <a:t>build-cobol</a:t>
+            </a:r>
+            <a:r>
+              <a:t/>
+            </a:r>
+            <a:r>
+              <a:rPr>
+                <a:latin typeface="Courier"/>
+              </a:rPr>
+              <a:t/>
+            </a:r>
+            <a:r>
+              <a:t> and </a:t>
+            </a:r>
+            <a:r>
+              <a:rPr>
+                <a:latin typeface="Courier"/>
+              </a:rPr>
+              <a:t/>
+            </a:r>
+            <a:r>
+              <a:t/>
+            </a:r>
+            <a:r>
+              <a:rPr>
+                <a:latin typeface="Courier"/>
+              </a:rPr>
+              <a:t>build-lnk</a:t>
+            </a:r>
+            <a:r>
+              <a:t/>
+            </a:r>
+            <a:r>
+              <a:rPr>
+                <a:latin typeface="Courier"/>
+              </a:rPr>
+              <a:t/>
+            </a:r>
+            <a:r>
+              <a:t> tasks into a single build task as a reference, combine the following tasks into a single deploy task that will deploy the program using:</a:t>
+            </a:r>
+          </a:p>
+          <a:p>
+            <a:pPr lvl="2">
+              <a:defRPr sz="1400"/>
+            </a:pPr>
+            <a:r>
+              <a:t/>
+            </a:r>
+            <a:r>
+              <a:rPr>
+                <a:latin typeface="Courier"/>
+              </a:rPr>
+              <a:t/>
+            </a:r>
+            <a:r>
+              <a:t/>
+            </a:r>
+            <a:r>
+              <a:rPr>
+                <a:latin typeface="Courier"/>
+              </a:rPr>
+              <a:t>copy</a:t>
+            </a:r>
+            <a:r>
+              <a:t/>
+            </a:r>
+            <a:r>
+              <a:rPr>
+                <a:latin typeface="Courier"/>
+              </a:rPr>
+              <a:t/>
+            </a:r>
+          </a:p>
+          <a:p>
+            <a:pPr lvl="2">
+              <a:defRPr sz="1400"/>
+            </a:pPr>
+            <a:r>
+              <a:t/>
+            </a:r>
+            <a:r>
+              <a:rPr>
+                <a:latin typeface="Courier"/>
+              </a:rPr>
+              <a:t/>
+            </a:r>
+            <a:r>
+              <a:t/>
+            </a:r>
+            <a:r>
+              <a:rPr>
+                <a:latin typeface="Courier"/>
+              </a:rPr>
+              <a:t>bind-n-grant</a:t>
+            </a:r>
+            <a:r>
+              <a:t/>
+            </a:r>
+            <a:r>
+              <a:rPr>
+                <a:latin typeface="Courier"/>
+              </a:rPr>
+              <a:t/>
+            </a:r>
+          </a:p>
+          <a:p>
+            <a:pPr lvl="2">
+              <a:defRPr sz="1400"/>
+            </a:pPr>
+            <a:r>
+              <a:t/>
+            </a:r>
+            <a:r>
+              <a:rPr>
+                <a:latin typeface="Courier"/>
+              </a:rPr>
+              <a:t/>
+            </a:r>
+            <a:r>
+              <a:t/>
+            </a:r>
+            <a:r>
+              <a:rPr>
+                <a:latin typeface="Courier"/>
+              </a:rPr>
+              <a:t>cics-refresh</a:t>
+            </a:r>
+            <a:r>
+              <a:t/>
+            </a:r>
+            <a:r>
+              <a:rPr>
+                <a:latin typeface="Courier"/>
+              </a:rPr>
+              <a:t/>
+            </a:r>
+          </a:p>
+          <a:p>
+            <a:pPr lvl="1">
+              <a:defRPr sz="1600"/>
+            </a:pPr>
+            <a:r>
+              <a:t>Ensure your task appears when issuing </a:t>
+            </a:r>
+            <a:r>
+              <a:rPr>
+                <a:latin typeface="Courier"/>
+              </a:rPr>
+              <a:t/>
+            </a:r>
+            <a:r>
+              <a:t/>
+            </a:r>
+            <a:r>
+              <a:rPr>
+                <a:latin typeface="Courier"/>
+              </a:rPr>
+              <a:t>gulp help</a:t>
+            </a:r>
+            <a:r>
+              <a:t/>
+            </a:r>
+            <a:r>
+              <a:rPr>
+                <a:latin typeface="Courier"/>
+              </a:rPr>
+              <a:t/>
+            </a:r>
+          </a:p>
+          <a:p>
+            <a:pPr lvl="1">
+              <a:defRPr sz="1600"/>
+            </a:pPr>
+            <a:r>
+              <a:t>Run </a:t>
+            </a:r>
+            <a:r>
+              <a:rPr>
+                <a:latin typeface="Courier"/>
+              </a:rPr>
+              <a:t/>
+            </a:r>
+            <a:r>
+              <a:t/>
+            </a:r>
+            <a:r>
+              <a:rPr>
+                <a:latin typeface="Courier"/>
+              </a:rPr>
+              <a:t>gulp deploy</a:t>
+            </a:r>
+            <a:r>
+              <a:t/>
+            </a:r>
+            <a:r>
+              <a:rPr>
+                <a:latin typeface="Courier"/>
+              </a:rPr>
+              <a:t/>
+            </a:r>
+          </a:p>
+          <a:p>
+            <a:pPr lvl="1">
+              <a:defRPr sz="1600"/>
+            </a:pPr>
+            <a:r>
+              <a:t>Ensure your task completes without error</a:t>
+            </a:r>
+          </a:p>
+        </p:txBody>
+      </p:sp>
     </p:spTree>
   </p:cSld>
   <p:clrMapOvr>
@@ -33530,400 +33727,6 @@
               <a:defRPr sz="3000"/>
             </a:pPr>
             <a:r>
-              <a:t>Create and implement a Gulp Deploy task</a:t>
-            </a:r>
-          </a:p>
-        </p:txBody>
-      </p:sp>
-      <p:sp>
-        <p:nvSpPr>
-          <p:cNvPr id="3" name="Content Placeholder 2"/>
-          <p:cNvSpPr>
-            <a:spLocks noGrp="1"/>
-          </p:cNvSpPr>
-          <p:nvPr>
-            <p:ph idx="1"/>
-          </p:nvPr>
-        </p:nvSpPr>
-        <p:spPr>
-          <a:xfrm>
-            <a:off x="182880" y="838200"/>
-            <a:ext cx="11826240" cy="5654040"/>
-          </a:xfrm>
-        </p:spPr>
-        <p:txBody>
-          <a:bodyPr>
-            <a:normAutofit/>
-          </a:bodyPr>
-          <a:lstStyle/>
-          <a:p>
-            <a:pPr>
-              <a:defRPr sz="1800"/>
-            </a:pPr>
-            <a:r>
-              <a:t>Review </a:t>
-            </a:r>
-            <a:r>
-              <a:rPr>
-                <a:latin typeface="Courier"/>
-              </a:rPr>
-              <a:t/>
-            </a:r>
-            <a:r>
-              <a:t/>
-            </a:r>
-            <a:r>
-              <a:rPr>
-                <a:latin typeface="Courier"/>
-              </a:rPr>
-              <a:t>cics-refresh</a:t>
-            </a:r>
-            <a:r>
-              <a:t/>
-            </a:r>
-            <a:r>
-              <a:rPr>
-                <a:latin typeface="Courier"/>
-              </a:rPr>
-              <a:t/>
-            </a:r>
-            <a:r>
-              <a:t> task to refresh the </a:t>
-            </a:r>
-            <a:r>
-              <a:rPr>
-                <a:latin typeface="Courier"/>
-              </a:rPr>
-              <a:t/>
-            </a:r>
-            <a:r>
-              <a:t/>
-            </a:r>
-            <a:r>
-              <a:rPr>
-                <a:latin typeface="Courier"/>
-              </a:rPr>
-              <a:t>MARBLE PGM</a:t>
-            </a:r>
-            <a:r>
-              <a:t/>
-            </a:r>
-            <a:r>
-              <a:rPr>
-                <a:latin typeface="Courier"/>
-              </a:rPr>
-              <a:t/>
-            </a:r>
-          </a:p>
-          <a:p>
-            <a:pPr>
-              <a:defRPr sz="1800"/>
-            </a:pPr>
-            <a:r>
-              <a:t>Combine the tasks into a single deploy task using </a:t>
-            </a:r>
-            <a:r>
-              <a:rPr>
-                <a:latin typeface="Courier"/>
-              </a:rPr>
-              <a:t/>
-            </a:r>
-            <a:r>
-              <a:t/>
-            </a:r>
-            <a:r>
-              <a:rPr>
-                <a:latin typeface="Courier"/>
-              </a:rPr>
-              <a:t>gulpSequence</a:t>
-            </a:r>
-            <a:r>
-              <a:t/>
-            </a:r>
-            <a:r>
-              <a:rPr>
-                <a:latin typeface="Courier"/>
-              </a:rPr>
-              <a:t/>
-            </a:r>
-            <a:r>
-              <a:t>.</a:t>
-            </a:r>
-          </a:p>
-          <a:p>
-            <a:pPr lvl="1">
-              <a:defRPr sz="1600"/>
-            </a:pPr>
-            <a:r>
-              <a:t>Using the code you created to combine the </a:t>
-            </a:r>
-            <a:r>
-              <a:rPr>
-                <a:latin typeface="Courier"/>
-              </a:rPr>
-              <a:t/>
-            </a:r>
-            <a:r>
-              <a:t/>
-            </a:r>
-            <a:r>
-              <a:rPr>
-                <a:latin typeface="Courier"/>
-              </a:rPr>
-              <a:t>build-cobol</a:t>
-            </a:r>
-            <a:r>
-              <a:t/>
-            </a:r>
-            <a:r>
-              <a:rPr>
-                <a:latin typeface="Courier"/>
-              </a:rPr>
-              <a:t/>
-            </a:r>
-            <a:r>
-              <a:t> and </a:t>
-            </a:r>
-            <a:r>
-              <a:rPr>
-                <a:latin typeface="Courier"/>
-              </a:rPr>
-              <a:t/>
-            </a:r>
-            <a:r>
-              <a:t/>
-            </a:r>
-            <a:r>
-              <a:rPr>
-                <a:latin typeface="Courier"/>
-              </a:rPr>
-              <a:t>build-lnk</a:t>
-            </a:r>
-            <a:r>
-              <a:t/>
-            </a:r>
-            <a:r>
-              <a:rPr>
-                <a:latin typeface="Courier"/>
-              </a:rPr>
-              <a:t/>
-            </a:r>
-            <a:r>
-              <a:t> tasks into a single build task as a reference, combine the following tasks into a single deploy task that will deploy the program using:</a:t>
-            </a:r>
-          </a:p>
-          <a:p>
-            <a:pPr lvl="2">
-              <a:defRPr sz="1400"/>
-            </a:pPr>
-            <a:r>
-              <a:t/>
-            </a:r>
-            <a:r>
-              <a:rPr>
-                <a:latin typeface="Courier"/>
-              </a:rPr>
-              <a:t/>
-            </a:r>
-            <a:r>
-              <a:t/>
-            </a:r>
-            <a:r>
-              <a:rPr>
-                <a:latin typeface="Courier"/>
-              </a:rPr>
-              <a:t>copy</a:t>
-            </a:r>
-            <a:r>
-              <a:t/>
-            </a:r>
-            <a:r>
-              <a:rPr>
-                <a:latin typeface="Courier"/>
-              </a:rPr>
-              <a:t/>
-            </a:r>
-          </a:p>
-          <a:p>
-            <a:pPr lvl="2">
-              <a:defRPr sz="1400"/>
-            </a:pPr>
-            <a:r>
-              <a:t/>
-            </a:r>
-            <a:r>
-              <a:rPr>
-                <a:latin typeface="Courier"/>
-              </a:rPr>
-              <a:t/>
-            </a:r>
-            <a:r>
-              <a:t/>
-            </a:r>
-            <a:r>
-              <a:rPr>
-                <a:latin typeface="Courier"/>
-              </a:rPr>
-              <a:t>bind-n-grant</a:t>
-            </a:r>
-            <a:r>
-              <a:t/>
-            </a:r>
-            <a:r>
-              <a:rPr>
-                <a:latin typeface="Courier"/>
-              </a:rPr>
-              <a:t/>
-            </a:r>
-          </a:p>
-          <a:p>
-            <a:pPr lvl="2">
-              <a:defRPr sz="1400"/>
-            </a:pPr>
-            <a:r>
-              <a:t/>
-            </a:r>
-            <a:r>
-              <a:rPr>
-                <a:latin typeface="Courier"/>
-              </a:rPr>
-              <a:t/>
-            </a:r>
-            <a:r>
-              <a:t/>
-            </a:r>
-            <a:r>
-              <a:rPr>
-                <a:latin typeface="Courier"/>
-              </a:rPr>
-              <a:t>cics-refresh</a:t>
-            </a:r>
-            <a:r>
-              <a:t/>
-            </a:r>
-            <a:r>
-              <a:rPr>
-                <a:latin typeface="Courier"/>
-              </a:rPr>
-              <a:t/>
-            </a:r>
-          </a:p>
-          <a:p>
-            <a:pPr lvl="1">
-              <a:defRPr sz="1600"/>
-            </a:pPr>
-            <a:r>
-              <a:t>Ensure your task appears when issuing </a:t>
-            </a:r>
-            <a:r>
-              <a:rPr>
-                <a:latin typeface="Courier"/>
-              </a:rPr>
-              <a:t/>
-            </a:r>
-            <a:r>
-              <a:t/>
-            </a:r>
-            <a:r>
-              <a:rPr>
-                <a:latin typeface="Courier"/>
-              </a:rPr>
-              <a:t>gulp help</a:t>
-            </a:r>
-            <a:r>
-              <a:t/>
-            </a:r>
-            <a:r>
-              <a:rPr>
-                <a:latin typeface="Courier"/>
-              </a:rPr>
-              <a:t/>
-            </a:r>
-          </a:p>
-          <a:p>
-            <a:pPr lvl="1">
-              <a:defRPr sz="1600"/>
-            </a:pPr>
-            <a:r>
-              <a:t>Run </a:t>
-            </a:r>
-            <a:r>
-              <a:rPr>
-                <a:latin typeface="Courier"/>
-              </a:rPr>
-              <a:t/>
-            </a:r>
-            <a:r>
-              <a:t/>
-            </a:r>
-            <a:r>
-              <a:rPr>
-                <a:latin typeface="Courier"/>
-              </a:rPr>
-              <a:t>gulp deploy</a:t>
-            </a:r>
-            <a:r>
-              <a:t/>
-            </a:r>
-            <a:r>
-              <a:rPr>
-                <a:latin typeface="Courier"/>
-              </a:rPr>
-              <a:t/>
-            </a:r>
-          </a:p>
-          <a:p>
-            <a:pPr lvl="1">
-              <a:defRPr sz="1600"/>
-            </a:pPr>
-            <a:r>
-              <a:t>Ensure your task completes without error</a:t>
-            </a:r>
-          </a:p>
-        </p:txBody>
-      </p:sp>
-    </p:spTree>
-  </p:cSld>
-  <p:clrMapOvr>
-    <a:masterClrMapping/>
-  </p:clrMapOvr>
-</p:sld>
-</file>
-
-<file path=ppt/slides/slide51.xml><?xml version="1.0" encoding="utf-8"?>
-<p:sld xmlns:a="http://schemas.openxmlformats.org/drawingml/2006/main" xmlns:p="http://schemas.openxmlformats.org/presentationml/2006/main" xmlns:r="http://schemas.openxmlformats.org/officeDocument/2006/relationships">
-  <p:cSld>
-    <p:spTree>
-      <p:nvGrpSpPr>
-        <p:cNvPr id="1" name=""/>
-        <p:cNvGrpSpPr/>
-        <p:nvPr/>
-      </p:nvGrpSpPr>
-      <p:grpSpPr/>
-      <p:sp>
-        <p:nvSpPr>
-          <p:cNvPr id="2" name="Title 1"/>
-          <p:cNvSpPr>
-            <a:spLocks noGrp="1"/>
-          </p:cNvSpPr>
-          <p:nvPr>
-            <p:ph type="title"/>
-          </p:nvPr>
-        </p:nvSpPr>
-        <p:spPr>
-          <a:xfrm>
-            <a:off x="182880" y="182880"/>
-            <a:ext cx="11826240" cy="381000"/>
-          </a:xfrm>
-        </p:spPr>
-        <p:txBody>
-          <a:bodyPr anchor="t"/>
-          <a:lstStyle/>
-          <a:p>
-            <a:pPr>
-              <a:defRPr sz="3000"/>
-            </a:pPr>
-            <a:r>
               <a:t>Completed Deploy Sequence Command</a:t>
             </a:r>
           </a:p>
@@ -33992,6 +33795,72 @@
 </p:sld>
 </file>
 
+<file path=ppt/slides/slide51.xml><?xml version="1.0" encoding="utf-8"?>
+<p:sld xmlns:a="http://schemas.openxmlformats.org/drawingml/2006/main" xmlns:p="http://schemas.openxmlformats.org/presentationml/2006/main" xmlns:r="http://schemas.openxmlformats.org/officeDocument/2006/relationships">
+  <p:cSld>
+    <p:spTree>
+      <p:nvGrpSpPr>
+        <p:cNvPr id="1" name=""/>
+        <p:cNvGrpSpPr/>
+        <p:nvPr/>
+      </p:nvGrpSpPr>
+      <p:grpSpPr/>
+      <p:sp>
+        <p:nvSpPr>
+          <p:cNvPr id="2" name="Title 1"/>
+          <p:cNvSpPr>
+            <a:spLocks noGrp="1"/>
+          </p:cNvSpPr>
+          <p:nvPr>
+            <p:ph type="ctrTitle"/>
+          </p:nvPr>
+        </p:nvSpPr>
+        <p:spPr/>
+        <p:txBody>
+          <a:bodyPr/>
+          <a:lstStyle/>
+          <a:p>
+            <a:pPr>
+              <a:defRPr sz="4000"/>
+            </a:pPr>
+            <a:r>
+              <a:t>Review</a:t>
+            </a:r>
+          </a:p>
+        </p:txBody>
+      </p:sp>
+      <p:sp>
+        <p:nvSpPr>
+          <p:cNvPr id="3" name="Subtitle 2"/>
+          <p:cNvSpPr>
+            <a:spLocks noGrp="1"/>
+          </p:cNvSpPr>
+          <p:nvPr>
+            <p:ph type="subTitle" idx="1"/>
+          </p:nvPr>
+        </p:nvSpPr>
+        <p:spPr/>
+        <p:txBody>
+          <a:bodyPr/>
+          <a:lstStyle/>
+          <a:p>
+            <a:pPr>
+              <a:defRPr sz="2800"/>
+            </a:pPr>
+            <a:r>
+              <a:t>What have we learned so far?</a:t>
+            </a:r>
+          </a:p>
+        </p:txBody>
+      </p:sp>
+    </p:spTree>
+  </p:cSld>
+  <p:clrMapOvr>
+    <a:masterClrMapping/>
+  </p:clrMapOvr>
+</p:sld>
+</file>
+
 <file path=ppt/slides/slide52.xml><?xml version="1.0" encoding="utf-8"?>
 <p:sld xmlns:a="http://schemas.openxmlformats.org/drawingml/2006/main" xmlns:p="http://schemas.openxmlformats.org/presentationml/2006/main" xmlns:r="http://schemas.openxmlformats.org/officeDocument/2006/relationships">
   <p:cSld>
@@ -34021,7 +33890,7 @@
               <a:defRPr sz="4000"/>
             </a:pPr>
             <a:r>
-              <a:t>Review</a:t>
+              <a:t>Section V:</a:t>
             </a:r>
           </a:p>
         </p:txBody>
@@ -34045,7 +33914,7 @@
               <a:defRPr sz="2800"/>
             </a:pPr>
             <a:r>
-              <a:t>What have we learned so far?</a:t>
+              <a:t>Automate Testing</a:t>
             </a:r>
           </a:p>
         </p:txBody>
@@ -34075,43 +33944,95 @@
             <a:spLocks noGrp="1"/>
           </p:cNvSpPr>
           <p:nvPr>
-            <p:ph type="ctrTitle"/>
-          </p:nvPr>
-        </p:nvSpPr>
-        <p:spPr/>
+            <p:ph type="title"/>
+          </p:nvPr>
+        </p:nvSpPr>
+        <p:spPr>
+          <a:xfrm>
+            <a:off x="182880" y="182880"/>
+            <a:ext cx="11826240" cy="381000"/>
+          </a:xfrm>
+        </p:spPr>
         <p:txBody>
-          <a:bodyPr/>
+          <a:bodyPr anchor="t"/>
           <a:lstStyle/>
           <a:p>
             <a:pPr>
-              <a:defRPr sz="4000"/>
-            </a:pPr>
-            <a:r>
-              <a:t>Section IIIc:</a:t>
+              <a:defRPr sz="3000"/>
+            </a:pPr>
+            <a:r>
+              <a:t>What is automated testing?</a:t>
             </a:r>
           </a:p>
         </p:txBody>
       </p:sp>
       <p:sp>
         <p:nvSpPr>
-          <p:cNvPr id="3" name="Subtitle 2"/>
-          <p:cNvSpPr>
-            <a:spLocks noGrp="1"/>
-          </p:cNvSpPr>
-          <p:nvPr>
-            <p:ph type="subTitle" idx="1"/>
-          </p:nvPr>
-        </p:nvSpPr>
-        <p:spPr/>
+          <p:cNvPr id="3" name="Content Placeholder 2"/>
+          <p:cNvSpPr>
+            <a:spLocks noGrp="1"/>
+          </p:cNvSpPr>
+          <p:nvPr>
+            <p:ph idx="1"/>
+          </p:nvPr>
+        </p:nvSpPr>
+        <p:spPr>
+          <a:xfrm>
+            <a:off x="182880" y="838200"/>
+            <a:ext cx="11826240" cy="5654040"/>
+          </a:xfrm>
+        </p:spPr>
         <p:txBody>
-          <a:bodyPr/>
+          <a:bodyPr>
+            <a:normAutofit/>
+          </a:bodyPr>
           <a:lstStyle/>
           <a:p>
             <a:pPr>
-              <a:defRPr sz="2800"/>
-            </a:pPr>
-            <a:r>
-              <a:t>Automate Testing</a:t>
+              <a:defRPr sz="1800"/>
+            </a:pPr>
+            <a:r>
+              <a:t>Applications behave in an expected manner. When making code changes, it's common for developers to test the expected behavior many times. This can be time consuming and boring. Developers started to write scripts that automate these repetitive tests so that they can stay focused on writing more code.</a:t>
+            </a:r>
+          </a:p>
+          <a:p>
+            <a:pPr>
+              <a:defRPr sz="1800"/>
+            </a:pPr>
+            <a:r>
+              <a:t>Different types of automated testing</a:t>
+            </a:r>
+          </a:p>
+          <a:p>
+            <a:pPr lvl="1">
+              <a:defRPr sz="1600"/>
+            </a:pPr>
+            <a:r>
+              <a:t>Unit Tests</a:t>
+            </a:r>
+          </a:p>
+          <a:p>
+            <a:pPr lvl="1">
+              <a:defRPr sz="1600"/>
+            </a:pPr>
+            <a:r>
+              <a:t>Integration Tests</a:t>
+            </a:r>
+          </a:p>
+          <a:p>
+            <a:pPr lvl="1">
+              <a:defRPr sz="1600"/>
+            </a:pPr>
+            <a:r>
+              <a:t>System Tests</a:t>
+            </a:r>
+          </a:p>
+          <a:p>
+            <a:pPr lvl="1">
+              <a:defRPr sz="1600"/>
+            </a:pPr>
+            <a:r>
+              <a:t>Performance Tests</a:t>
             </a:r>
           </a:p>
         </p:txBody>
@@ -34158,7 +34079,7 @@
               <a:defRPr sz="3000"/>
             </a:pPr>
             <a:r>
-              <a:t>What is automated testing?</a:t>
+              <a:t>Types of Automated Tests</a:t>
             </a:r>
           </a:p>
         </p:txBody>
@@ -34189,7 +34110,31 @@
               <a:defRPr sz="1800"/>
             </a:pPr>
             <a:r>
-              <a:t>Applications behave in an expected manner. When making code changes, it's common for developers to test the expected behavior many times. This can be time consuming and boring. Developers started to write scripts that automate these repetitive tests so that they can stay focused on writing more code.</a:t>
+              <a:t>Unit Tests</a:t>
+            </a:r>
+          </a:p>
+          <a:p>
+            <a:pPr lvl="1">
+              <a:defRPr sz="1600"/>
+            </a:pPr>
+            <a:r>
+              <a:t>Front-end code (JavaScript)</a:t>
+            </a:r>
+          </a:p>
+          <a:p>
+            <a:pPr lvl="1">
+              <a:defRPr sz="1600"/>
+            </a:pPr>
+            <a:r>
+              <a:t>Web code (Java)</a:t>
+            </a:r>
+          </a:p>
+          <a:p>
+            <a:pPr lvl="1">
+              <a:defRPr sz="1600"/>
+            </a:pPr>
+            <a:r>
+              <a:t>Back-end code (COBOL / CICS)</a:t>
             </a:r>
           </a:p>
           <a:p>
@@ -34197,7 +34142,7 @@
               <a:defRPr sz="1800"/>
             </a:pPr>
             <a:r>
-              <a:t>Different types of automated testing</a:t>
+              <a:t>Integration Tests</a:t>
             </a:r>
           </a:p>
           <a:p>
@@ -34205,7 +34150,7 @@
               <a:defRPr sz="1600"/>
             </a:pPr>
             <a:r>
-              <a:t>Unit Tests</a:t>
+              <a:t>UI</a:t>
             </a:r>
           </a:p>
           <a:p>
@@ -34213,7 +34158,7 @@
               <a:defRPr sz="1600"/>
             </a:pPr>
             <a:r>
-              <a:t>Integration Tests</a:t>
+              <a:t>Web Server</a:t>
             </a:r>
           </a:p>
           <a:p>
@@ -34221,12 +34166,28 @@
               <a:defRPr sz="1600"/>
             </a:pPr>
             <a:r>
-              <a:t>System Tests</a:t>
+              <a:t>CICS</a:t>
             </a:r>
           </a:p>
           <a:p>
             <a:pPr lvl="1">
               <a:defRPr sz="1600"/>
+            </a:pPr>
+            <a:r>
+              <a:t>Db2</a:t>
+            </a:r>
+          </a:p>
+          <a:p>
+            <a:pPr>
+              <a:defRPr sz="1800"/>
+            </a:pPr>
+            <a:r>
+              <a:t>System Tests</a:t>
+            </a:r>
+          </a:p>
+          <a:p>
+            <a:pPr>
+              <a:defRPr sz="1800"/>
             </a:pPr>
             <a:r>
               <a:t>Performance Tests</a:t>
@@ -34276,7 +34237,7 @@
               <a:defRPr sz="3000"/>
             </a:pPr>
             <a:r>
-              <a:t>Types of Automated Tests</a:t>
+              <a:t>Automating Tests</a:t>
             </a:r>
           </a:p>
         </p:txBody>
@@ -34307,7 +34268,7 @@
               <a:defRPr sz="1800"/>
             </a:pPr>
             <a:r>
-              <a:t>Unit Tests</a:t>
+              <a:t>Automating tests comes down to two choices:</a:t>
             </a:r>
           </a:p>
           <a:p>
@@ -34315,7 +34276,7 @@
               <a:defRPr sz="1600"/>
             </a:pPr>
             <a:r>
-              <a:t>Front-end code (JavaScript)</a:t>
+              <a:t>Write scripts in your language of choice and manage them manually.</a:t>
             </a:r>
           </a:p>
           <a:p>
@@ -34323,7 +34284,15 @@
               <a:defRPr sz="1600"/>
             </a:pPr>
             <a:r>
-              <a:t>Web code (Java)</a:t>
+              <a:t>Choose a scripting framework that suits your needs and skills.</a:t>
+            </a:r>
+          </a:p>
+          <a:p>
+            <a:pPr>
+              <a:defRPr sz="1800"/>
+            </a:pPr>
+            <a:r>
+              <a:t>Popular testing frameworks:</a:t>
             </a:r>
           </a:p>
           <a:p>
@@ -34331,15 +34300,7 @@
               <a:defRPr sz="1600"/>
             </a:pPr>
             <a:r>
-              <a:t>Back-end code (COBOL / CICS)</a:t>
-            </a:r>
-          </a:p>
-          <a:p>
-            <a:pPr>
-              <a:defRPr sz="1800"/>
-            </a:pPr>
-            <a:r>
-              <a:t>Integration Tests</a:t>
+              <a:t>Mocha</a:t>
             </a:r>
           </a:p>
           <a:p>
@@ -34347,7 +34308,7 @@
               <a:defRPr sz="1600"/>
             </a:pPr>
             <a:r>
-              <a:t>UI</a:t>
+              <a:t>Robot</a:t>
             </a:r>
           </a:p>
           <a:p>
@@ -34355,7 +34316,7 @@
               <a:defRPr sz="1600"/>
             </a:pPr>
             <a:r>
-              <a:t>Web Server</a:t>
+              <a:t>Jest</a:t>
             </a:r>
           </a:p>
           <a:p>
@@ -34363,7 +34324,7 @@
               <a:defRPr sz="1600"/>
             </a:pPr>
             <a:r>
-              <a:t>CICS</a:t>
+              <a:t>Jasmine</a:t>
             </a:r>
           </a:p>
           <a:p>
@@ -34371,23 +34332,7 @@
               <a:defRPr sz="1600"/>
             </a:pPr>
             <a:r>
-              <a:t>Db2</a:t>
-            </a:r>
-          </a:p>
-          <a:p>
-            <a:pPr>
-              <a:defRPr sz="1800"/>
-            </a:pPr>
-            <a:r>
-              <a:t>System Tests</a:t>
-            </a:r>
-          </a:p>
-          <a:p>
-            <a:pPr>
-              <a:defRPr sz="1800"/>
-            </a:pPr>
-            <a:r>
-              <a:t>Performance Tests</a:t>
+              <a:t>JMeter</a:t>
             </a:r>
           </a:p>
         </p:txBody>
@@ -34417,121 +34362,43 @@
             <a:spLocks noGrp="1"/>
           </p:cNvSpPr>
           <p:nvPr>
-            <p:ph type="title"/>
+            <p:ph type="ctrTitle"/>
+          </p:nvPr>
+        </p:nvSpPr>
+        <p:spPr/>
+        <p:txBody>
+          <a:bodyPr/>
+          <a:lstStyle/>
+          <a:p>
+            <a:pPr>
+              <a:defRPr sz="4000"/>
+            </a:pPr>
+            <a:r>
+              <a:t>Automate Testing of a CICS Transaction</a:t>
+            </a:r>
+          </a:p>
+        </p:txBody>
+      </p:sp>
+      <p:sp>
+        <p:nvSpPr>
+          <p:cNvPr id="3" name="Subtitle 2"/>
+          <p:cNvSpPr>
+            <a:spLocks noGrp="1"/>
+          </p:cNvSpPr>
+          <p:nvPr>
+            <p:ph type="subTitle" idx="1"/>
           </p:nvPr>
         </p:nvSpPr>
         <p:spPr>
           <a:xfrm>
-            <a:off x="182880" y="182880"/>
-            <a:ext cx="11826240" cy="381000"/>
+            <a:off x="527050" y="5274310"/>
+            <a:ext cx="9144000" cy="365760"/>
           </a:xfrm>
         </p:spPr>
         <p:txBody>
-          <a:bodyPr anchor="t"/>
+          <a:bodyPr/>
           <a:lstStyle/>
-          <a:p>
-            <a:pPr>
-              <a:defRPr sz="3000"/>
-            </a:pPr>
-            <a:r>
-              <a:t>Automating Tests</a:t>
-            </a:r>
-          </a:p>
-        </p:txBody>
-      </p:sp>
-      <p:sp>
-        <p:nvSpPr>
-          <p:cNvPr id="3" name="Content Placeholder 2"/>
-          <p:cNvSpPr>
-            <a:spLocks noGrp="1"/>
-          </p:cNvSpPr>
-          <p:nvPr>
-            <p:ph idx="1"/>
-          </p:nvPr>
-        </p:nvSpPr>
-        <p:spPr>
-          <a:xfrm>
-            <a:off x="182880" y="838200"/>
-            <a:ext cx="11826240" cy="5654040"/>
-          </a:xfrm>
-        </p:spPr>
-        <p:txBody>
-          <a:bodyPr>
-            <a:normAutofit/>
-          </a:bodyPr>
-          <a:lstStyle/>
-          <a:p>
-            <a:pPr>
-              <a:defRPr sz="1800"/>
-            </a:pPr>
-            <a:r>
-              <a:t>Automating tests comes down to two choices:</a:t>
-            </a:r>
-          </a:p>
-          <a:p>
-            <a:pPr lvl="1">
-              <a:defRPr sz="1600"/>
-            </a:pPr>
-            <a:r>
-              <a:t>Write scripts in your language of choice and manage them manually.</a:t>
-            </a:r>
-          </a:p>
-          <a:p>
-            <a:pPr lvl="1">
-              <a:defRPr sz="1600"/>
-            </a:pPr>
-            <a:r>
-              <a:t>Choose a scripting framework that suits your needs and skills.</a:t>
-            </a:r>
-          </a:p>
-          <a:p>
-            <a:pPr>
-              <a:defRPr sz="1800"/>
-            </a:pPr>
-            <a:r>
-              <a:t>Popular testing frameworks:</a:t>
-            </a:r>
-          </a:p>
-          <a:p>
-            <a:pPr lvl="1">
-              <a:defRPr sz="1600"/>
-            </a:pPr>
-            <a:r>
-              <a:t>Mocha</a:t>
-            </a:r>
-          </a:p>
-          <a:p>
-            <a:pPr lvl="1">
-              <a:defRPr sz="1600"/>
-            </a:pPr>
-            <a:r>
-              <a:t>Robot</a:t>
-            </a:r>
-          </a:p>
-          <a:p>
-            <a:pPr lvl="1">
-              <a:defRPr sz="1600"/>
-            </a:pPr>
-            <a:r>
-              <a:t>Jest</a:t>
-            </a:r>
-          </a:p>
-          <a:p>
-            <a:pPr lvl="1">
-              <a:defRPr sz="1600"/>
-            </a:pPr>
-            <a:r>
-              <a:t>Jasmine</a:t>
-            </a:r>
-          </a:p>
-          <a:p>
-            <a:pPr lvl="1">
-              <a:defRPr sz="1600"/>
-            </a:pPr>
-            <a:r>
-              <a:t>JMeter</a:t>
-            </a:r>
-          </a:p>
+          <a:p/>
         </p:txBody>
       </p:sp>
     </p:spTree>
@@ -34559,43 +34426,137 @@
             <a:spLocks noGrp="1"/>
           </p:cNvSpPr>
           <p:nvPr>
-            <p:ph type="ctrTitle"/>
-          </p:nvPr>
-        </p:nvSpPr>
-        <p:spPr/>
-        <p:txBody>
-          <a:bodyPr/>
-          <a:lstStyle/>
-          <a:p>
-            <a:pPr>
-              <a:defRPr sz="4000"/>
-            </a:pPr>
-            <a:r>
-              <a:t>Automate Testing of a CICS Transaction</a:t>
-            </a:r>
-          </a:p>
-        </p:txBody>
-      </p:sp>
-      <p:sp>
-        <p:nvSpPr>
-          <p:cNvPr id="3" name="Subtitle 2"/>
-          <p:cNvSpPr>
-            <a:spLocks noGrp="1"/>
-          </p:cNvSpPr>
-          <p:nvPr>
-            <p:ph type="subTitle" idx="1"/>
+            <p:ph type="title"/>
           </p:nvPr>
         </p:nvSpPr>
         <p:spPr>
           <a:xfrm>
-            <a:off x="527050" y="5274310"/>
-            <a:ext cx="9144000" cy="365760"/>
+            <a:off x="182880" y="182880"/>
+            <a:ext cx="11826240" cy="381000"/>
           </a:xfrm>
         </p:spPr>
         <p:txBody>
-          <a:bodyPr/>
+          <a:bodyPr anchor="t"/>
           <a:lstStyle/>
-          <a:p/>
+          <a:p>
+            <a:pPr>
+              <a:defRPr sz="3000"/>
+            </a:pPr>
+            <a:r>
+              <a:t>CICS Manual Test</a:t>
+            </a:r>
+          </a:p>
+        </p:txBody>
+      </p:sp>
+      <p:sp>
+        <p:nvSpPr>
+          <p:cNvPr id="3" name="Content Placeholder 2"/>
+          <p:cNvSpPr>
+            <a:spLocks noGrp="1"/>
+          </p:cNvSpPr>
+          <p:nvPr>
+            <p:ph idx="1"/>
+          </p:nvPr>
+        </p:nvSpPr>
+        <p:spPr>
+          <a:xfrm>
+            <a:off x="182880" y="838200"/>
+            <a:ext cx="11826240" cy="5654040"/>
+          </a:xfrm>
+        </p:spPr>
+        <p:txBody>
+          <a:bodyPr>
+            <a:normAutofit/>
+          </a:bodyPr>
+          <a:lstStyle/>
+          <a:p>
+            <a:pPr>
+              <a:defRPr sz="1800"/>
+            </a:pPr>
+            <a:r>
+              <a:t>Manually test your deployed program to ensure the MABRLE was successfully created.</a:t>
+            </a:r>
+          </a:p>
+          <a:p>
+            <a:pPr lvl="1">
+              <a:defRPr sz="1600"/>
+            </a:pPr>
+            <a:r>
+              <a:t>Recall that you previously issued the following command to ensure your program was successfully updated and deployed:</a:t>
+            </a:r>
+          </a:p>
+          <a:p>
+            <a:pPr lvl="2">
+              <a:defRPr sz="1400"/>
+            </a:pPr>
+            <a:r>
+              <a:t/>
+            </a:r>
+            <a:r>
+              <a:rPr>
+                <a:latin typeface="Courier"/>
+              </a:rPr>
+              <a:t/>
+            </a:r>
+            <a:r>
+              <a:t/>
+            </a:r>
+            <a:r>
+              <a:rPr>
+                <a:latin typeface="Courier"/>
+              </a:rPr>
+              <a:t>zowe console issue command "F CICS_REGION,MARBLE_CICS CRE MARBLE_COLOR 1 2" --console-name MAINFRAME_USER</a:t>
+            </a:r>
+            <a:r>
+              <a:t/>
+            </a:r>
+            <a:r>
+              <a:rPr>
+                <a:latin typeface="Courier"/>
+              </a:rPr>
+              <a:t/>
+            </a:r>
+          </a:p>
+          <a:p>
+            <a:pPr lvl="1">
+              <a:defRPr sz="1600"/>
+            </a:pPr>
+            <a:r>
+              <a:t>Now we will run a command to verify the database contains the correct information.  Ensure your marble is in the database:</a:t>
+            </a:r>
+          </a:p>
+          <a:p>
+            <a:pPr lvl="2">
+              <a:defRPr sz="1400"/>
+            </a:pPr>
+            <a:r>
+              <a:t/>
+            </a:r>
+            <a:r>
+              <a:rPr>
+                <a:latin typeface="Courier"/>
+              </a:rPr>
+              <a:t/>
+            </a:r>
+            <a:r>
+              <a:t/>
+            </a:r>
+            <a:r>
+              <a:rPr>
+                <a:latin typeface="Courier"/>
+              </a:rPr>
+              <a:t>zowe jobs submit ds "MAINFRAME_USER.MARBLES.JCL(MARBDB2)</a:t>
+            </a:r>
+            <a:r>
+              <a:t/>
+            </a:r>
+            <a:r>
+              <a:rPr>
+                <a:latin typeface="Courier"/>
+              </a:rPr>
+              <a:t/>
+            </a:r>
+          </a:p>
         </p:txBody>
       </p:sp>
     </p:spTree>
@@ -34640,7 +34601,7 @@
               <a:defRPr sz="3000"/>
             </a:pPr>
             <a:r>
-              <a:t>CICS Manual Test</a:t>
+              <a:t>CICS Test Scenario</a:t>
             </a:r>
           </a:p>
         </p:txBody>
@@ -34658,7 +34619,7 @@
         <p:spPr>
           <a:xfrm>
             <a:off x="182880" y="838200"/>
-            <a:ext cx="11826240" cy="5654040"/>
+            <a:ext cx="11826240" cy="1413510"/>
           </a:xfrm>
         </p:spPr>
         <p:txBody>
@@ -34671,91 +34632,35 @@
               <a:defRPr sz="1800"/>
             </a:pPr>
             <a:r>
-              <a:t>Manually test your deployed program to ensure the MABRLE was successfully created.</a:t>
-            </a:r>
-          </a:p>
-          <a:p>
-            <a:pPr lvl="1">
-              <a:defRPr sz="1600"/>
-            </a:pPr>
-            <a:r>
-              <a:t>Recall that you previously issued the following command to ensure your program was successfully updated and deployed:</a:t>
-            </a:r>
-          </a:p>
-          <a:p>
-            <a:pPr lvl="2">
-              <a:defRPr sz="1400"/>
-            </a:pPr>
-            <a:r>
-              <a:t/>
-            </a:r>
-            <a:r>
-              <a:rPr>
-                <a:latin typeface="Courier"/>
-              </a:rPr>
-              <a:t/>
-            </a:r>
-            <a:r>
-              <a:t/>
-            </a:r>
-            <a:r>
-              <a:rPr>
-                <a:latin typeface="Courier"/>
-              </a:rPr>
-              <a:t>zowe console issue command "F CICS_REGION,MARBLE_CICS CRE MARBLE_COLOR 1 2" --console-name MAINFRAME_USER</a:t>
-            </a:r>
-            <a:r>
-              <a:t/>
-            </a:r>
-            <a:r>
-              <a:rPr>
-                <a:latin typeface="Courier"/>
-              </a:rPr>
-              <a:t/>
-            </a:r>
-          </a:p>
-          <a:p>
-            <a:pPr lvl="1">
-              <a:defRPr sz="1600"/>
-            </a:pPr>
-            <a:r>
-              <a:t>Now we will run a command to verify the database contains the correct information.  Ensure your marble is in the database:</a:t>
-            </a:r>
-          </a:p>
-          <a:p>
-            <a:pPr lvl="2">
-              <a:defRPr sz="1400"/>
-            </a:pPr>
-            <a:r>
-              <a:t/>
-            </a:r>
-            <a:r>
-              <a:rPr>
-                <a:latin typeface="Courier"/>
-              </a:rPr>
-              <a:t/>
-            </a:r>
-            <a:r>
-              <a:t/>
-            </a:r>
-            <a:r>
-              <a:rPr>
-                <a:latin typeface="Courier"/>
-              </a:rPr>
-              <a:t>zowe jobs submit ds "MAINFRAME_USER.MARBLES.JCL(MARBDB2)</a:t>
-            </a:r>
-            <a:r>
-              <a:t/>
-            </a:r>
-            <a:r>
-              <a:rPr>
-                <a:latin typeface="Courier"/>
-              </a:rPr>
-              <a:t/>
+              <a:t>A framework has been provided that tests that the quantity of marbles in inventory is manipulated appropriately. We will be updating the test plan to account for the cost being updated appropriately as well. The current test plan is as follows:</a:t>
             </a:r>
           </a:p>
         </p:txBody>
       </p:sp>
+      <p:pic>
+        <p:nvPicPr>
+          <p:cNvPr id="4" name="Picture 3" descr="DevOps-Workshop16.png"/>
+          <p:cNvPicPr>
+            <a:picLocks noChangeAspect="1"/>
+          </p:cNvPicPr>
+          <p:nvPr/>
+        </p:nvPicPr>
+        <p:blipFill>
+          <a:blip r:embed="rId2"/>
+          <a:stretch>
+            <a:fillRect/>
+          </a:stretch>
+        </p:blipFill>
+        <p:spPr>
+          <a:xfrm>
+            <a:off x="2933146" y="2251710"/>
+            <a:ext cx="6325707" cy="4240530"/>
+          </a:xfrm>
+          <a:prstGeom prst="rect">
+            <a:avLst/>
+          </a:prstGeom>
+        </p:spPr>
+      </p:pic>
     </p:spTree>
   </p:cSld>
   <p:clrMapOvr>
@@ -34798,45 +34703,14 @@
               <a:defRPr sz="3000"/>
             </a:pPr>
             <a:r>
-              <a:t>CICS Test Scenario</a:t>
-            </a:r>
-          </a:p>
-        </p:txBody>
-      </p:sp>
-      <p:sp>
-        <p:nvSpPr>
-          <p:cNvPr id="3" name="Content Placeholder 2"/>
-          <p:cNvSpPr>
-            <a:spLocks noGrp="1"/>
-          </p:cNvSpPr>
-          <p:nvPr>
-            <p:ph idx="1"/>
-          </p:nvPr>
-        </p:nvSpPr>
-        <p:spPr>
-          <a:xfrm>
-            <a:off x="182880" y="838200"/>
-            <a:ext cx="11826240" cy="1413510"/>
-          </a:xfrm>
-        </p:spPr>
-        <p:txBody>
-          <a:bodyPr>
-            <a:normAutofit/>
-          </a:bodyPr>
-          <a:lstStyle/>
-          <a:p>
-            <a:pPr>
-              <a:defRPr sz="1800"/>
-            </a:pPr>
-            <a:r>
-              <a:t>A framework has been provided that tests that the quantity of marbles in inventory is manipulated appropriately. We will be updating the test plan to account for the cost being updated appropriately as well. The current test plan is as follows:</a:t>
+              <a:t>MochaJS</a:t>
             </a:r>
           </a:p>
         </p:txBody>
       </p:sp>
       <p:pic>
         <p:nvPicPr>
-          <p:cNvPr id="4" name="Picture 3" descr="DevOps-Workshop16.png"/>
+          <p:cNvPr id="3" name="Picture 2" descr="DevOps-Workshop17.png"/>
           <p:cNvPicPr>
             <a:picLocks noChangeAspect="1"/>
           </p:cNvPicPr>
@@ -34850,8 +34724,8 @@
         </p:blipFill>
         <p:spPr>
           <a:xfrm>
-            <a:off x="2933146" y="2251710"/>
-            <a:ext cx="6325707" cy="4240530"/>
+            <a:off x="182880" y="1032370"/>
+            <a:ext cx="11826240" cy="5265698"/>
           </a:xfrm>
           <a:prstGeom prst="rect">
             <a:avLst/>
@@ -35234,77 +35108,6 @@
               <a:defRPr sz="3000"/>
             </a:pPr>
             <a:r>
-              <a:t>MochaJS</a:t>
-            </a:r>
-          </a:p>
-        </p:txBody>
-      </p:sp>
-      <p:pic>
-        <p:nvPicPr>
-          <p:cNvPr id="3" name="Picture 2" descr="DevOps-Workshop17.png"/>
-          <p:cNvPicPr>
-            <a:picLocks noChangeAspect="1"/>
-          </p:cNvPicPr>
-          <p:nvPr/>
-        </p:nvPicPr>
-        <p:blipFill>
-          <a:blip r:embed="rId2"/>
-          <a:stretch>
-            <a:fillRect/>
-          </a:stretch>
-        </p:blipFill>
-        <p:spPr>
-          <a:xfrm>
-            <a:off x="182880" y="1032370"/>
-            <a:ext cx="11826240" cy="5265698"/>
-          </a:xfrm>
-          <a:prstGeom prst="rect">
-            <a:avLst/>
-          </a:prstGeom>
-        </p:spPr>
-      </p:pic>
-    </p:spTree>
-  </p:cSld>
-  <p:clrMapOvr>
-    <a:masterClrMapping/>
-  </p:clrMapOvr>
-</p:sld>
-</file>
-
-<file path=ppt/slides/slide61.xml><?xml version="1.0" encoding="utf-8"?>
-<p:sld xmlns:a="http://schemas.openxmlformats.org/drawingml/2006/main" xmlns:p="http://schemas.openxmlformats.org/presentationml/2006/main" xmlns:r="http://schemas.openxmlformats.org/officeDocument/2006/relationships">
-  <p:cSld>
-    <p:spTree>
-      <p:nvGrpSpPr>
-        <p:cNvPr id="1" name=""/>
-        <p:cNvGrpSpPr/>
-        <p:nvPr/>
-      </p:nvGrpSpPr>
-      <p:grpSpPr/>
-      <p:sp>
-        <p:nvSpPr>
-          <p:cNvPr id="2" name="Title 1"/>
-          <p:cNvSpPr>
-            <a:spLocks noGrp="1"/>
-          </p:cNvSpPr>
-          <p:nvPr>
-            <p:ph type="title"/>
-          </p:nvPr>
-        </p:nvSpPr>
-        <p:spPr>
-          <a:xfrm>
-            <a:off x="182880" y="182880"/>
-            <a:ext cx="11826240" cy="381000"/>
-          </a:xfrm>
-        </p:spPr>
-        <p:txBody>
-          <a:bodyPr anchor="t"/>
-          <a:lstStyle/>
-          <a:p>
-            <a:pPr>
-              <a:defRPr sz="3000"/>
-            </a:pPr>
-            <a:r>
               <a:t>Review Mocha Test File</a:t>
             </a:r>
           </a:p>
@@ -35421,7 +35224,7 @@
 </p:sld>
 </file>
 
-<file path=ppt/slides/slide62.xml><?xml version="1.0" encoding="utf-8"?>
+<file path=ppt/slides/slide61.xml><?xml version="1.0" encoding="utf-8"?>
 <p:sld xmlns:a="http://schemas.openxmlformats.org/drawingml/2006/main" xmlns:p="http://schemas.openxmlformats.org/presentationml/2006/main" xmlns:r="http://schemas.openxmlformats.org/officeDocument/2006/relationships">
   <p:cSld>
     <p:spTree>
@@ -35523,7 +35326,7 @@
 </p:sld>
 </file>
 
-<file path=ppt/slides/slide63.xml><?xml version="1.0" encoding="utf-8"?>
+<file path=ppt/slides/slide62.xml><?xml version="1.0" encoding="utf-8"?>
 <p:sld xmlns:a="http://schemas.openxmlformats.org/drawingml/2006/main" xmlns:p="http://schemas.openxmlformats.org/presentationml/2006/main" xmlns:r="http://schemas.openxmlformats.org/officeDocument/2006/relationships">
   <p:cSld>
     <p:spTree>
@@ -35668,7 +35471,7 @@
 </p:sld>
 </file>
 
-<file path=ppt/slides/slide64.xml><?xml version="1.0" encoding="utf-8"?>
+<file path=ppt/slides/slide63.xml><?xml version="1.0" encoding="utf-8"?>
 <p:sld xmlns:a="http://schemas.openxmlformats.org/drawingml/2006/main" xmlns:p="http://schemas.openxmlformats.org/presentationml/2006/main" xmlns:r="http://schemas.openxmlformats.org/officeDocument/2006/relationships">
   <p:cSld>
     <p:spTree>
@@ -35770,6 +35573,30 @@
           </a:p>
         </p:txBody>
       </p:sp>
+      <p:pic>
+        <p:nvPicPr>
+          <p:cNvPr id="4" name="Picture 3" descr="getMarbleQtyTest.png"/>
+          <p:cNvPicPr>
+            <a:picLocks noChangeAspect="1"/>
+          </p:cNvPicPr>
+          <p:nvPr/>
+        </p:nvPicPr>
+        <p:blipFill>
+          <a:blip r:embed="rId2"/>
+          <a:stretch>
+            <a:fillRect/>
+          </a:stretch>
+        </p:blipFill>
+        <p:spPr>
+          <a:xfrm>
+            <a:off x="3296724" y="2722880"/>
+            <a:ext cx="5598551" cy="3769360"/>
+          </a:xfrm>
+          <a:prstGeom prst="rect">
+            <a:avLst/>
+          </a:prstGeom>
+        </p:spPr>
+      </p:pic>
     </p:spTree>
   </p:cSld>
   <p:clrMapOvr>
@@ -35778,7 +35605,7 @@
 </p:sld>
 </file>
 
-<file path=ppt/slides/slide65.xml><?xml version="1.0" encoding="utf-8"?>
+<file path=ppt/slides/slide64.xml><?xml version="1.0" encoding="utf-8"?>
 <p:sld xmlns:a="http://schemas.openxmlformats.org/drawingml/2006/main" xmlns:p="http://schemas.openxmlformats.org/presentationml/2006/main" xmlns:r="http://schemas.openxmlformats.org/officeDocument/2006/relationships">
   <p:cSld>
     <p:spTree>
@@ -36044,7 +35871,7 @@
 </p:sld>
 </file>
 
-<file path=ppt/slides/slide66.xml><?xml version="1.0" encoding="utf-8"?>
+<file path=ppt/slides/slide65.xml><?xml version="1.0" encoding="utf-8"?>
 <p:sld xmlns:a="http://schemas.openxmlformats.org/drawingml/2006/main" xmlns:p="http://schemas.openxmlformats.org/presentationml/2006/main" xmlns:r="http://schemas.openxmlformats.org/officeDocument/2006/relationships">
   <p:cSld>
     <p:spTree>
@@ -36186,7 +36013,7 @@
 </p:sld>
 </file>
 
-<file path=ppt/slides/slide67.xml><?xml version="1.0" encoding="utf-8"?>
+<file path=ppt/slides/slide66.xml><?xml version="1.0" encoding="utf-8"?>
 <p:sld xmlns:a="http://schemas.openxmlformats.org/drawingml/2006/main" xmlns:p="http://schemas.openxmlformats.org/presentationml/2006/main" xmlns:r="http://schemas.openxmlformats.org/officeDocument/2006/relationships">
   <p:cSld>
     <p:spTree>
@@ -36257,7 +36084,7 @@
 </p:sld>
 </file>
 
-<file path=ppt/slides/slide68.xml><?xml version="1.0" encoding="utf-8"?>
+<file path=ppt/slides/slide67.xml><?xml version="1.0" encoding="utf-8"?>
 <p:sld xmlns:a="http://schemas.openxmlformats.org/drawingml/2006/main" xmlns:p="http://schemas.openxmlformats.org/presentationml/2006/main" xmlns:r="http://schemas.openxmlformats.org/officeDocument/2006/relationships">
   <p:cSld>
     <p:spTree>
@@ -36483,7 +36310,7 @@
 </p:sld>
 </file>
 
-<file path=ppt/slides/slide69.xml><?xml version="1.0" encoding="utf-8"?>
+<file path=ppt/slides/slide68.xml><?xml version="1.0" encoding="utf-8"?>
 <p:sld xmlns:a="http://schemas.openxmlformats.org/drawingml/2006/main" xmlns:p="http://schemas.openxmlformats.org/presentationml/2006/main" xmlns:r="http://schemas.openxmlformats.org/officeDocument/2006/relationships">
   <p:cSld>
     <p:spTree>
@@ -36671,6 +36498,135 @@
 </p:sld>
 </file>
 
+<file path=ppt/slides/slide69.xml><?xml version="1.0" encoding="utf-8"?>
+<p:sld xmlns:a="http://schemas.openxmlformats.org/drawingml/2006/main" xmlns:p="http://schemas.openxmlformats.org/presentationml/2006/main" xmlns:r="http://schemas.openxmlformats.org/officeDocument/2006/relationships">
+  <p:cSld>
+    <p:spTree>
+      <p:nvGrpSpPr>
+        <p:cNvPr id="1" name=""/>
+        <p:cNvGrpSpPr/>
+        <p:nvPr/>
+      </p:nvGrpSpPr>
+      <p:grpSpPr/>
+      <p:sp>
+        <p:nvSpPr>
+          <p:cNvPr id="2" name="Title 1"/>
+          <p:cNvSpPr>
+            <a:spLocks noGrp="1"/>
+          </p:cNvSpPr>
+          <p:nvPr>
+            <p:ph type="title"/>
+          </p:nvPr>
+        </p:nvSpPr>
+        <p:spPr>
+          <a:xfrm>
+            <a:off x="182880" y="182880"/>
+            <a:ext cx="11826240" cy="381000"/>
+          </a:xfrm>
+        </p:spPr>
+        <p:txBody>
+          <a:bodyPr anchor="t"/>
+          <a:lstStyle/>
+          <a:p>
+            <a:pPr>
+              <a:defRPr sz="3000"/>
+            </a:pPr>
+            <a:r>
+              <a:t>Update the test</a:t>
+            </a:r>
+          </a:p>
+        </p:txBody>
+      </p:sp>
+      <p:sp>
+        <p:nvSpPr>
+          <p:cNvPr id="3" name="Content Placeholder 2"/>
+          <p:cNvSpPr>
+            <a:spLocks noGrp="1"/>
+          </p:cNvSpPr>
+          <p:nvPr>
+            <p:ph idx="1"/>
+          </p:nvPr>
+        </p:nvSpPr>
+        <p:spPr>
+          <a:xfrm>
+            <a:off x="182880" y="838200"/>
+            <a:ext cx="11826240" cy="1413510"/>
+          </a:xfrm>
+        </p:spPr>
+        <p:txBody>
+          <a:bodyPr>
+            <a:normAutofit/>
+          </a:bodyPr>
+          <a:lstStyle/>
+          <a:p>
+            <a:pPr>
+              <a:defRPr sz="1800"/>
+            </a:pPr>
+            <a:r>
+              <a:t>Relocate the test we are updating. Finally, add the cost parameter to your </a:t>
+            </a:r>
+            <a:r>
+              <a:rPr>
+                <a:latin typeface="Courier"/>
+              </a:rPr>
+              <a:t/>
+            </a:r>
+            <a:r>
+              <a:t/>
+            </a:r>
+            <a:r>
+              <a:rPr>
+                <a:latin typeface="Courier"/>
+              </a:rPr>
+              <a:t>getMarbleQuantity</a:t>
+            </a:r>
+            <a:r>
+              <a:t/>
+            </a:r>
+            <a:r>
+              <a:rPr>
+                <a:latin typeface="Courier"/>
+              </a:rPr>
+              <a:t/>
+            </a:r>
+            <a:r>
+              <a:t> callback function and assert that cost is equal to 1. A finished updated test is shown on the next slide.</a:t>
+            </a:r>
+          </a:p>
+        </p:txBody>
+      </p:sp>
+      <p:pic>
+        <p:nvPicPr>
+          <p:cNvPr id="4" name="Picture 3" descr="DevOps-Workshop28.png"/>
+          <p:cNvPicPr>
+            <a:picLocks noChangeAspect="1"/>
+          </p:cNvPicPr>
+          <p:nvPr/>
+        </p:nvPicPr>
+        <p:blipFill>
+          <a:blip r:embed="rId2"/>
+          <a:stretch>
+            <a:fillRect/>
+          </a:stretch>
+        </p:blipFill>
+        <p:spPr>
+          <a:xfrm>
+            <a:off x="3452929" y="2251710"/>
+            <a:ext cx="5286140" cy="4240530"/>
+          </a:xfrm>
+          <a:prstGeom prst="rect">
+            <a:avLst/>
+          </a:prstGeom>
+        </p:spPr>
+      </p:pic>
+    </p:spTree>
+  </p:cSld>
+  <p:clrMapOvr>
+    <a:masterClrMapping/>
+  </p:clrMapOvr>
+</p:sld>
+</file>
+
 <file path=ppt/slides/slide7.xml><?xml version="1.0" encoding="utf-8"?>
 <p:sld xmlns:a="http://schemas.openxmlformats.org/drawingml/2006/main" xmlns:p="http://schemas.openxmlformats.org/presentationml/2006/main" xmlns:r="http://schemas.openxmlformats.org/officeDocument/2006/relationships">
   <p:cSld>
@@ -36776,7 +36732,7 @@
               <a:defRPr sz="3000"/>
             </a:pPr>
             <a:r>
-              <a:t>Update the test</a:t>
+              <a:t>Run the test</a:t>
             </a:r>
           </a:p>
         </p:txBody>
@@ -36794,7 +36750,7 @@
         <p:spPr>
           <a:xfrm>
             <a:off x="182880" y="838200"/>
-            <a:ext cx="11826240" cy="1413510"/>
+            <a:ext cx="11826240" cy="5654040"/>
           </a:xfrm>
         </p:spPr>
         <p:txBody>
@@ -36807,62 +36763,86 @@
               <a:defRPr sz="1800"/>
             </a:pPr>
             <a:r>
-              <a:t>Relocate the test we are updating. Finally, add the cost parameter to your </a:t>
-            </a:r>
-            <a:r>
-              <a:rPr>
-                <a:latin typeface="Courier"/>
-              </a:rPr>
-              <a:t/>
-            </a:r>
-            <a:r>
-              <a:t/>
-            </a:r>
-            <a:r>
-              <a:rPr>
-                <a:latin typeface="Courier"/>
-              </a:rPr>
-              <a:t>getMarbleQuantity</a:t>
-            </a:r>
-            <a:r>
-              <a:t/>
-            </a:r>
-            <a:r>
-              <a:rPr>
-                <a:latin typeface="Courier"/>
-              </a:rPr>
-              <a:t/>
-            </a:r>
-            <a:r>
-              <a:t> callback function and assert that cost is equal to 1. A finished updated test is shown on the next slide.</a:t>
+              <a:t>Run </a:t>
+            </a:r>
+            <a:r>
+              <a:rPr>
+                <a:latin typeface="Courier"/>
+              </a:rPr>
+              <a:t/>
+            </a:r>
+            <a:r>
+              <a:t/>
+            </a:r>
+            <a:r>
+              <a:rPr>
+                <a:latin typeface="Courier"/>
+              </a:rPr>
+              <a:t>npm test</a:t>
+            </a:r>
+            <a:r>
+              <a:t/>
+            </a:r>
+            <a:r>
+              <a:rPr>
+                <a:latin typeface="Courier"/>
+              </a:rPr>
+              <a:t/>
+            </a:r>
+            <a:r>
+              <a:t> verifies the tests all pass.</a:t>
+            </a:r>
+          </a:p>
+          <a:p>
+            <a:pPr>
+              <a:defRPr sz="1800"/>
+            </a:pPr>
+            <a:r>
+              <a:t>Work with the facilitator should any issues arise.</a:t>
+            </a:r>
+          </a:p>
+          <a:p>
+            <a:pPr>
+              <a:defRPr sz="1800"/>
+            </a:pPr>
+            <a:r>
+              <a:t>A report of your test has been generated. Open the following file from your project's root to view:</a:t>
+            </a:r>
+          </a:p>
+          <a:p>
+            <a:pPr lvl="1">
+              <a:defRPr sz="1600"/>
+            </a:pPr>
+            <a:r>
+              <a:t/>
+            </a:r>
+            <a:r>
+              <a:rPr>
+                <a:latin typeface="Courier"/>
+              </a:rPr>
+              <a:t/>
+            </a:r>
+            <a:r>
+              <a:t/>
+            </a:r>
+            <a:r>
+              <a:rPr>
+                <a:latin typeface="Courier"/>
+              </a:rPr>
+              <a:t>mochawesome-report/mochawesome.html</a:t>
+            </a:r>
+            <a:r>
+              <a:t/>
+            </a:r>
+            <a:r>
+              <a:rPr>
+                <a:latin typeface="Courier"/>
+              </a:rPr>
+              <a:t/>
             </a:r>
           </a:p>
         </p:txBody>
       </p:sp>
-      <p:pic>
-        <p:nvPicPr>
-          <p:cNvPr id="4" name="Picture 3" descr="DevOps-Workshop28.png"/>
-          <p:cNvPicPr>
-            <a:picLocks noChangeAspect="1"/>
-          </p:cNvPicPr>
-          <p:nvPr/>
-        </p:nvPicPr>
-        <p:blipFill>
-          <a:blip r:embed="rId2"/>
-          <a:stretch>
-            <a:fillRect/>
-          </a:stretch>
-        </p:blipFill>
-        <p:spPr>
-          <a:xfrm>
-            <a:off x="3452929" y="2251710"/>
-            <a:ext cx="5286140" cy="4240530"/>
-          </a:xfrm>
-          <a:prstGeom prst="rect">
-            <a:avLst/>
-          </a:prstGeom>
-        </p:spPr>
-      </p:pic>
     </p:spTree>
   </p:cSld>
   <p:clrMapOvr>
@@ -36888,130 +36868,43 @@
             <a:spLocks noGrp="1"/>
           </p:cNvSpPr>
           <p:nvPr>
-            <p:ph type="title"/>
-          </p:nvPr>
-        </p:nvSpPr>
-        <p:spPr>
-          <a:xfrm>
-            <a:off x="182880" y="182880"/>
-            <a:ext cx="11826240" cy="381000"/>
-          </a:xfrm>
-        </p:spPr>
+            <p:ph type="ctrTitle"/>
+          </p:nvPr>
+        </p:nvSpPr>
+        <p:spPr/>
         <p:txBody>
-          <a:bodyPr anchor="t"/>
+          <a:bodyPr/>
           <a:lstStyle/>
           <a:p>
             <a:pPr>
-              <a:defRPr sz="3000"/>
-            </a:pPr>
-            <a:r>
-              <a:t>Run the test</a:t>
+              <a:defRPr sz="4000"/>
+            </a:pPr>
+            <a:r>
+              <a:t>Review</a:t>
             </a:r>
           </a:p>
         </p:txBody>
       </p:sp>
       <p:sp>
         <p:nvSpPr>
-          <p:cNvPr id="3" name="Content Placeholder 2"/>
-          <p:cNvSpPr>
-            <a:spLocks noGrp="1"/>
-          </p:cNvSpPr>
-          <p:nvPr>
-            <p:ph idx="1"/>
-          </p:nvPr>
-        </p:nvSpPr>
-        <p:spPr>
-          <a:xfrm>
-            <a:off x="182880" y="838200"/>
-            <a:ext cx="11826240" cy="5654040"/>
-          </a:xfrm>
-        </p:spPr>
+          <p:cNvPr id="3" name="Subtitle 2"/>
+          <p:cNvSpPr>
+            <a:spLocks noGrp="1"/>
+          </p:cNvSpPr>
+          <p:nvPr>
+            <p:ph type="subTitle" idx="1"/>
+          </p:nvPr>
+        </p:nvSpPr>
+        <p:spPr/>
         <p:txBody>
-          <a:bodyPr>
-            <a:normAutofit/>
-          </a:bodyPr>
+          <a:bodyPr/>
           <a:lstStyle/>
           <a:p>
             <a:pPr>
-              <a:defRPr sz="1800"/>
-            </a:pPr>
-            <a:r>
-              <a:t>Run </a:t>
-            </a:r>
-            <a:r>
-              <a:rPr>
-                <a:latin typeface="Courier"/>
-              </a:rPr>
-              <a:t/>
-            </a:r>
-            <a:r>
-              <a:t/>
-            </a:r>
-            <a:r>
-              <a:rPr>
-                <a:latin typeface="Courier"/>
-              </a:rPr>
-              <a:t>npm test</a:t>
-            </a:r>
-            <a:r>
-              <a:t/>
-            </a:r>
-            <a:r>
-              <a:rPr>
-                <a:latin typeface="Courier"/>
-              </a:rPr>
-              <a:t/>
-            </a:r>
-            <a:r>
-              <a:t> verifies the tests all pass.</a:t>
-            </a:r>
-          </a:p>
-          <a:p>
-            <a:pPr>
-              <a:defRPr sz="1800"/>
-            </a:pPr>
-            <a:r>
-              <a:t>Work with the facilitator should any issues arise.</a:t>
-            </a:r>
-          </a:p>
-          <a:p>
-            <a:pPr>
-              <a:defRPr sz="1800"/>
-            </a:pPr>
-            <a:r>
-              <a:t>A report of your test has been generated. Open the following file from your project's root to view:</a:t>
-            </a:r>
-          </a:p>
-          <a:p>
-            <a:pPr lvl="1">
-              <a:defRPr sz="1600"/>
-            </a:pPr>
-            <a:r>
-              <a:t/>
-            </a:r>
-            <a:r>
-              <a:rPr>
-                <a:latin typeface="Courier"/>
-              </a:rPr>
-              <a:t/>
-            </a:r>
-            <a:r>
-              <a:t/>
-            </a:r>
-            <a:r>
-              <a:rPr>
-                <a:latin typeface="Courier"/>
-              </a:rPr>
-              <a:t>mochawesome-report/mochawesome.html</a:t>
-            </a:r>
-            <a:r>
-              <a:t/>
-            </a:r>
-            <a:r>
-              <a:rPr>
-                <a:latin typeface="Courier"/>
-              </a:rPr>
-              <a:t/>
+              <a:defRPr sz="2800"/>
+            </a:pPr>
+            <a:r>
+              <a:t>What have we learned?</a:t>
             </a:r>
           </a:p>
         </p:txBody>
@@ -37053,7 +36946,7 @@
               <a:defRPr sz="4000"/>
             </a:pPr>
             <a:r>
-              <a:t>Review</a:t>
+              <a:t>Section VI:</a:t>
             </a:r>
           </a:p>
         </p:txBody>
@@ -37077,7 +36970,7 @@
               <a:defRPr sz="2800"/>
             </a:pPr>
             <a:r>
-              <a:t>What have we learned?</a:t>
+              <a:t>Add Code Build to Continuous Integration</a:t>
             </a:r>
           </a:p>
         </p:txBody>
@@ -37091,72 +36984,6 @@
 </file>
 
 <file path=ppt/slides/slide73.xml><?xml version="1.0" encoding="utf-8"?>
-<p:sld xmlns:a="http://schemas.openxmlformats.org/drawingml/2006/main" xmlns:p="http://schemas.openxmlformats.org/presentationml/2006/main" xmlns:r="http://schemas.openxmlformats.org/officeDocument/2006/relationships">
-  <p:cSld>
-    <p:spTree>
-      <p:nvGrpSpPr>
-        <p:cNvPr id="1" name=""/>
-        <p:cNvGrpSpPr/>
-        <p:nvPr/>
-      </p:nvGrpSpPr>
-      <p:grpSpPr/>
-      <p:sp>
-        <p:nvSpPr>
-          <p:cNvPr id="2" name="Title 1"/>
-          <p:cNvSpPr>
-            <a:spLocks noGrp="1"/>
-          </p:cNvSpPr>
-          <p:nvPr>
-            <p:ph type="ctrTitle"/>
-          </p:nvPr>
-        </p:nvSpPr>
-        <p:spPr/>
-        <p:txBody>
-          <a:bodyPr/>
-          <a:lstStyle/>
-          <a:p>
-            <a:pPr>
-              <a:defRPr sz="4000"/>
-            </a:pPr>
-            <a:r>
-              <a:t>Section VI:</a:t>
-            </a:r>
-          </a:p>
-        </p:txBody>
-      </p:sp>
-      <p:sp>
-        <p:nvSpPr>
-          <p:cNvPr id="3" name="Subtitle 2"/>
-          <p:cNvSpPr>
-            <a:spLocks noGrp="1"/>
-          </p:cNvSpPr>
-          <p:nvPr>
-            <p:ph type="subTitle" idx="1"/>
-          </p:nvPr>
-        </p:nvSpPr>
-        <p:spPr/>
-        <p:txBody>
-          <a:bodyPr/>
-          <a:lstStyle/>
-          <a:p>
-            <a:pPr>
-              <a:defRPr sz="2800"/>
-            </a:pPr>
-            <a:r>
-              <a:t>Add Code Build to Continuous Integration</a:t>
-            </a:r>
-          </a:p>
-        </p:txBody>
-      </p:sp>
-    </p:spTree>
-  </p:cSld>
-  <p:clrMapOvr>
-    <a:masterClrMapping/>
-  </p:clrMapOvr>
-</p:sld>
-</file>
-
-<file path=ppt/slides/slide74.xml><?xml version="1.0" encoding="utf-8"?>
 <p:sld xmlns:a="http://schemas.openxmlformats.org/drawingml/2006/main" xmlns:p="http://schemas.openxmlformats.org/presentationml/2006/main" xmlns:r="http://schemas.openxmlformats.org/officeDocument/2006/relationships">
   <p:cSld>
     <p:spTree>
@@ -37227,7 +37054,7 @@
 </p:sld>
 </file>
 
-<file path=ppt/slides/slide75.xml><?xml version="1.0" encoding="utf-8"?>
+<file path=ppt/slides/slide74.xml><?xml version="1.0" encoding="utf-8"?>
 <p:sld xmlns:a="http://schemas.openxmlformats.org/drawingml/2006/main" xmlns:p="http://schemas.openxmlformats.org/presentationml/2006/main" xmlns:r="http://schemas.openxmlformats.org/officeDocument/2006/relationships">
   <p:cSld>
     <p:spTree>
@@ -37332,6 +37159,237 @@
             </a:r>
             <a:r>
               <a:t>: In addition to automating these steps from CI, you will likely want to automate the trigger of the CI process from the shared code repository when code changes occur.</a:t>
+            </a:r>
+          </a:p>
+        </p:txBody>
+      </p:sp>
+    </p:spTree>
+  </p:cSld>
+  <p:clrMapOvr>
+    <a:masterClrMapping/>
+  </p:clrMapOvr>
+</p:sld>
+</file>
+
+<file path=ppt/slides/slide75.xml><?xml version="1.0" encoding="utf-8"?>
+<p:sld xmlns:a="http://schemas.openxmlformats.org/drawingml/2006/main" xmlns:p="http://schemas.openxmlformats.org/presentationml/2006/main" xmlns:r="http://schemas.openxmlformats.org/officeDocument/2006/relationships">
+  <p:cSld>
+    <p:spTree>
+      <p:nvGrpSpPr>
+        <p:cNvPr id="1" name=""/>
+        <p:cNvGrpSpPr/>
+        <p:nvPr/>
+      </p:nvGrpSpPr>
+      <p:grpSpPr/>
+      <p:sp>
+        <p:nvSpPr>
+          <p:cNvPr id="2" name="Title 1"/>
+          <p:cNvSpPr>
+            <a:spLocks noGrp="1"/>
+          </p:cNvSpPr>
+          <p:nvPr>
+            <p:ph type="title"/>
+          </p:nvPr>
+        </p:nvSpPr>
+        <p:spPr>
+          <a:xfrm>
+            <a:off x="182880" y="182880"/>
+            <a:ext cx="11826240" cy="381000"/>
+          </a:xfrm>
+        </p:spPr>
+        <p:txBody>
+          <a:bodyPr anchor="t"/>
+          <a:lstStyle/>
+          <a:p>
+            <a:pPr>
+              <a:defRPr sz="3000"/>
+            </a:pPr>
+            <a:r>
+              <a:t>Steps for Section VI</a:t>
+            </a:r>
+          </a:p>
+        </p:txBody>
+      </p:sp>
+      <p:sp>
+        <p:nvSpPr>
+          <p:cNvPr id="3" name="Content Placeholder 2"/>
+          <p:cNvSpPr>
+            <a:spLocks noGrp="1"/>
+          </p:cNvSpPr>
+          <p:nvPr>
+            <p:ph idx="1"/>
+          </p:nvPr>
+        </p:nvSpPr>
+        <p:spPr>
+          <a:xfrm>
+            <a:off x="182880" y="838200"/>
+            <a:ext cx="11826240" cy="5654040"/>
+          </a:xfrm>
+        </p:spPr>
+        <p:txBody>
+          <a:bodyPr>
+            <a:normAutofit/>
+          </a:bodyPr>
+          <a:lstStyle/>
+          <a:p>
+            <a:pPr>
+              <a:defRPr sz="1800"/>
+            </a:pPr>
+            <a:r>
+              <a:t>In our case, the build step is a common one that could be performed from CI once a code change is made in Endevor. Let's add it to a Jenkins pipeline.</a:t>
+            </a:r>
+          </a:p>
+          <a:p>
+            <a:pPr>
+              <a:defRPr sz="1800"/>
+            </a:pPr>
+            <a:r>
+              <a:t>Log in to Jenkins, view </a:t>
+            </a:r>
+            <a:r>
+              <a:rPr>
+                <a:latin typeface="Courier"/>
+              </a:rPr>
+              <a:t/>
+            </a:r>
+            <a:r>
+              <a:t/>
+            </a:r>
+            <a:r>
+              <a:rPr>
+                <a:latin typeface="Courier"/>
+              </a:rPr>
+              <a:t>JENKINS_PROJ</a:t>
+            </a:r>
+            <a:r>
+              <a:t/>
+            </a:r>
+            <a:r>
+              <a:rPr>
+                <a:latin typeface="Courier"/>
+              </a:rPr>
+              <a:t/>
+            </a:r>
+            <a:r>
+              <a:t> project, and verify pipeline runs.</a:t>
+            </a:r>
+          </a:p>
+          <a:p>
+            <a:pPr>
+              <a:defRPr sz="1800"/>
+            </a:pPr>
+            <a:r>
+              <a:t>Review Jenkinsfile</a:t>
+            </a:r>
+          </a:p>
+          <a:p>
+            <a:pPr>
+              <a:defRPr sz="1800"/>
+            </a:pPr>
+            <a:r>
+              <a:t>Enhance Jenkinsfile to build project</a:t>
+            </a:r>
+          </a:p>
+          <a:p>
+            <a:pPr lvl="1">
+              <a:defRPr sz="1600"/>
+            </a:pPr>
+            <a:r>
+              <a:t>Enhance build stage in Jenkinsfile to run </a:t>
+            </a:r>
+            <a:r>
+              <a:rPr>
+                <a:latin typeface="Courier"/>
+              </a:rPr>
+              <a:t/>
+            </a:r>
+            <a:r>
+              <a:t/>
+            </a:r>
+            <a:r>
+              <a:rPr>
+                <a:latin typeface="Courier"/>
+              </a:rPr>
+              <a:t>gulp build</a:t>
+            </a:r>
+            <a:r>
+              <a:t/>
+            </a:r>
+            <a:r>
+              <a:rPr>
+                <a:latin typeface="Courier"/>
+              </a:rPr>
+              <a:t/>
+            </a:r>
+            <a:r>
+              <a:t>, </a:t>
+            </a:r>
+            <a:r>
+              <a:rPr>
+                <a:latin typeface="Courier"/>
+              </a:rPr>
+              <a:t/>
+            </a:r>
+            <a:r>
+              <a:t/>
+            </a:r>
+            <a:r>
+              <a:rPr>
+                <a:latin typeface="Courier"/>
+              </a:rPr>
+              <a:t>gulp deploy</a:t>
+            </a:r>
+            <a:r>
+              <a:t/>
+            </a:r>
+            <a:r>
+              <a:rPr>
+                <a:latin typeface="Courier"/>
+              </a:rPr>
+              <a:t/>
+            </a:r>
+            <a:r>
+              <a:t> and </a:t>
+            </a:r>
+            <a:r>
+              <a:rPr>
+                <a:latin typeface="Courier"/>
+              </a:rPr>
+              <a:t/>
+            </a:r>
+            <a:r>
+              <a:t/>
+            </a:r>
+            <a:r>
+              <a:rPr>
+                <a:latin typeface="Courier"/>
+              </a:rPr>
+              <a:t>npm test</a:t>
+            </a:r>
+            <a:r>
+              <a:t/>
+            </a:r>
+            <a:r>
+              <a:rPr>
+                <a:latin typeface="Courier"/>
+              </a:rPr>
+              <a:t/>
+            </a:r>
+          </a:p>
+          <a:p>
+            <a:pPr lvl="1">
+              <a:defRPr sz="1600"/>
+            </a:pPr>
+            <a:r>
+              <a:t>Add Environment variables to supply connection and project details.</a:t>
+            </a:r>
+          </a:p>
+          <a:p>
+            <a:pPr>
+              <a:defRPr sz="1800"/>
+            </a:pPr>
+            <a:r>
+              <a:t>Manually kick off the pipeline to test</a:t>
             </a:r>
           </a:p>
         </p:txBody>
@@ -37378,7 +37436,7 @@
               <a:defRPr sz="3000"/>
             </a:pPr>
             <a:r>
-              <a:t>Steps for Section IV</a:t>
+              <a:t>Jenkinsfile Overview Terms</a:t>
             </a:r>
           </a:p>
         </p:txBody>
@@ -37409,7 +37467,7 @@
               <a:defRPr sz="1800"/>
             </a:pPr>
             <a:r>
-              <a:t>In our case, the build step is a common one that could be performed from CI once a code change is made in Endevor. Let's add it to a Jenkins pipeline.</a:t>
+              <a:t>Pipeline - defines the overall pipeline structure</a:t>
             </a:r>
           </a:p>
           <a:p>
@@ -37417,34 +37475,7 @@
               <a:defRPr sz="1800"/>
             </a:pPr>
             <a:r>
-              <a:t>Log in to Jenkins, view </a:t>
-            </a:r>
-            <a:r>
-              <a:rPr>
-                <a:latin typeface="Courier"/>
-              </a:rPr>
-              <a:t/>
-            </a:r>
-            <a:r>
-              <a:t/>
-            </a:r>
-            <a:r>
-              <a:rPr>
-                <a:latin typeface="Courier"/>
-              </a:rPr>
-              <a:t>JENKINS_PROJ</a:t>
-            </a:r>
-            <a:r>
-              <a:t/>
-            </a:r>
-            <a:r>
-              <a:rPr>
-                <a:latin typeface="Courier"/>
-              </a:rPr>
-              <a:t/>
-            </a:r>
-            <a:r>
-              <a:t> project, and verify pipeline runs.</a:t>
+              <a:t>Agent - defines where the code will execute</a:t>
             </a:r>
           </a:p>
           <a:p>
@@ -37452,7 +37483,7 @@
               <a:defRPr sz="1800"/>
             </a:pPr>
             <a:r>
-              <a:t>Review Jenkinsfile</a:t>
+              <a:t>Environment - defines the environment variables for use in other commands</a:t>
             </a:r>
           </a:p>
           <a:p>
@@ -37460,101 +37491,7 @@
               <a:defRPr sz="1800"/>
             </a:pPr>
             <a:r>
-              <a:t>Enhance Jenkinsfile to build project</a:t>
-            </a:r>
-          </a:p>
-          <a:p>
-            <a:pPr lvl="1">
-              <a:defRPr sz="1600"/>
-            </a:pPr>
-            <a:r>
-              <a:t>Enhance build stage in Jenkinsfile to run </a:t>
-            </a:r>
-            <a:r>
-              <a:rPr>
-                <a:latin typeface="Courier"/>
-              </a:rPr>
-              <a:t/>
-            </a:r>
-            <a:r>
-              <a:t/>
-            </a:r>
-            <a:r>
-              <a:rPr>
-                <a:latin typeface="Courier"/>
-              </a:rPr>
-              <a:t>gulp build</a:t>
-            </a:r>
-            <a:r>
-              <a:t/>
-            </a:r>
-            <a:r>
-              <a:rPr>
-                <a:latin typeface="Courier"/>
-              </a:rPr>
-              <a:t/>
-            </a:r>
-            <a:r>
-              <a:t>, </a:t>
-            </a:r>
-            <a:r>
-              <a:rPr>
-                <a:latin typeface="Courier"/>
-              </a:rPr>
-              <a:t/>
-            </a:r>
-            <a:r>
-              <a:t/>
-            </a:r>
-            <a:r>
-              <a:rPr>
-                <a:latin typeface="Courier"/>
-              </a:rPr>
-              <a:t>gulp deploy</a:t>
-            </a:r>
-            <a:r>
-              <a:t/>
-            </a:r>
-            <a:r>
-              <a:rPr>
-                <a:latin typeface="Courier"/>
-              </a:rPr>
-              <a:t/>
-            </a:r>
-            <a:r>
-              <a:t> and </a:t>
-            </a:r>
-            <a:r>
-              <a:rPr>
-                <a:latin typeface="Courier"/>
-              </a:rPr>
-              <a:t/>
-            </a:r>
-            <a:r>
-              <a:t/>
-            </a:r>
-            <a:r>
-              <a:rPr>
-                <a:latin typeface="Courier"/>
-              </a:rPr>
-              <a:t>npm test</a:t>
-            </a:r>
-            <a:r>
-              <a:t/>
-            </a:r>
-            <a:r>
-              <a:rPr>
-                <a:latin typeface="Courier"/>
-              </a:rPr>
-              <a:t/>
-            </a:r>
-          </a:p>
-          <a:p>
-            <a:pPr lvl="1">
-              <a:defRPr sz="1600"/>
-            </a:pPr>
-            <a:r>
-              <a:t>Add Environment variables to supply connection and project details.</a:t>
+              <a:t>Stages - defines the start of the stages</a:t>
             </a:r>
           </a:p>
           <a:p>
@@ -37562,7 +37499,15 @@
               <a:defRPr sz="1800"/>
             </a:pPr>
             <a:r>
-              <a:t>Manually kick off the pipeline to test</a:t>
+              <a:t>Stage - defines each stage</a:t>
+            </a:r>
+          </a:p>
+          <a:p>
+            <a:pPr>
+              <a:defRPr sz="1800"/>
+            </a:pPr>
+            <a:r>
+              <a:t>Post - performed after running the stages section</a:t>
             </a:r>
           </a:p>
         </p:txBody>
@@ -37576,124 +37521,6 @@
 </file>
 
 <file path=ppt/slides/slide77.xml><?xml version="1.0" encoding="utf-8"?>
-<p:sld xmlns:a="http://schemas.openxmlformats.org/drawingml/2006/main" xmlns:p="http://schemas.openxmlformats.org/presentationml/2006/main" xmlns:r="http://schemas.openxmlformats.org/officeDocument/2006/relationships">
-  <p:cSld>
-    <p:spTree>
-      <p:nvGrpSpPr>
-        <p:cNvPr id="1" name=""/>
-        <p:cNvGrpSpPr/>
-        <p:nvPr/>
-      </p:nvGrpSpPr>
-      <p:grpSpPr/>
-      <p:sp>
-        <p:nvSpPr>
-          <p:cNvPr id="2" name="Title 1"/>
-          <p:cNvSpPr>
-            <a:spLocks noGrp="1"/>
-          </p:cNvSpPr>
-          <p:nvPr>
-            <p:ph type="title"/>
-          </p:nvPr>
-        </p:nvSpPr>
-        <p:spPr>
-          <a:xfrm>
-            <a:off x="182880" y="182880"/>
-            <a:ext cx="11826240" cy="381000"/>
-          </a:xfrm>
-        </p:spPr>
-        <p:txBody>
-          <a:bodyPr anchor="t"/>
-          <a:lstStyle/>
-          <a:p>
-            <a:pPr>
-              <a:defRPr sz="3000"/>
-            </a:pPr>
-            <a:r>
-              <a:t>Jenkinsfile Overview Terms</a:t>
-            </a:r>
-          </a:p>
-        </p:txBody>
-      </p:sp>
-      <p:sp>
-        <p:nvSpPr>
-          <p:cNvPr id="3" name="Content Placeholder 2"/>
-          <p:cNvSpPr>
-            <a:spLocks noGrp="1"/>
-          </p:cNvSpPr>
-          <p:nvPr>
-            <p:ph idx="1"/>
-          </p:nvPr>
-        </p:nvSpPr>
-        <p:spPr>
-          <a:xfrm>
-            <a:off x="182880" y="838200"/>
-            <a:ext cx="11826240" cy="5654040"/>
-          </a:xfrm>
-        </p:spPr>
-        <p:txBody>
-          <a:bodyPr>
-            <a:normAutofit/>
-          </a:bodyPr>
-          <a:lstStyle/>
-          <a:p>
-            <a:pPr>
-              <a:defRPr sz="1800"/>
-            </a:pPr>
-            <a:r>
-              <a:t>Pipeline - defines the overall pipeline structure</a:t>
-            </a:r>
-          </a:p>
-          <a:p>
-            <a:pPr>
-              <a:defRPr sz="1800"/>
-            </a:pPr>
-            <a:r>
-              <a:t>Agent - defines where the code will execute</a:t>
-            </a:r>
-          </a:p>
-          <a:p>
-            <a:pPr>
-              <a:defRPr sz="1800"/>
-            </a:pPr>
-            <a:r>
-              <a:t>Environment - defines the environment variables for use in other commands</a:t>
-            </a:r>
-          </a:p>
-          <a:p>
-            <a:pPr>
-              <a:defRPr sz="1800"/>
-            </a:pPr>
-            <a:r>
-              <a:t>Stages - defines the start of the stages</a:t>
-            </a:r>
-          </a:p>
-          <a:p>
-            <a:pPr>
-              <a:defRPr sz="1800"/>
-            </a:pPr>
-            <a:r>
-              <a:t>Stage - defines each stage</a:t>
-            </a:r>
-          </a:p>
-          <a:p>
-            <a:pPr>
-              <a:defRPr sz="1800"/>
-            </a:pPr>
-            <a:r>
-              <a:t>Post - performed after running the stages section</a:t>
-            </a:r>
-          </a:p>
-        </p:txBody>
-      </p:sp>
-    </p:spTree>
-  </p:cSld>
-  <p:clrMapOvr>
-    <a:masterClrMapping/>
-  </p:clrMapOvr>
-</p:sld>
-</file>
-
-<file path=ppt/slides/slide78.xml><?xml version="1.0" encoding="utf-8"?>
 <p:sld xmlns:a="http://schemas.openxmlformats.org/drawingml/2006/main" xmlns:p="http://schemas.openxmlformats.org/presentationml/2006/main" xmlns:r="http://schemas.openxmlformats.org/officeDocument/2006/relationships">
   <p:cSld>
     <p:spTree>
@@ -37835,7 +37662,7 @@
 </p:sld>
 </file>
 
-<file path=ppt/slides/slide79.xml><?xml version="1.0" encoding="utf-8"?>
+<file path=ppt/slides/slide78.xml><?xml version="1.0" encoding="utf-8"?>
 <p:sld xmlns:a="http://schemas.openxmlformats.org/drawingml/2006/main" xmlns:p="http://schemas.openxmlformats.org/presentationml/2006/main" xmlns:r="http://schemas.openxmlformats.org/officeDocument/2006/relationships">
   <p:cSld>
     <p:spTree>
@@ -38119,6 +37946,176 @@
           </a:prstGeom>
         </p:spPr>
       </p:pic>
+    </p:spTree>
+  </p:cSld>
+  <p:clrMapOvr>
+    <a:masterClrMapping/>
+  </p:clrMapOvr>
+</p:sld>
+</file>
+
+<file path=ppt/slides/slide79.xml><?xml version="1.0" encoding="utf-8"?>
+<p:sld xmlns:a="http://schemas.openxmlformats.org/drawingml/2006/main" xmlns:p="http://schemas.openxmlformats.org/presentationml/2006/main" xmlns:r="http://schemas.openxmlformats.org/officeDocument/2006/relationships">
+  <p:cSld>
+    <p:spTree>
+      <p:nvGrpSpPr>
+        <p:cNvPr id="1" name=""/>
+        <p:cNvGrpSpPr/>
+        <p:nvPr/>
+      </p:nvGrpSpPr>
+      <p:grpSpPr/>
+      <p:sp>
+        <p:nvSpPr>
+          <p:cNvPr id="2" name="Title 1"/>
+          <p:cNvSpPr>
+            <a:spLocks noGrp="1"/>
+          </p:cNvSpPr>
+          <p:nvPr>
+            <p:ph type="title"/>
+          </p:nvPr>
+        </p:nvSpPr>
+        <p:spPr>
+          <a:xfrm>
+            <a:off x="182880" y="182880"/>
+            <a:ext cx="11826240" cy="381000"/>
+          </a:xfrm>
+        </p:spPr>
+        <p:txBody>
+          <a:bodyPr anchor="t"/>
+          <a:lstStyle/>
+          <a:p>
+            <a:pPr>
+              <a:defRPr sz="3000"/>
+            </a:pPr>
+            <a:r>
+              <a:t>Review Jenkinsfile</a:t>
+            </a:r>
+          </a:p>
+        </p:txBody>
+      </p:sp>
+      <p:sp>
+        <p:nvSpPr>
+          <p:cNvPr id="3" name="Content Placeholder 2"/>
+          <p:cNvSpPr>
+            <a:spLocks noGrp="1"/>
+          </p:cNvSpPr>
+          <p:nvPr>
+            <p:ph idx="1"/>
+          </p:nvPr>
+        </p:nvSpPr>
+        <p:spPr>
+          <a:xfrm>
+            <a:off x="182880" y="838200"/>
+            <a:ext cx="11826240" cy="5654040"/>
+          </a:xfrm>
+        </p:spPr>
+        <p:txBody>
+          <a:bodyPr>
+            <a:normAutofit/>
+          </a:bodyPr>
+          <a:lstStyle/>
+          <a:p>
+            <a:pPr>
+              <a:defRPr sz="1800"/>
+            </a:pPr>
+            <a:r>
+              <a:t>A </a:t>
+            </a:r>
+            <a:r>
+              <a:rPr>
+                <a:latin typeface="Courier"/>
+              </a:rPr>
+              <a:t/>
+            </a:r>
+            <a:r>
+              <a:t/>
+            </a:r>
+            <a:r>
+              <a:rPr>
+                <a:latin typeface="Courier"/>
+              </a:rPr>
+              <a:t>Jenkinsfile</a:t>
+            </a:r>
+            <a:r>
+              <a:t/>
+            </a:r>
+            <a:r>
+              <a:rPr>
+                <a:latin typeface="Courier"/>
+              </a:rPr>
+              <a:t/>
+            </a:r>
+            <a:r>
+              <a:t> is a text file that contains the definition of a Jenkins Pipeline and is checked into source control. Using a </a:t>
+            </a:r>
+            <a:r>
+              <a:rPr>
+                <a:latin typeface="Courier"/>
+              </a:rPr>
+              <a:t/>
+            </a:r>
+            <a:r>
+              <a:t/>
+            </a:r>
+            <a:r>
+              <a:rPr>
+                <a:latin typeface="Courier"/>
+              </a:rPr>
+              <a:t>Jenkinsfile</a:t>
+            </a:r>
+            <a:r>
+              <a:t/>
+            </a:r>
+            <a:r>
+              <a:rPr>
+                <a:latin typeface="Courier"/>
+              </a:rPr>
+              <a:t/>
+            </a:r>
+            <a:r>
+              <a:t>, which is checked into source control, enables</a:t>
+            </a:r>
+          </a:p>
+          <a:p>
+            <a:pPr lvl="1">
+              <a:defRPr sz="1600"/>
+            </a:pPr>
+            <a:r>
+              <a:t>Code review/iteration on the pipeline</a:t>
+            </a:r>
+          </a:p>
+          <a:p>
+            <a:pPr lvl="1">
+              <a:defRPr sz="1600"/>
+            </a:pPr>
+            <a:r>
+              <a:t>Audit trail for the pipeline</a:t>
+            </a:r>
+          </a:p>
+          <a:p>
+            <a:pPr lvl="1">
+              <a:defRPr sz="1600"/>
+            </a:pPr>
+            <a:r>
+              <a:t>Single source of truth for the pipeline</a:t>
+            </a:r>
+          </a:p>
+          <a:p>
+            <a:pPr>
+              <a:defRPr sz="1800"/>
+            </a:pPr>
+            <a:r>
+              <a:t>More detailed information is available at </a:t>
+            </a:r>
+            <a:r>
+              <a:rPr>
+                <a:hlinkClick r:id="rId2"/>
+              </a:rPr>
+              <a:t>https://jenkins.io/doc/book/pipeline/jenkinsfile/</a:t>
+            </a:r>
+          </a:p>
+        </p:txBody>
+      </p:sp>
     </p:spTree>
   </p:cSld>
   <p:clrMapOvr>
@@ -38263,7 +38260,7 @@
               <a:defRPr sz="1800"/>
             </a:pPr>
             <a:r>
-              <a:t>A </a:t>
+              <a:t>Reviewing the </a:t>
             </a:r>
             <a:r>
               <a:rPr>
@@ -38290,34 +38287,42 @@
               <a:t/>
             </a:r>
             <a:r>
-              <a:t> is a text file that contains the definition of a Jenkins Pipeline and is checked into source control. Using a </a:t>
-            </a:r>
-            <a:r>
-              <a:rPr>
-                <a:latin typeface="Courier"/>
-              </a:rPr>
-              <a:t/>
-            </a:r>
-            <a:r>
-              <a:t/>
-            </a:r>
-            <a:r>
-              <a:rPr>
-                <a:latin typeface="Courier"/>
-              </a:rPr>
-              <a:t>Jenkinsfile</a:t>
-            </a:r>
-            <a:r>
-              <a:t/>
-            </a:r>
-            <a:r>
-              <a:rPr>
-                <a:latin typeface="Courier"/>
-              </a:rPr>
-              <a:t/>
-            </a:r>
-            <a:r>
-              <a:t>, which is checked into source control, enables</a:t>
+              <a:t> in our project's root directory, the agent directive instructs Jenkins to allocate an executor and workspace for the pipeline. In our workshop, we use the label </a:t>
+            </a:r>
+            <a:r>
+              <a:rPr>
+                <a:latin typeface="Courier"/>
+              </a:rPr>
+              <a:t/>
+            </a:r>
+            <a:r>
+              <a:t/>
+            </a:r>
+            <a:r>
+              <a:rPr>
+                <a:latin typeface="Courier"/>
+              </a:rPr>
+              <a:t>zowe-agent</a:t>
+            </a:r>
+            <a:r>
+              <a:t/>
+            </a:r>
+            <a:r>
+              <a:rPr>
+                <a:latin typeface="Courier"/>
+              </a:rPr>
+              <a:t/>
+            </a:r>
+            <a:r>
+              <a:t> to instruct Jenkins to execute the tasks in a docker container that contains Zowe Community Edition and is being pulled from Docker Hub.</a:t>
+            </a:r>
+          </a:p>
+          <a:p>
+            <a:pPr>
+              <a:defRPr sz="1800"/>
+            </a:pPr>
+            <a:r>
+              <a:t>Environment variables can be declared within an environment directive or with a withEnv step.</a:t>
             </a:r>
           </a:p>
           <a:p>
@@ -38325,7 +38330,7 @@
               <a:defRPr sz="1600"/>
             </a:pPr>
             <a:r>
-              <a:t>Code review/iteration on the pipeline</a:t>
+              <a:t>An environment directive in the top-level pipeline block applies to all steps within the pipeline</a:t>
             </a:r>
           </a:p>
           <a:p>
@@ -38333,15 +38338,7 @@
               <a:defRPr sz="1600"/>
             </a:pPr>
             <a:r>
-              <a:t>Audit trail for the pipeline</a:t>
-            </a:r>
-          </a:p>
-          <a:p>
-            <a:pPr lvl="1">
-              <a:defRPr sz="1600"/>
-            </a:pPr>
-            <a:r>
-              <a:t>Single source of truth for the pipeline</a:t>
+              <a:t>An environment directive within a stage will only apply those variables to that stage.</a:t>
             </a:r>
           </a:p>
           <a:p>
@@ -38349,13 +38346,7 @@
               <a:defRPr sz="1800"/>
             </a:pPr>
             <a:r>
-              <a:t>More detailed information is available at </a:t>
-            </a:r>
-            <a:r>
-              <a:rPr>
-                <a:hlinkClick r:id="rId2"/>
-              </a:rPr>
-              <a:t>https://jenkins.io/doc/book/pipeline/jenkinsfile/</a:t>
+              <a:t>The stages directive contains various pipeline stages and the steps directive provides the tasks for each stage.</a:t>
             </a:r>
           </a:p>
         </p:txBody>
@@ -38402,7 +38393,7 @@
               <a:defRPr sz="3000"/>
             </a:pPr>
             <a:r>
-              <a:t>Review Jenkinsfile</a:t>
+              <a:t>Updating the Jenkinsfile</a:t>
             </a:r>
           </a:p>
         </p:txBody>
@@ -38433,7 +38424,15 @@
               <a:defRPr sz="1800"/>
             </a:pPr>
             <a:r>
-              <a:t>Reviewing the </a:t>
+              <a:t>Implement the Build stage by calling the Build gulp task.</a:t>
+            </a:r>
+          </a:p>
+          <a:p>
+            <a:pPr lvl="1">
+              <a:defRPr sz="1600"/>
+            </a:pPr>
+            <a:r>
+              <a:t>Locate the build stage in your </a:t>
             </a:r>
             <a:r>
               <a:rPr>
@@ -38459,35 +38458,45 @@
               </a:rPr>
               <a:t/>
             </a:r>
-            <a:r>
-              <a:t> in our project's root directory, the agent directive instructs Jenkins to allocate an executor and workspace for the pipeline. In our workshop, we use the label </a:t>
-            </a:r>
-            <a:r>
-              <a:rPr>
-                <a:latin typeface="Courier"/>
-              </a:rPr>
-              <a:t/>
-            </a:r>
-            <a:r>
-              <a:t/>
-            </a:r>
-            <a:r>
-              <a:rPr>
-                <a:latin typeface="Courier"/>
-              </a:rPr>
-              <a:t>zowe-agent</a:t>
-            </a:r>
-            <a:r>
-              <a:t/>
-            </a:r>
-            <a:r>
-              <a:rPr>
-                <a:latin typeface="Courier"/>
-              </a:rPr>
-              <a:t/>
-            </a:r>
-            <a:r>
-              <a:t> to instruct Jenkins to execute the tasks in a docker container that contains Zowe Community Edition and is being pulled from Docker Hub.</a:t>
+          </a:p>
+          <a:p>
+            <a:pPr lvl="1">
+              <a:defRPr sz="1600"/>
+            </a:pPr>
+            <a:r>
+              <a:t>Remove the following line of code which simply echoed out a statement:</a:t>
+            </a:r>
+          </a:p>
+          <a:p>
+            <a:pPr lvl="2">
+              <a:defRPr sz="1400"/>
+            </a:pPr>
+            <a:r>
+              <a:t/>
+            </a:r>
+            <a:r>
+              <a:rPr>
+                <a:latin typeface="Courier"/>
+              </a:rPr>
+              <a:t/>
+            </a:r>
+            <a:r>
+              <a:t/>
+            </a:r>
+            <a:r>
+              <a:rPr>
+                <a:latin typeface="Courier"/>
+              </a:rPr>
+              <a:t>sh "echo build"</a:t>
+            </a:r>
+            <a:r>
+              <a:t/>
+            </a:r>
+            <a:r>
+              <a:rPr>
+                <a:latin typeface="Courier"/>
+              </a:rPr>
+              <a:t/>
             </a:r>
           </a:p>
           <a:p>
@@ -38495,7 +38504,34 @@
               <a:defRPr sz="1800"/>
             </a:pPr>
             <a:r>
-              <a:t>Environment variables can be declared within an environment directive or with a withEnv step.</a:t>
+              <a:t>Uncomment the ensuing </a:t>
+            </a:r>
+            <a:r>
+              <a:rPr>
+                <a:latin typeface="Courier"/>
+              </a:rPr>
+              <a:t/>
+            </a:r>
+            <a:r>
+              <a:t/>
+            </a:r>
+            <a:r>
+              <a:rPr>
+                <a:latin typeface="Courier"/>
+              </a:rPr>
+              <a:t>withCredentials</a:t>
+            </a:r>
+            <a:r>
+              <a:t/>
+            </a:r>
+            <a:r>
+              <a:rPr>
+                <a:latin typeface="Courier"/>
+              </a:rPr>
+              <a:t/>
+            </a:r>
+            <a:r>
+              <a:t> code block.</a:t>
             </a:r>
           </a:p>
           <a:p>
@@ -38503,7 +38539,34 @@
               <a:defRPr sz="1600"/>
             </a:pPr>
             <a:r>
-              <a:t>An environment directive in the top-level pipeline block applies to all steps within the pipeline</a:t>
+              <a:t>Inside this block, we will have access to </a:t>
+            </a:r>
+            <a:r>
+              <a:rPr>
+                <a:latin typeface="Courier"/>
+              </a:rPr>
+              <a:t/>
+            </a:r>
+            <a:r>
+              <a:t/>
+            </a:r>
+            <a:r>
+              <a:rPr>
+                <a:latin typeface="Courier"/>
+              </a:rPr>
+              <a:t>eosCreds</a:t>
+            </a:r>
+            <a:r>
+              <a:t/>
+            </a:r>
+            <a:r>
+              <a:rPr>
+                <a:latin typeface="Courier"/>
+              </a:rPr>
+              <a:t/>
+            </a:r>
+            <a:r>
+              <a:t>.  It is defined in Jenkins.</a:t>
             </a:r>
           </a:p>
           <a:p>
@@ -38511,15 +38574,69 @@
               <a:defRPr sz="1600"/>
             </a:pPr>
             <a:r>
-              <a:t>An environment directive within a stage will only apply those variables to that stage.</a:t>
-            </a:r>
-          </a:p>
-          <a:p>
-            <a:pPr>
-              <a:defRPr sz="1800"/>
-            </a:pPr>
-            <a:r>
-              <a:t>The stages directive contains various pipeline stages and the steps directive provides the tasks for each stage.</a:t>
+              <a:t>We define the user environment variable to be </a:t>
+            </a:r>
+            <a:r>
+              <a:rPr>
+                <a:latin typeface="Courier"/>
+              </a:rPr>
+              <a:t/>
+            </a:r>
+            <a:r>
+              <a:t/>
+            </a:r>
+            <a:r>
+              <a:rPr>
+                <a:latin typeface="Courier"/>
+              </a:rPr>
+              <a:t>ZOWE_OPT_USER</a:t>
+            </a:r>
+            <a:r>
+              <a:t/>
+            </a:r>
+            <a:r>
+              <a:rPr>
+                <a:latin typeface="Courier"/>
+              </a:rPr>
+              <a:t/>
+            </a:r>
+            <a:r>
+              <a:t> and the password to be </a:t>
+            </a:r>
+            <a:r>
+              <a:rPr>
+                <a:latin typeface="Courier"/>
+              </a:rPr>
+              <a:t/>
+            </a:r>
+            <a:r>
+              <a:t/>
+            </a:r>
+            <a:r>
+              <a:rPr>
+                <a:latin typeface="Courier"/>
+              </a:rPr>
+              <a:t>ZOWE_OPT_PASSWORD</a:t>
+            </a:r>
+            <a:r>
+              <a:t/>
+            </a:r>
+            <a:r>
+              <a:rPr>
+                <a:latin typeface="Courier"/>
+              </a:rPr>
+              <a:t/>
+            </a:r>
+            <a:r>
+              <a:t> because Zowe can be influenced by environment variables.</a:t>
+            </a:r>
+          </a:p>
+          <a:p>
+            <a:pPr lvl="1">
+              <a:defRPr sz="1600"/>
+            </a:pPr>
+            <a:r>
+              <a:t>Let's take a moment to discuss command line precedence.</a:t>
             </a:r>
           </a:p>
         </p:txBody>
@@ -38566,7 +38683,7 @@
               <a:defRPr sz="3000"/>
             </a:pPr>
             <a:r>
-              <a:t>Updating the Jenkinsfile</a:t>
+              <a:t>Zowe Command Line Precedence</a:t>
             </a:r>
           </a:p>
         </p:txBody>
@@ -38597,7 +38714,118 @@
               <a:defRPr sz="1800"/>
             </a:pPr>
             <a:r>
-              <a:t>Implement the Build stage by calling the Build gulp task.</a:t>
+              <a:t>You can specify any option on any command through the use of environment variables using the prefix </a:t>
+            </a:r>
+            <a:r>
+              <a:rPr>
+                <a:latin typeface="Courier"/>
+              </a:rPr>
+              <a:t/>
+            </a:r>
+            <a:r>
+              <a:t/>
+            </a:r>
+            <a:r>
+              <a:rPr>
+                <a:latin typeface="Courier"/>
+              </a:rPr>
+              <a:t>ZOWE_OPT_</a:t>
+            </a:r>
+            <a:r>
+              <a:t/>
+            </a:r>
+            <a:r>
+              <a:rPr>
+                <a:latin typeface="Courier"/>
+              </a:rPr>
+              <a:t/>
+            </a:r>
+            <a:r>
+              <a:t>.</a:t>
+            </a:r>
+          </a:p>
+          <a:p>
+            <a:pPr>
+              <a:defRPr sz="1800"/>
+            </a:pPr>
+            <a:r>
+              <a:t>For example, you can specify the option </a:t>
+            </a:r>
+            <a:r>
+              <a:rPr>
+                <a:latin typeface="Courier"/>
+              </a:rPr>
+              <a:t/>
+            </a:r>
+            <a:r>
+              <a:t/>
+            </a:r>
+            <a:r>
+              <a:rPr>
+                <a:latin typeface="Courier"/>
+              </a:rPr>
+              <a:t>--host</a:t>
+            </a:r>
+            <a:r>
+              <a:t/>
+            </a:r>
+            <a:r>
+              <a:rPr>
+                <a:latin typeface="Courier"/>
+              </a:rPr>
+              <a:t/>
+            </a:r>
+            <a:r>
+              <a:t> by setting an environment variable named </a:t>
+            </a:r>
+            <a:r>
+              <a:rPr>
+                <a:latin typeface="Courier"/>
+              </a:rPr>
+              <a:t/>
+            </a:r>
+            <a:r>
+              <a:t/>
+            </a:r>
+            <a:r>
+              <a:rPr>
+                <a:latin typeface="Courier"/>
+              </a:rPr>
+              <a:t>ZOWE_OPT_HOST</a:t>
+            </a:r>
+            <a:r>
+              <a:t/>
+            </a:r>
+            <a:r>
+              <a:rPr>
+                <a:latin typeface="Courier"/>
+              </a:rPr>
+              <a:t/>
+            </a:r>
+            <a:r>
+              <a:t> to the desired value.</a:t>
+            </a:r>
+          </a:p>
+          <a:p>
+            <a:pPr>
+              <a:defRPr sz="1800"/>
+            </a:pPr>
+            <a:r>
+              <a:t>For more information on defining environment variables, please reference:</a:t>
+            </a:r>
+            <a:r>
+              <a:rPr>
+                <a:hlinkClick r:id="rId2"/>
+              </a:rPr>
+              <a:t>https://docs.zowe.org/stable/user-guide/cli-configuringcli.html#defining-environment-variables</a:t>
+            </a:r>
+          </a:p>
+          <a:p>
+            <a:pPr>
+              <a:defRPr sz="1800"/>
+            </a:pPr>
+            <a:r>
+              <a:t>When a Zowe command is run, the order of precedence for determining the option values to use is:</a:t>
             </a:r>
           </a:p>
           <a:p>
@@ -38605,31 +38833,7 @@
               <a:defRPr sz="1600"/>
             </a:pPr>
             <a:r>
-              <a:t>Locate the build stage in your </a:t>
-            </a:r>
-            <a:r>
-              <a:rPr>
-                <a:latin typeface="Courier"/>
-              </a:rPr>
-              <a:t/>
-            </a:r>
-            <a:r>
-              <a:t/>
-            </a:r>
-            <a:r>
-              <a:rPr>
-                <a:latin typeface="Courier"/>
-              </a:rPr>
-              <a:t>Jenkinsfile</a:t>
-            </a:r>
-            <a:r>
-              <a:t/>
-            </a:r>
-            <a:r>
-              <a:rPr>
-                <a:latin typeface="Courier"/>
-              </a:rPr>
-              <a:t/>
+              <a:t>Command line arguments</a:t>
             </a:r>
           </a:p>
           <a:p>
@@ -38637,74 +38841,7 @@
               <a:defRPr sz="1600"/>
             </a:pPr>
             <a:r>
-              <a:t>Remove the following line of code which simply echoed out a statement:</a:t>
-            </a:r>
-          </a:p>
-          <a:p>
-            <a:pPr lvl="2">
-              <a:defRPr sz="1400"/>
-            </a:pPr>
-            <a:r>
-              <a:t/>
-            </a:r>
-            <a:r>
-              <a:rPr>
-                <a:latin typeface="Courier"/>
-              </a:rPr>
-              <a:t/>
-            </a:r>
-            <a:r>
-              <a:t/>
-            </a:r>
-            <a:r>
-              <a:rPr>
-                <a:latin typeface="Courier"/>
-              </a:rPr>
-              <a:t>sh "echo build"</a:t>
-            </a:r>
-            <a:r>
-              <a:t/>
-            </a:r>
-            <a:r>
-              <a:rPr>
-                <a:latin typeface="Courier"/>
-              </a:rPr>
-              <a:t/>
-            </a:r>
-          </a:p>
-          <a:p>
-            <a:pPr>
-              <a:defRPr sz="1800"/>
-            </a:pPr>
-            <a:r>
-              <a:t>Uncomment the ensuing </a:t>
-            </a:r>
-            <a:r>
-              <a:rPr>
-                <a:latin typeface="Courier"/>
-              </a:rPr>
-              <a:t/>
-            </a:r>
-            <a:r>
-              <a:t/>
-            </a:r>
-            <a:r>
-              <a:rPr>
-                <a:latin typeface="Courier"/>
-              </a:rPr>
-              <a:t>withCredentials</a:t>
-            </a:r>
-            <a:r>
-              <a:t/>
-            </a:r>
-            <a:r>
-              <a:rPr>
-                <a:latin typeface="Courier"/>
-              </a:rPr>
-              <a:t/>
-            </a:r>
-            <a:r>
-              <a:t> code block.</a:t>
+              <a:t>Environment variables</a:t>
             </a:r>
           </a:p>
           <a:p>
@@ -38712,34 +38849,7 @@
               <a:defRPr sz="1600"/>
             </a:pPr>
             <a:r>
-              <a:t>Inside this block, we will have access to </a:t>
-            </a:r>
-            <a:r>
-              <a:rPr>
-                <a:latin typeface="Courier"/>
-              </a:rPr>
-              <a:t/>
-            </a:r>
-            <a:r>
-              <a:t/>
-            </a:r>
-            <a:r>
-              <a:rPr>
-                <a:latin typeface="Courier"/>
-              </a:rPr>
-              <a:t>eosCreds</a:t>
-            </a:r>
-            <a:r>
-              <a:t/>
-            </a:r>
-            <a:r>
-              <a:rPr>
-                <a:latin typeface="Courier"/>
-              </a:rPr>
-              <a:t/>
-            </a:r>
-            <a:r>
-              <a:t>.  It is defined in Jenkins.</a:t>
+              <a:t>Profile settings</a:t>
             </a:r>
           </a:p>
           <a:p>
@@ -38747,69 +38857,7 @@
               <a:defRPr sz="1600"/>
             </a:pPr>
             <a:r>
-              <a:t>We define the user environment variable to be </a:t>
-            </a:r>
-            <a:r>
-              <a:rPr>
-                <a:latin typeface="Courier"/>
-              </a:rPr>
-              <a:t/>
-            </a:r>
-            <a:r>
-              <a:t/>
-            </a:r>
-            <a:r>
-              <a:rPr>
-                <a:latin typeface="Courier"/>
-              </a:rPr>
-              <a:t>ZOWE_OPT_USER</a:t>
-            </a:r>
-            <a:r>
-              <a:t/>
-            </a:r>
-            <a:r>
-              <a:rPr>
-                <a:latin typeface="Courier"/>
-              </a:rPr>
-              <a:t/>
-            </a:r>
-            <a:r>
-              <a:t> and the password to be </a:t>
-            </a:r>
-            <a:r>
-              <a:rPr>
-                <a:latin typeface="Courier"/>
-              </a:rPr>
-              <a:t/>
-            </a:r>
-            <a:r>
-              <a:t/>
-            </a:r>
-            <a:r>
-              <a:rPr>
-                <a:latin typeface="Courier"/>
-              </a:rPr>
-              <a:t>ZOWE_OPT_PASSWORD</a:t>
-            </a:r>
-            <a:r>
-              <a:t/>
-            </a:r>
-            <a:r>
-              <a:rPr>
-                <a:latin typeface="Courier"/>
-              </a:rPr>
-              <a:t/>
-            </a:r>
-            <a:r>
-              <a:t> because Zowe can be influenced by environment variables.</a:t>
-            </a:r>
-          </a:p>
-          <a:p>
-            <a:pPr lvl="1">
-              <a:defRPr sz="1600"/>
-            </a:pPr>
-            <a:r>
-              <a:t>Let's take a moment to discuss command line precedence.</a:t>
+              <a:t>Default values</a:t>
             </a:r>
           </a:p>
         </p:txBody>
@@ -38856,7 +38904,7 @@
               <a:defRPr sz="3000"/>
             </a:pPr>
             <a:r>
-              <a:t>Zowe Command Line Precedence</a:t>
+              <a:t>Updating the Jenkinsfile</a:t>
             </a:r>
           </a:p>
         </p:txBody>
@@ -38887,118 +38935,34 @@
               <a:defRPr sz="1800"/>
             </a:pPr>
             <a:r>
-              <a:t>You can specify any option on any command through the use of environment variables using the prefix </a:t>
-            </a:r>
-            <a:r>
-              <a:rPr>
-                <a:latin typeface="Courier"/>
-              </a:rPr>
-              <a:t/>
-            </a:r>
-            <a:r>
-              <a:t/>
-            </a:r>
-            <a:r>
-              <a:rPr>
-                <a:latin typeface="Courier"/>
-              </a:rPr>
-              <a:t>ZOWE_OPT_</a:t>
-            </a:r>
-            <a:r>
-              <a:t/>
-            </a:r>
-            <a:r>
-              <a:rPr>
-                <a:latin typeface="Courier"/>
-              </a:rPr>
-              <a:t/>
-            </a:r>
-            <a:r>
-              <a:t>.</a:t>
-            </a:r>
-          </a:p>
-          <a:p>
-            <a:pPr>
-              <a:defRPr sz="1800"/>
-            </a:pPr>
-            <a:r>
-              <a:t>For example, you can specify the option </a:t>
-            </a:r>
-            <a:r>
-              <a:rPr>
-                <a:latin typeface="Courier"/>
-              </a:rPr>
-              <a:t/>
-            </a:r>
-            <a:r>
-              <a:t/>
-            </a:r>
-            <a:r>
-              <a:rPr>
-                <a:latin typeface="Courier"/>
-              </a:rPr>
-              <a:t>--host</a:t>
-            </a:r>
-            <a:r>
-              <a:t/>
-            </a:r>
-            <a:r>
-              <a:rPr>
-                <a:latin typeface="Courier"/>
-              </a:rPr>
-              <a:t/>
-            </a:r>
-            <a:r>
-              <a:t> by setting an environment variable named </a:t>
-            </a:r>
-            <a:r>
-              <a:rPr>
-                <a:latin typeface="Courier"/>
-              </a:rPr>
-              <a:t/>
-            </a:r>
-            <a:r>
-              <a:t/>
-            </a:r>
-            <a:r>
-              <a:rPr>
-                <a:latin typeface="Courier"/>
-              </a:rPr>
-              <a:t>ZOWE_OPT_HOST</a:t>
-            </a:r>
-            <a:r>
-              <a:t/>
-            </a:r>
-            <a:r>
-              <a:rPr>
-                <a:latin typeface="Courier"/>
-              </a:rPr>
-              <a:t/>
-            </a:r>
-            <a:r>
-              <a:t> to the desired value.</a:t>
-            </a:r>
-          </a:p>
-          <a:p>
-            <a:pPr>
-              <a:defRPr sz="1800"/>
-            </a:pPr>
-            <a:r>
-              <a:t>For more information on defining environment variables, please reference:</a:t>
-            </a:r>
-            <a:r>
-              <a:rPr>
-                <a:hlinkClick r:id="rId2"/>
-              </a:rPr>
-              <a:t>https://docs.zowe.org/stable/user-guide/cli-configuringcli.html#defining-environment-variables</a:t>
-            </a:r>
-          </a:p>
-          <a:p>
-            <a:pPr>
-              <a:defRPr sz="1800"/>
-            </a:pPr>
-            <a:r>
-              <a:t>When a Zowe command is run, the order of precedence for determining the option values to use is:</a:t>
+              <a:t>Add the following command inside the </a:t>
+            </a:r>
+            <a:r>
+              <a:rPr>
+                <a:latin typeface="Courier"/>
+              </a:rPr>
+              <a:t/>
+            </a:r>
+            <a:r>
+              <a:t/>
+            </a:r>
+            <a:r>
+              <a:rPr>
+                <a:latin typeface="Courier"/>
+              </a:rPr>
+              <a:t>withCredentials</a:t>
+            </a:r>
+            <a:r>
+              <a:t/>
+            </a:r>
+            <a:r>
+              <a:rPr>
+                <a:latin typeface="Courier"/>
+              </a:rPr>
+              <a:t/>
+            </a:r>
+            <a:r>
+              <a:t> block to instruct Jenkins to run the gulp build task you created as part of build stage:</a:t>
             </a:r>
           </a:p>
           <a:p>
@@ -39006,31 +38970,31 @@
               <a:defRPr sz="1600"/>
             </a:pPr>
             <a:r>
-              <a:t>Command line arguments</a:t>
-            </a:r>
-          </a:p>
-          <a:p>
-            <a:pPr lvl="1">
-              <a:defRPr sz="1600"/>
-            </a:pPr>
-            <a:r>
-              <a:t>Environment variables</a:t>
-            </a:r>
-          </a:p>
-          <a:p>
-            <a:pPr lvl="1">
-              <a:defRPr sz="1600"/>
-            </a:pPr>
-            <a:r>
-              <a:t>Profile settings</a:t>
-            </a:r>
-          </a:p>
-          <a:p>
-            <a:pPr lvl="1">
-              <a:defRPr sz="1600"/>
-            </a:pPr>
-            <a:r>
-              <a:t>Default values</a:t>
+              <a:t/>
+            </a:r>
+            <a:r>
+              <a:rPr>
+                <a:latin typeface="Courier"/>
+              </a:rPr>
+              <a:t/>
+            </a:r>
+            <a:r>
+              <a:t/>
+            </a:r>
+            <a:r>
+              <a:rPr>
+                <a:latin typeface="Courier"/>
+              </a:rPr>
+              <a:t>sh 'gulp build'</a:t>
+            </a:r>
+            <a:r>
+              <a:t/>
+            </a:r>
+            <a:r>
+              <a:rPr>
+                <a:latin typeface="Courier"/>
+              </a:rPr>
+              <a:t/>
             </a:r>
           </a:p>
         </p:txBody>
@@ -39077,7 +39041,7 @@
               <a:defRPr sz="3000"/>
             </a:pPr>
             <a:r>
-              <a:t>Updating the Jenkinsfile</a:t>
+              <a:t>Enhance Jenkinsfile for Deploy</a:t>
             </a:r>
           </a:p>
         </p:txBody>
@@ -39108,34 +39072,7 @@
               <a:defRPr sz="1800"/>
             </a:pPr>
             <a:r>
-              <a:t>Add the following command inside the </a:t>
-            </a:r>
-            <a:r>
-              <a:rPr>
-                <a:latin typeface="Courier"/>
-              </a:rPr>
-              <a:t/>
-            </a:r>
-            <a:r>
-              <a:t/>
-            </a:r>
-            <a:r>
-              <a:rPr>
-                <a:latin typeface="Courier"/>
-              </a:rPr>
-              <a:t>withCredentials</a:t>
-            </a:r>
-            <a:r>
-              <a:t/>
-            </a:r>
-            <a:r>
-              <a:rPr>
-                <a:latin typeface="Courier"/>
-              </a:rPr>
-              <a:t/>
-            </a:r>
-            <a:r>
-              <a:t> block to instruct Jenkins to run the gulp build task you created as part of build stage:</a:t>
+              <a:t>Deployment for marbles requires us to copy the load modules, and activate the changes in the target CICS environment.</a:t>
             </a:r>
           </a:p>
           <a:p>
@@ -39143,31 +39080,23 @@
               <a:defRPr sz="1600"/>
             </a:pPr>
             <a:r>
-              <a:t/>
-            </a:r>
-            <a:r>
-              <a:rPr>
-                <a:latin typeface="Courier"/>
-              </a:rPr>
-              <a:t/>
-            </a:r>
-            <a:r>
-              <a:t/>
-            </a:r>
-            <a:r>
-              <a:rPr>
-                <a:latin typeface="Courier"/>
-              </a:rPr>
-              <a:t>sh 'gulp build'</a:t>
-            </a:r>
-            <a:r>
-              <a:t/>
-            </a:r>
-            <a:r>
-              <a:rPr>
-                <a:latin typeface="Courier"/>
-              </a:rPr>
-              <a:t/>
+              <a:t>Deploy manually using CLI commands</a:t>
+            </a:r>
+          </a:p>
+          <a:p>
+            <a:pPr lvl="1">
+              <a:defRPr sz="1600"/>
+            </a:pPr>
+            <a:r>
+              <a:t>Create and implement a Deploy gulp task</a:t>
+            </a:r>
+          </a:p>
+          <a:p>
+            <a:pPr lvl="1">
+              <a:defRPr sz="1600"/>
+            </a:pPr>
+            <a:r>
+              <a:t>Create and implement a Deploy Jenkins stage</a:t>
             </a:r>
           </a:p>
         </p:txBody>
@@ -39214,7 +39143,7 @@
               <a:defRPr sz="3000"/>
             </a:pPr>
             <a:r>
-              <a:t>Enhance Jenkinsfile for Deploy</a:t>
+              <a:t>Create and implement a Deploy Jenkins stage - Step 4</a:t>
             </a:r>
           </a:p>
         </p:txBody>
@@ -39245,7 +39174,7 @@
               <a:defRPr sz="1800"/>
             </a:pPr>
             <a:r>
-              <a:t>Deployment for marbles requires us to copy the load modules, and activate the changes in the target CICS environment.</a:t>
+              <a:t>Implement Deploy stage</a:t>
             </a:r>
           </a:p>
           <a:p>
@@ -39253,7 +39182,7 @@
               <a:defRPr sz="1600"/>
             </a:pPr>
             <a:r>
-              <a:t>Deploy manually using CLI commands</a:t>
+              <a:t>Uncomment withCredentials block</a:t>
             </a:r>
           </a:p>
           <a:p>
@@ -39261,7 +39190,34 @@
               <a:defRPr sz="1600"/>
             </a:pPr>
             <a:r>
-              <a:t>Create and implement a Deploy gulp task</a:t>
+              <a:t>Call the </a:t>
+            </a:r>
+            <a:r>
+              <a:rPr>
+                <a:latin typeface="Courier"/>
+              </a:rPr>
+              <a:t/>
+            </a:r>
+            <a:r>
+              <a:t/>
+            </a:r>
+            <a:r>
+              <a:rPr>
+                <a:latin typeface="Courier"/>
+              </a:rPr>
+              <a:t>gulp deploy</a:t>
+            </a:r>
+            <a:r>
+              <a:t/>
+            </a:r>
+            <a:r>
+              <a:rPr>
+                <a:latin typeface="Courier"/>
+              </a:rPr>
+              <a:t/>
+            </a:r>
+            <a:r>
+              <a:t> task that you created. This will need placed inside the inner withCredentials block.</a:t>
             </a:r>
           </a:p>
           <a:p>
@@ -39269,7 +39225,34 @@
               <a:defRPr sz="1600"/>
             </a:pPr>
             <a:r>
-              <a:t>Create and implement a Deploy Jenkins stage</a:t>
+              <a:t>Note: Plugins also inherit the </a:t>
+            </a:r>
+            <a:r>
+              <a:rPr>
+                <a:latin typeface="Courier"/>
+              </a:rPr>
+              <a:t/>
+            </a:r>
+            <a:r>
+              <a:t/>
+            </a:r>
+            <a:r>
+              <a:rPr>
+                <a:latin typeface="Courier"/>
+              </a:rPr>
+              <a:t>ZOWE_OPT_</a:t>
+            </a:r>
+            <a:r>
+              <a:t/>
+            </a:r>
+            <a:r>
+              <a:rPr>
+                <a:latin typeface="Courier"/>
+              </a:rPr>
+              <a:t/>
+            </a:r>
+            <a:r>
+              <a:t> vars, but can be overridden on the command line.</a:t>
             </a:r>
           </a:p>
         </p:txBody>
@@ -39299,133 +39282,43 @@
             <a:spLocks noGrp="1"/>
           </p:cNvSpPr>
           <p:nvPr>
-            <p:ph type="title"/>
-          </p:nvPr>
-        </p:nvSpPr>
-        <p:spPr>
-          <a:xfrm>
-            <a:off x="182880" y="182880"/>
-            <a:ext cx="11826240" cy="381000"/>
-          </a:xfrm>
-        </p:spPr>
+            <p:ph type="ctrTitle"/>
+          </p:nvPr>
+        </p:nvSpPr>
+        <p:spPr/>
         <p:txBody>
-          <a:bodyPr anchor="t"/>
+          <a:bodyPr/>
           <a:lstStyle/>
           <a:p>
             <a:pPr>
-              <a:defRPr sz="3000"/>
-            </a:pPr>
-            <a:r>
-              <a:t>Create and implement a Deploy Jenkins stage - Step 4</a:t>
+              <a:defRPr sz="4000"/>
+            </a:pPr>
+            <a:r>
+              <a:t>Section VII:</a:t>
             </a:r>
           </a:p>
         </p:txBody>
       </p:sp>
       <p:sp>
         <p:nvSpPr>
-          <p:cNvPr id="3" name="Content Placeholder 2"/>
-          <p:cNvSpPr>
-            <a:spLocks noGrp="1"/>
-          </p:cNvSpPr>
-          <p:nvPr>
-            <p:ph idx="1"/>
-          </p:nvPr>
-        </p:nvSpPr>
-        <p:spPr>
-          <a:xfrm>
-            <a:off x="182880" y="838200"/>
-            <a:ext cx="11826240" cy="5654040"/>
-          </a:xfrm>
-        </p:spPr>
+          <p:cNvPr id="3" name="Subtitle 2"/>
+          <p:cNvSpPr>
+            <a:spLocks noGrp="1"/>
+          </p:cNvSpPr>
+          <p:nvPr>
+            <p:ph type="subTitle" idx="1"/>
+          </p:nvPr>
+        </p:nvSpPr>
+        <p:spPr/>
         <p:txBody>
-          <a:bodyPr>
-            <a:normAutofit/>
-          </a:bodyPr>
+          <a:bodyPr/>
           <a:lstStyle/>
           <a:p>
             <a:pPr>
-              <a:defRPr sz="1800"/>
-            </a:pPr>
-            <a:r>
-              <a:t>Implement Deploy stage</a:t>
-            </a:r>
-          </a:p>
-          <a:p>
-            <a:pPr lvl="1">
-              <a:defRPr sz="1600"/>
-            </a:pPr>
-            <a:r>
-              <a:t>Uncomment withCredentials block</a:t>
-            </a:r>
-          </a:p>
-          <a:p>
-            <a:pPr lvl="1">
-              <a:defRPr sz="1600"/>
-            </a:pPr>
-            <a:r>
-              <a:t>Call the </a:t>
-            </a:r>
-            <a:r>
-              <a:rPr>
-                <a:latin typeface="Courier"/>
-              </a:rPr>
-              <a:t/>
-            </a:r>
-            <a:r>
-              <a:t/>
-            </a:r>
-            <a:r>
-              <a:rPr>
-                <a:latin typeface="Courier"/>
-              </a:rPr>
-              <a:t>gulp deploy</a:t>
-            </a:r>
-            <a:r>
-              <a:t/>
-            </a:r>
-            <a:r>
-              <a:rPr>
-                <a:latin typeface="Courier"/>
-              </a:rPr>
-              <a:t/>
-            </a:r>
-            <a:r>
-              <a:t> task that you created. This will need placed inside the inner withCredentials block.</a:t>
-            </a:r>
-          </a:p>
-          <a:p>
-            <a:pPr lvl="1">
-              <a:defRPr sz="1600"/>
-            </a:pPr>
-            <a:r>
-              <a:t>Note: Plugins also inherit the </a:t>
-            </a:r>
-            <a:r>
-              <a:rPr>
-                <a:latin typeface="Courier"/>
-              </a:rPr>
-              <a:t/>
-            </a:r>
-            <a:r>
-              <a:t/>
-            </a:r>
-            <a:r>
-              <a:rPr>
-                <a:latin typeface="Courier"/>
-              </a:rPr>
-              <a:t>ZOWE_OPT_</a:t>
-            </a:r>
-            <a:r>
-              <a:t/>
-            </a:r>
-            <a:r>
-              <a:rPr>
-                <a:latin typeface="Courier"/>
-              </a:rPr>
-              <a:t/>
-            </a:r>
-            <a:r>
-              <a:t> vars, but can be overridden on the command line.</a:t>
+              <a:defRPr sz="2800"/>
+            </a:pPr>
+            <a:r>
+              <a:t>Add Automated Testing to Continuous Integration</a:t>
             </a:r>
           </a:p>
         </p:txBody>
@@ -39455,43 +39348,113 @@
             <a:spLocks noGrp="1"/>
           </p:cNvSpPr>
           <p:nvPr>
-            <p:ph type="ctrTitle"/>
-          </p:nvPr>
-        </p:nvSpPr>
-        <p:spPr/>
+            <p:ph type="title"/>
+          </p:nvPr>
+        </p:nvSpPr>
+        <p:spPr>
+          <a:xfrm>
+            <a:off x="182880" y="182880"/>
+            <a:ext cx="11826240" cy="381000"/>
+          </a:xfrm>
+        </p:spPr>
         <p:txBody>
-          <a:bodyPr/>
+          <a:bodyPr anchor="t"/>
           <a:lstStyle/>
           <a:p>
             <a:pPr>
-              <a:defRPr sz="4000"/>
-            </a:pPr>
-            <a:r>
-              <a:t>Section IV:</a:t>
+              <a:defRPr sz="3000"/>
+            </a:pPr>
+            <a:r>
+              <a:t>Testing  Step in CI - Introduction</a:t>
             </a:r>
           </a:p>
         </p:txBody>
       </p:sp>
       <p:sp>
         <p:nvSpPr>
-          <p:cNvPr id="3" name="Subtitle 2"/>
-          <p:cNvSpPr>
-            <a:spLocks noGrp="1"/>
-          </p:cNvSpPr>
-          <p:nvPr>
-            <p:ph type="subTitle" idx="1"/>
-          </p:nvPr>
-        </p:nvSpPr>
-        <p:spPr/>
+          <p:cNvPr id="3" name="Content Placeholder 2"/>
+          <p:cNvSpPr>
+            <a:spLocks noGrp="1"/>
+          </p:cNvSpPr>
+          <p:nvPr>
+            <p:ph idx="1"/>
+          </p:nvPr>
+        </p:nvSpPr>
+        <p:spPr>
+          <a:xfrm>
+            <a:off x="182880" y="838200"/>
+            <a:ext cx="11826240" cy="5654040"/>
+          </a:xfrm>
+        </p:spPr>
         <p:txBody>
-          <a:bodyPr/>
+          <a:bodyPr>
+            <a:normAutofit/>
+          </a:bodyPr>
           <a:lstStyle/>
           <a:p>
             <a:pPr>
-              <a:defRPr sz="2800"/>
-            </a:pPr>
-            <a:r>
-              <a:t>Add Automated Testing to Continuous Integration</a:t>
+              <a:defRPr sz="1800"/>
+            </a:pPr>
+            <a:r>
+              <a:t>Testing is another step that is commonly automated. Once you've built up a suite of automated tests, you may want to integrate them into your CI process. Running these tests on every CI run is crucial as passing tests increase your confidence in the code changes and the automation.</a:t>
+            </a:r>
+          </a:p>
+          <a:p>
+            <a:pPr lvl="1">
+              <a:defRPr sz="1600"/>
+            </a:pPr>
+            <a:r>
+              <a:t>Identify set of tests that are worth running in every CI run. You may want to avoid time-consuming performance tests for a stage further down the pipeline such as before deploying to production. All of the tests invoked by </a:t>
+            </a:r>
+            <a:r>
+              <a:rPr>
+                <a:latin typeface="Courier"/>
+              </a:rPr>
+              <a:t/>
+            </a:r>
+            <a:r>
+              <a:t/>
+            </a:r>
+            <a:r>
+              <a:rPr>
+                <a:latin typeface="Courier"/>
+              </a:rPr>
+              <a:t>npm test</a:t>
+            </a:r>
+            <a:r>
+              <a:t/>
+            </a:r>
+            <a:r>
+              <a:rPr>
+                <a:latin typeface="Courier"/>
+              </a:rPr>
+              <a:t/>
+            </a:r>
+            <a:r>
+              <a:t> are system tests that we want to include.</a:t>
+            </a:r>
+          </a:p>
+          <a:p>
+            <a:pPr lvl="1">
+              <a:defRPr sz="1600"/>
+            </a:pPr>
+            <a:r>
+              <a:t>Create a stage in Jenkins to invoke these tests after code is checked in, built and deployed.</a:t>
+            </a:r>
+          </a:p>
+          <a:p>
+            <a:pPr>
+              <a:defRPr sz="1800"/>
+            </a:pPr>
+            <a:r>
+              <a:t/>
+            </a:r>
+            <a:r>
+              <a:rPr b="1"/>
+              <a:t>Note</a:t>
+            </a:r>
+            <a:r>
+              <a:t>: Consider exploring code coverage tools to obtain metrics of code that is tested by your automated tests.</a:t>
             </a:r>
           </a:p>
         </p:txBody>
@@ -39538,7 +39501,7 @@
               <a:defRPr sz="3000"/>
             </a:pPr>
             <a:r>
-              <a:t>Testing  Step in CI - Introduction</a:t>
+              <a:t>Create Test stage</a:t>
             </a:r>
           </a:p>
         </p:txBody>
@@ -39569,7 +39532,7 @@
               <a:defRPr sz="1800"/>
             </a:pPr>
             <a:r>
-              <a:t>Testing is another step that is commonly automated. Once you've built up a suite of automated tests, you may want to integrate them into your CI process. Running these tests on every CI run is crucial as passing tests increase your confidence in the code changes and the automation.</a:t>
+              <a:t>We've already built an automated test using Mocha. Let's implement a test stage in Jenkins to call it.</a:t>
             </a:r>
           </a:p>
           <a:p>
@@ -39577,34 +39540,7 @@
               <a:defRPr sz="1600"/>
             </a:pPr>
             <a:r>
-              <a:t>Identify set of tests that are worth running in every CI run. You may want to avoid time-consuming performance tests for a stage further down the pipeline such as before deploying to production. All of the tests invoked by </a:t>
-            </a:r>
-            <a:r>
-              <a:rPr>
-                <a:latin typeface="Courier"/>
-              </a:rPr>
-              <a:t/>
-            </a:r>
-            <a:r>
-              <a:t/>
-            </a:r>
-            <a:r>
-              <a:rPr>
-                <a:latin typeface="Courier"/>
-              </a:rPr>
-              <a:t>npm test</a:t>
-            </a:r>
-            <a:r>
-              <a:t/>
-            </a:r>
-            <a:r>
-              <a:rPr>
-                <a:latin typeface="Courier"/>
-              </a:rPr>
-              <a:t/>
-            </a:r>
-            <a:r>
-              <a:t> are system tests that we want to include.</a:t>
+              <a:t>Remove the call to the Test script and the TEST ENV var under the environment directive.</a:t>
             </a:r>
           </a:p>
           <a:p>
@@ -39612,22 +39548,69 @@
               <a:defRPr sz="1600"/>
             </a:pPr>
             <a:r>
-              <a:t>Create a stage in Jenkins to invoke these tests after code is checked in, built and deployed.</a:t>
-            </a:r>
-          </a:p>
-          <a:p>
-            <a:pPr>
-              <a:defRPr sz="1800"/>
-            </a:pPr>
-            <a:r>
-              <a:t/>
-            </a:r>
-            <a:r>
-              <a:rPr b="1"/>
-              <a:t>Note</a:t>
-            </a:r>
-            <a:r>
-              <a:t>: Consider exploring code coverage tools to obtain metrics of code that is tested by your automated tests.</a:t>
+              <a:t>Uncomment withCredentials block in the '</a:t>
+            </a:r>
+            <a:r>
+              <a:rPr>
+                <a:latin typeface="Courier"/>
+              </a:rPr>
+              <a:t/>
+            </a:r>
+            <a:r>
+              <a:t/>
+            </a:r>
+            <a:r>
+              <a:rPr>
+                <a:latin typeface="Courier"/>
+              </a:rPr>
+              <a:t>test</a:t>
+            </a:r>
+            <a:r>
+              <a:t/>
+            </a:r>
+            <a:r>
+              <a:rPr>
+                <a:latin typeface="Courier"/>
+              </a:rPr>
+              <a:t/>
+            </a:r>
+            <a:r>
+              <a:t>' stage</a:t>
+            </a:r>
+          </a:p>
+          <a:p>
+            <a:pPr lvl="1">
+              <a:defRPr sz="1600"/>
+            </a:pPr>
+            <a:r>
+              <a:t>Call the </a:t>
+            </a:r>
+            <a:r>
+              <a:rPr>
+                <a:latin typeface="Courier"/>
+              </a:rPr>
+              <a:t/>
+            </a:r>
+            <a:r>
+              <a:t/>
+            </a:r>
+            <a:r>
+              <a:rPr>
+                <a:latin typeface="Courier"/>
+              </a:rPr>
+              <a:t>npm test</a:t>
+            </a:r>
+            <a:r>
+              <a:t/>
+            </a:r>
+            <a:r>
+              <a:rPr>
+                <a:latin typeface="Courier"/>
+              </a:rPr>
+              <a:t/>
+            </a:r>
+            <a:r>
+              <a:t> command that runs your test suite.</a:t>
             </a:r>
           </a:p>
         </p:txBody>
@@ -39674,7 +39657,7 @@
               <a:defRPr sz="3000"/>
             </a:pPr>
             <a:r>
-              <a:t>Create Test stage</a:t>
+              <a:t>Run the pipeline</a:t>
             </a:r>
           </a:p>
         </p:txBody>
@@ -39705,7 +39688,15 @@
               <a:defRPr sz="1800"/>
             </a:pPr>
             <a:r>
-              <a:t>We've already built an automated test using Mocha. Let's implement a test stage in Jenkins to call it.</a:t>
+              <a:t>After adding the Test stage, test out the pipeline by pushing your changes and running it manually.</a:t>
+            </a:r>
+          </a:p>
+          <a:p>
+            <a:pPr>
+              <a:defRPr sz="1800"/>
+            </a:pPr>
+            <a:r>
+              <a:t>We need to:</a:t>
             </a:r>
           </a:p>
           <a:p>
@@ -39713,7 +39704,7 @@
               <a:defRPr sz="1600"/>
             </a:pPr>
             <a:r>
-              <a:t>Remove the call to the Test script and the TEST ENV var under the environment directive.</a:t>
+              <a:t>Commit and Push Code to GitHub</a:t>
             </a:r>
           </a:p>
           <a:p>
@@ -39721,69 +39712,15 @@
               <a:defRPr sz="1600"/>
             </a:pPr>
             <a:r>
-              <a:t>Uncomment withCredentials block in the '</a:t>
-            </a:r>
-            <a:r>
-              <a:rPr>
-                <a:latin typeface="Courier"/>
-              </a:rPr>
-              <a:t/>
-            </a:r>
-            <a:r>
-              <a:t/>
-            </a:r>
-            <a:r>
-              <a:rPr>
-                <a:latin typeface="Courier"/>
-              </a:rPr>
-              <a:t>test</a:t>
-            </a:r>
-            <a:r>
-              <a:t/>
-            </a:r>
-            <a:r>
-              <a:rPr>
-                <a:latin typeface="Courier"/>
-              </a:rPr>
-              <a:t/>
-            </a:r>
-            <a:r>
-              <a:t>' stage</a:t>
-            </a:r>
-          </a:p>
-          <a:p>
-            <a:pPr lvl="1">
-              <a:defRPr sz="1600"/>
-            </a:pPr>
-            <a:r>
-              <a:t>Call the </a:t>
-            </a:r>
-            <a:r>
-              <a:rPr>
-                <a:latin typeface="Courier"/>
-              </a:rPr>
-              <a:t/>
-            </a:r>
-            <a:r>
-              <a:t/>
-            </a:r>
-            <a:r>
-              <a:rPr>
-                <a:latin typeface="Courier"/>
-              </a:rPr>
-              <a:t>npm test</a:t>
-            </a:r>
-            <a:r>
-              <a:t/>
-            </a:r>
-            <a:r>
-              <a:rPr>
-                <a:latin typeface="Courier"/>
-              </a:rPr>
-              <a:t/>
-            </a:r>
-            <a:r>
-              <a:t> command that runs your test suite.</a:t>
+              <a:t>Log in to Jenkins and build your project</a:t>
+            </a:r>
+          </a:p>
+          <a:p>
+            <a:pPr lvl="2">
+              <a:defRPr sz="1400"/>
+            </a:pPr>
+            <a:r>
+              <a:t>Debug any issues that may arise. Reach out to facilitator for guidance if needed.</a:t>
             </a:r>
           </a:p>
         </p:txBody>
@@ -39894,7 +39831,7 @@
               <a:defRPr sz="3000"/>
             </a:pPr>
             <a:r>
-              <a:t>Run the pipeline</a:t>
+              <a:t>Commit and push changes to GitHub</a:t>
             </a:r>
           </a:p>
         </p:txBody>
@@ -39925,7 +39862,39 @@
               <a:defRPr sz="1800"/>
             </a:pPr>
             <a:r>
-              <a:t>After adding the Test stage, test out the pipeline by pushing your changes and running it manually.</a:t>
+              <a:t>To Review the files you have changed before committing:</a:t>
+            </a:r>
+          </a:p>
+          <a:p>
+            <a:pPr lvl="1">
+              <a:defRPr sz="1600"/>
+            </a:pPr>
+            <a:r>
+              <a:t/>
+            </a:r>
+            <a:r>
+              <a:rPr>
+                <a:latin typeface="Courier"/>
+              </a:rPr>
+              <a:t/>
+            </a:r>
+            <a:r>
+              <a:t/>
+            </a:r>
+            <a:r>
+              <a:rPr>
+                <a:latin typeface="Courier"/>
+              </a:rPr>
+              <a:t>git status</a:t>
+            </a:r>
+            <a:r>
+              <a:t/>
+            </a:r>
+            <a:r>
+              <a:rPr>
+                <a:latin typeface="Courier"/>
+              </a:rPr>
+              <a:t/>
             </a:r>
           </a:p>
           <a:p>
@@ -39933,7 +39902,7 @@
               <a:defRPr sz="1800"/>
             </a:pPr>
             <a:r>
-              <a:t>We need to:</a:t>
+              <a:t>There may endevor reports you wish to delete, commit or only keep locally.</a:t>
             </a:r>
           </a:p>
           <a:p>
@@ -39941,7 +39910,96 @@
               <a:defRPr sz="1600"/>
             </a:pPr>
             <a:r>
-              <a:t>Commit and Push Code to GitHub</a:t>
+              <a:t>If you wish to only keep them locally, add </a:t>
+            </a:r>
+            <a:r>
+              <a:rPr>
+                <a:latin typeface="Courier"/>
+              </a:rPr>
+              <a:t/>
+            </a:r>
+            <a:r>
+              <a:t/>
+            </a:r>
+            <a:r>
+              <a:rPr>
+                <a:latin typeface="Courier"/>
+              </a:rPr>
+              <a:t>endevor-report*.txt</a:t>
+            </a:r>
+            <a:r>
+              <a:t/>
+            </a:r>
+            <a:r>
+              <a:rPr>
+                <a:latin typeface="Courier"/>
+              </a:rPr>
+              <a:t/>
+            </a:r>
+            <a:r>
+              <a:t> to your </a:t>
+            </a:r>
+            <a:r>
+              <a:rPr>
+                <a:latin typeface="Courier"/>
+              </a:rPr>
+              <a:t/>
+            </a:r>
+            <a:r>
+              <a:t/>
+            </a:r>
+            <a:r>
+              <a:rPr>
+                <a:latin typeface="Courier"/>
+              </a:rPr>
+              <a:t>.gitignore</a:t>
+            </a:r>
+            <a:r>
+              <a:t/>
+            </a:r>
+            <a:r>
+              <a:rPr>
+                <a:latin typeface="Courier"/>
+              </a:rPr>
+              <a:t/>
+            </a:r>
+            <a:r>
+              <a:t> file in your project's root directory. You can run </a:t>
+            </a:r>
+            <a:r>
+              <a:rPr>
+                <a:latin typeface="Courier"/>
+              </a:rPr>
+              <a:t/>
+            </a:r>
+            <a:r>
+              <a:t/>
+            </a:r>
+            <a:r>
+              <a:rPr>
+                <a:latin typeface="Courier"/>
+              </a:rPr>
+              <a:t>git status</a:t>
+            </a:r>
+            <a:r>
+              <a:t/>
+            </a:r>
+            <a:r>
+              <a:rPr>
+                <a:latin typeface="Courier"/>
+              </a:rPr>
+              <a:t/>
+            </a:r>
+            <a:r>
+              <a:t> again to verify you no longer see the endevor-report files.</a:t>
+            </a:r>
+          </a:p>
+          <a:p>
+            <a:pPr>
+              <a:defRPr sz="1800"/>
+            </a:pPr>
+            <a:r>
+              <a:t>Commit your changes when satisfied:</a:t>
             </a:r>
           </a:p>
           <a:p>
@@ -39949,15 +40007,31 @@
               <a:defRPr sz="1600"/>
             </a:pPr>
             <a:r>
-              <a:t>Log in to Jenkins and build your project</a:t>
-            </a:r>
-          </a:p>
-          <a:p>
-            <a:pPr lvl="2">
-              <a:defRPr sz="1400"/>
-            </a:pPr>
-            <a:r>
-              <a:t>Debug any issues that may arise. Reach out to facilitator for guidance if needed.</a:t>
+              <a:t/>
+            </a:r>
+            <a:r>
+              <a:rPr>
+                <a:latin typeface="Courier"/>
+              </a:rPr>
+              <a:t/>
+            </a:r>
+            <a:r>
+              <a:t/>
+            </a:r>
+            <a:r>
+              <a:rPr>
+                <a:latin typeface="Courier"/>
+              </a:rPr>
+              <a:t>git commit -a -m "Add gulp build tasks"</a:t>
+            </a:r>
+            <a:r>
+              <a:t/>
+            </a:r>
+            <a:r>
+              <a:rPr>
+                <a:latin typeface="Courier"/>
+              </a:rPr>
+              <a:t/>
             </a:r>
           </a:p>
         </p:txBody>
@@ -40035,7 +40109,7 @@
               <a:defRPr sz="1800"/>
             </a:pPr>
             <a:r>
-              <a:t>To Review the files you have changed before committing:</a:t>
+              <a:t>Push your changes to GitHub:</a:t>
             </a:r>
           </a:p>
           <a:p>
@@ -40058,7 +40132,7 @@
               <a:rPr>
                 <a:latin typeface="Courier"/>
               </a:rPr>
-              <a:t>git status</a:t>
+              <a:t>git push</a:t>
             </a:r>
             <a:r>
               <a:t/>
@@ -40075,7 +40149,7 @@
               <a:defRPr sz="1800"/>
             </a:pPr>
             <a:r>
-              <a:t>There may endevor reports you wish to delete, commit or only keep locally.</a:t>
+              <a:t>If you are prompted for your username and password:</a:t>
             </a:r>
           </a:p>
           <a:p>
@@ -40083,96 +40157,31 @@
               <a:defRPr sz="1600"/>
             </a:pPr>
             <a:r>
-              <a:t>If you wish to only keep them locally, add </a:t>
-            </a:r>
-            <a:r>
-              <a:rPr>
-                <a:latin typeface="Courier"/>
-              </a:rPr>
-              <a:t/>
-            </a:r>
-            <a:r>
-              <a:t/>
-            </a:r>
-            <a:r>
-              <a:rPr>
-                <a:latin typeface="Courier"/>
-              </a:rPr>
-              <a:t>endevor-report*.txt</a:t>
-            </a:r>
-            <a:r>
-              <a:t/>
-            </a:r>
-            <a:r>
-              <a:rPr>
-                <a:latin typeface="Courier"/>
-              </a:rPr>
-              <a:t/>
-            </a:r>
-            <a:r>
-              <a:t> to your </a:t>
-            </a:r>
-            <a:r>
-              <a:rPr>
-                <a:latin typeface="Courier"/>
-              </a:rPr>
-              <a:t/>
-            </a:r>
-            <a:r>
-              <a:t/>
-            </a:r>
-            <a:r>
-              <a:rPr>
-                <a:latin typeface="Courier"/>
-              </a:rPr>
-              <a:t>.gitignore</a:t>
-            </a:r>
-            <a:r>
-              <a:t/>
-            </a:r>
-            <a:r>
-              <a:rPr>
-                <a:latin typeface="Courier"/>
-              </a:rPr>
-              <a:t/>
-            </a:r>
-            <a:r>
-              <a:t> file in your project's root directory. You can run </a:t>
-            </a:r>
-            <a:r>
-              <a:rPr>
-                <a:latin typeface="Courier"/>
-              </a:rPr>
-              <a:t/>
-            </a:r>
-            <a:r>
-              <a:t/>
-            </a:r>
-            <a:r>
-              <a:rPr>
-                <a:latin typeface="Courier"/>
-              </a:rPr>
-              <a:t>git status</a:t>
-            </a:r>
-            <a:r>
-              <a:t/>
-            </a:r>
-            <a:r>
-              <a:rPr>
-                <a:latin typeface="Courier"/>
-              </a:rPr>
-              <a:t/>
-            </a:r>
-            <a:r>
-              <a:t> again to verify you no longer see the endevor-report files.</a:t>
-            </a:r>
-          </a:p>
-          <a:p>
-            <a:pPr>
-              <a:defRPr sz="1800"/>
-            </a:pPr>
-            <a:r>
-              <a:t>Commit your changes when satisfied:</a:t>
+              <a:t>Username: </a:t>
+            </a:r>
+            <a:r>
+              <a:rPr>
+                <a:latin typeface="Courier"/>
+              </a:rPr>
+              <a:t/>
+            </a:r>
+            <a:r>
+              <a:t/>
+            </a:r>
+            <a:r>
+              <a:rPr>
+                <a:latin typeface="Courier"/>
+              </a:rPr>
+              <a:t>GITHUB_USER</a:t>
+            </a:r>
+            <a:r>
+              <a:t/>
+            </a:r>
+            <a:r>
+              <a:rPr>
+                <a:latin typeface="Courier"/>
+              </a:rPr>
+              <a:t/>
             </a:r>
           </a:p>
           <a:p>
@@ -40180,22 +40189,22 @@
               <a:defRPr sz="1600"/>
             </a:pPr>
             <a:r>
-              <a:t/>
-            </a:r>
-            <a:r>
-              <a:rPr>
-                <a:latin typeface="Courier"/>
-              </a:rPr>
-              <a:t/>
-            </a:r>
-            <a:r>
-              <a:t/>
-            </a:r>
-            <a:r>
-              <a:rPr>
-                <a:latin typeface="Courier"/>
-              </a:rPr>
-              <a:t>git commit -a -m "Add gulp build tasks"</a:t>
+              <a:t>Password: </a:t>
+            </a:r>
+            <a:r>
+              <a:rPr>
+                <a:latin typeface="Courier"/>
+              </a:rPr>
+              <a:t/>
+            </a:r>
+            <a:r>
+              <a:t/>
+            </a:r>
+            <a:r>
+              <a:rPr>
+                <a:latin typeface="Courier"/>
+              </a:rPr>
+              <a:t>GITHUB_PASS</a:t>
             </a:r>
             <a:r>
               <a:t/>
@@ -40218,188 +40227,6 @@
 </file>
 
 <file path=ppt/slides/slide92.xml><?xml version="1.0" encoding="utf-8"?>
-<p:sld xmlns:a="http://schemas.openxmlformats.org/drawingml/2006/main" xmlns:p="http://schemas.openxmlformats.org/presentationml/2006/main" xmlns:r="http://schemas.openxmlformats.org/officeDocument/2006/relationships">
-  <p:cSld>
-    <p:spTree>
-      <p:nvGrpSpPr>
-        <p:cNvPr id="1" name=""/>
-        <p:cNvGrpSpPr/>
-        <p:nvPr/>
-      </p:nvGrpSpPr>
-      <p:grpSpPr/>
-      <p:sp>
-        <p:nvSpPr>
-          <p:cNvPr id="2" name="Title 1"/>
-          <p:cNvSpPr>
-            <a:spLocks noGrp="1"/>
-          </p:cNvSpPr>
-          <p:nvPr>
-            <p:ph type="title"/>
-          </p:nvPr>
-        </p:nvSpPr>
-        <p:spPr>
-          <a:xfrm>
-            <a:off x="182880" y="182880"/>
-            <a:ext cx="11826240" cy="381000"/>
-          </a:xfrm>
-        </p:spPr>
-        <p:txBody>
-          <a:bodyPr anchor="t"/>
-          <a:lstStyle/>
-          <a:p>
-            <a:pPr>
-              <a:defRPr sz="3000"/>
-            </a:pPr>
-            <a:r>
-              <a:t>Commit and push changes to GitHub</a:t>
-            </a:r>
-          </a:p>
-        </p:txBody>
-      </p:sp>
-      <p:sp>
-        <p:nvSpPr>
-          <p:cNvPr id="3" name="Content Placeholder 2"/>
-          <p:cNvSpPr>
-            <a:spLocks noGrp="1"/>
-          </p:cNvSpPr>
-          <p:nvPr>
-            <p:ph idx="1"/>
-          </p:nvPr>
-        </p:nvSpPr>
-        <p:spPr>
-          <a:xfrm>
-            <a:off x="182880" y="838200"/>
-            <a:ext cx="11826240" cy="5654040"/>
-          </a:xfrm>
-        </p:spPr>
-        <p:txBody>
-          <a:bodyPr>
-            <a:normAutofit/>
-          </a:bodyPr>
-          <a:lstStyle/>
-          <a:p>
-            <a:pPr>
-              <a:defRPr sz="1800"/>
-            </a:pPr>
-            <a:r>
-              <a:t>Push your changes to GitHub:</a:t>
-            </a:r>
-          </a:p>
-          <a:p>
-            <a:pPr lvl="1">
-              <a:defRPr sz="1600"/>
-            </a:pPr>
-            <a:r>
-              <a:t/>
-            </a:r>
-            <a:r>
-              <a:rPr>
-                <a:latin typeface="Courier"/>
-              </a:rPr>
-              <a:t/>
-            </a:r>
-            <a:r>
-              <a:t/>
-            </a:r>
-            <a:r>
-              <a:rPr>
-                <a:latin typeface="Courier"/>
-              </a:rPr>
-              <a:t>git push</a:t>
-            </a:r>
-            <a:r>
-              <a:t/>
-            </a:r>
-            <a:r>
-              <a:rPr>
-                <a:latin typeface="Courier"/>
-              </a:rPr>
-              <a:t/>
-            </a:r>
-          </a:p>
-          <a:p>
-            <a:pPr>
-              <a:defRPr sz="1800"/>
-            </a:pPr>
-            <a:r>
-              <a:t>If you are prompted for your username and password:</a:t>
-            </a:r>
-          </a:p>
-          <a:p>
-            <a:pPr lvl="1">
-              <a:defRPr sz="1600"/>
-            </a:pPr>
-            <a:r>
-              <a:t>Username: </a:t>
-            </a:r>
-            <a:r>
-              <a:rPr>
-                <a:latin typeface="Courier"/>
-              </a:rPr>
-              <a:t/>
-            </a:r>
-            <a:r>
-              <a:t/>
-            </a:r>
-            <a:r>
-              <a:rPr>
-                <a:latin typeface="Courier"/>
-              </a:rPr>
-              <a:t>GITHUB_USER</a:t>
-            </a:r>
-            <a:r>
-              <a:t/>
-            </a:r>
-            <a:r>
-              <a:rPr>
-                <a:latin typeface="Courier"/>
-              </a:rPr>
-              <a:t/>
-            </a:r>
-          </a:p>
-          <a:p>
-            <a:pPr lvl="1">
-              <a:defRPr sz="1600"/>
-            </a:pPr>
-            <a:r>
-              <a:t>Password: </a:t>
-            </a:r>
-            <a:r>
-              <a:rPr>
-                <a:latin typeface="Courier"/>
-              </a:rPr>
-              <a:t/>
-            </a:r>
-            <a:r>
-              <a:t/>
-            </a:r>
-            <a:r>
-              <a:rPr>
-                <a:latin typeface="Courier"/>
-              </a:rPr>
-              <a:t>GITHUB_PASS</a:t>
-            </a:r>
-            <a:r>
-              <a:t/>
-            </a:r>
-            <a:r>
-              <a:rPr>
-                <a:latin typeface="Courier"/>
-              </a:rPr>
-              <a:t/>
-            </a:r>
-          </a:p>
-        </p:txBody>
-      </p:sp>
-    </p:spTree>
-  </p:cSld>
-  <p:clrMapOvr>
-    <a:masterClrMapping/>
-  </p:clrMapOvr>
-</p:sld>
-</file>
-
-<file path=ppt/slides/slide93.xml><?xml version="1.0" encoding="utf-8"?>
 <p:sld xmlns:a="http://schemas.openxmlformats.org/drawingml/2006/main" xmlns:p="http://schemas.openxmlformats.org/presentationml/2006/main" xmlns:r="http://schemas.openxmlformats.org/officeDocument/2006/relationships">
   <p:cSld>
     <p:spTree>
@@ -40683,7 +40510,7 @@
 </p:sld>
 </file>
 
-<file path=ppt/slides/slide94.xml><?xml version="1.0" encoding="utf-8"?>
+<file path=ppt/slides/slide93.xml><?xml version="1.0" encoding="utf-8"?>
 <p:sld xmlns:a="http://schemas.openxmlformats.org/drawingml/2006/main" xmlns:p="http://schemas.openxmlformats.org/presentationml/2006/main" xmlns:r="http://schemas.openxmlformats.org/officeDocument/2006/relationships">
   <p:cSld>
     <p:spTree>
@@ -40759,6 +40586,70 @@
               <a:t>Find the URL of your successful run with the Test stage.</a:t>
             </a:r>
           </a:p>
+        </p:txBody>
+      </p:sp>
+    </p:spTree>
+  </p:cSld>
+  <p:clrMapOvr>
+    <a:masterClrMapping/>
+  </p:clrMapOvr>
+</p:sld>
+</file>
+
+<file path=ppt/slides/slide94.xml><?xml version="1.0" encoding="utf-8"?>
+<p:sld xmlns:a="http://schemas.openxmlformats.org/drawingml/2006/main" xmlns:p="http://schemas.openxmlformats.org/presentationml/2006/main" xmlns:r="http://schemas.openxmlformats.org/officeDocument/2006/relationships">
+  <p:cSld>
+    <p:spTree>
+      <p:nvGrpSpPr>
+        <p:cNvPr id="1" name=""/>
+        <p:cNvGrpSpPr/>
+        <p:nvPr/>
+      </p:nvGrpSpPr>
+      <p:grpSpPr/>
+      <p:sp>
+        <p:nvSpPr>
+          <p:cNvPr id="2" name="Title 1"/>
+          <p:cNvSpPr>
+            <a:spLocks noGrp="1"/>
+          </p:cNvSpPr>
+          <p:nvPr>
+            <p:ph type="ctrTitle"/>
+          </p:nvPr>
+        </p:nvSpPr>
+        <p:spPr/>
+        <p:txBody>
+          <a:bodyPr/>
+          <a:lstStyle/>
+          <a:p>
+            <a:pPr>
+              <a:defRPr sz="4000"/>
+            </a:pPr>
+            <a:r>
+              <a:t>Review - What have we learned?</a:t>
+            </a:r>
+          </a:p>
+        </p:txBody>
+      </p:sp>
+      <p:sp>
+        <p:nvSpPr>
+          <p:cNvPr id="3" name="Subtitle 2"/>
+          <p:cNvSpPr>
+            <a:spLocks noGrp="1"/>
+          </p:cNvSpPr>
+          <p:nvPr>
+            <p:ph type="subTitle" idx="1"/>
+          </p:nvPr>
+        </p:nvSpPr>
+        <p:spPr>
+          <a:xfrm>
+            <a:off x="527050" y="5274310"/>
+            <a:ext cx="9144000" cy="365760"/>
+          </a:xfrm>
+        </p:spPr>
+        <p:txBody>
+          <a:bodyPr/>
+          <a:lstStyle/>
+          <a:p/>
         </p:txBody>
       </p:sp>
     </p:spTree>
@@ -40798,7 +40689,7 @@
               <a:defRPr sz="4000"/>
             </a:pPr>
             <a:r>
-              <a:t>Review - What have we learned?</a:t>
+              <a:t>Section X (optional):</a:t>
             </a:r>
           </a:p>
         </p:txBody>
@@ -40813,16 +40704,18 @@
             <p:ph type="subTitle" idx="1"/>
           </p:nvPr>
         </p:nvSpPr>
-        <p:spPr>
-          <a:xfrm>
-            <a:off x="527050" y="5274310"/>
-            <a:ext cx="9144000" cy="365760"/>
-          </a:xfrm>
-        </p:spPr>
+        <p:spPr/>
         <p:txBody>
           <a:bodyPr/>
           <a:lstStyle/>
-          <a:p/>
+          <a:p>
+            <a:pPr>
+              <a:defRPr sz="2800"/>
+            </a:pPr>
+            <a:r>
+              <a:t>Archive Artifacts in Jenkins</a:t>
+            </a:r>
+          </a:p>
         </p:txBody>
       </p:sp>
     </p:spTree>
@@ -40850,43 +40743,175 @@
             <a:spLocks noGrp="1"/>
           </p:cNvSpPr>
           <p:nvPr>
-            <p:ph type="ctrTitle"/>
-          </p:nvPr>
-        </p:nvSpPr>
-        <p:spPr/>
+            <p:ph type="title"/>
+          </p:nvPr>
+        </p:nvSpPr>
+        <p:spPr>
+          <a:xfrm>
+            <a:off x="182880" y="182880"/>
+            <a:ext cx="11826240" cy="381000"/>
+          </a:xfrm>
+        </p:spPr>
         <p:txBody>
-          <a:bodyPr/>
+          <a:bodyPr anchor="t"/>
           <a:lstStyle/>
           <a:p>
             <a:pPr>
-              <a:defRPr sz="4000"/>
-            </a:pPr>
-            <a:r>
-              <a:t>Section X (optional):</a:t>
+              <a:defRPr sz="3000"/>
+            </a:pPr>
+            <a:r>
+              <a:t>Archive Artifacts</a:t>
             </a:r>
           </a:p>
         </p:txBody>
       </p:sp>
       <p:sp>
         <p:nvSpPr>
-          <p:cNvPr id="3" name="Subtitle 2"/>
-          <p:cNvSpPr>
-            <a:spLocks noGrp="1"/>
-          </p:cNvSpPr>
-          <p:nvPr>
-            <p:ph type="subTitle" idx="1"/>
-          </p:nvPr>
-        </p:nvSpPr>
-        <p:spPr/>
+          <p:cNvPr id="3" name="Content Placeholder 2"/>
+          <p:cNvSpPr>
+            <a:spLocks noGrp="1"/>
+          </p:cNvSpPr>
+          <p:nvPr>
+            <p:ph idx="1"/>
+          </p:nvPr>
+        </p:nvSpPr>
+        <p:spPr>
+          <a:xfrm>
+            <a:off x="182880" y="838200"/>
+            <a:ext cx="11826240" cy="5654040"/>
+          </a:xfrm>
+        </p:spPr>
         <p:txBody>
-          <a:bodyPr/>
+          <a:bodyPr>
+            <a:normAutofit/>
+          </a:bodyPr>
           <a:lstStyle/>
           <a:p>
             <a:pPr>
-              <a:defRPr sz="2800"/>
-            </a:pPr>
-            <a:r>
-              <a:t>Archive Artifacts in Jenkins</a:t>
+              <a:defRPr sz="1800"/>
+            </a:pPr>
+            <a:r>
+              <a:t>For audit purposes, you may want to archive build/test results for each pipeline run.</a:t>
+            </a:r>
+          </a:p>
+          <a:p>
+            <a:pPr>
+              <a:defRPr sz="1800"/>
+            </a:pPr>
+            <a:r>
+              <a:t>Uncomment the post section of the </a:t>
+            </a:r>
+            <a:r>
+              <a:rPr>
+                <a:latin typeface="Courier"/>
+              </a:rPr>
+              <a:t/>
+            </a:r>
+            <a:r>
+              <a:t/>
+            </a:r>
+            <a:r>
+              <a:rPr>
+                <a:latin typeface="Courier"/>
+              </a:rPr>
+              <a:t>Jenkinsfile</a:t>
+            </a:r>
+            <a:r>
+              <a:t/>
+            </a:r>
+            <a:r>
+              <a:rPr>
+                <a:latin typeface="Courier"/>
+              </a:rPr>
+              <a:t/>
+            </a:r>
+          </a:p>
+          <a:p>
+            <a:pPr>
+              <a:defRPr sz="1800"/>
+            </a:pPr>
+            <a:r>
+              <a:t>Commit and Push Code to GitHub</a:t>
+            </a:r>
+          </a:p>
+          <a:p>
+            <a:pPr lvl="1">
+              <a:defRPr sz="1600"/>
+            </a:pPr>
+            <a:r>
+              <a:t/>
+            </a:r>
+            <a:r>
+              <a:rPr>
+                <a:latin typeface="Courier"/>
+              </a:rPr>
+              <a:t/>
+            </a:r>
+            <a:r>
+              <a:t/>
+            </a:r>
+            <a:r>
+              <a:rPr>
+                <a:latin typeface="Courier"/>
+              </a:rPr>
+              <a:t>git commit -a -m "Updating"</a:t>
+            </a:r>
+            <a:r>
+              <a:t/>
+            </a:r>
+            <a:r>
+              <a:rPr>
+                <a:latin typeface="Courier"/>
+              </a:rPr>
+              <a:t/>
+            </a:r>
+          </a:p>
+          <a:p>
+            <a:pPr lvl="1">
+              <a:defRPr sz="1600"/>
+            </a:pPr>
+            <a:r>
+              <a:t/>
+            </a:r>
+            <a:r>
+              <a:rPr>
+                <a:latin typeface="Courier"/>
+              </a:rPr>
+              <a:t/>
+            </a:r>
+            <a:r>
+              <a:t/>
+            </a:r>
+            <a:r>
+              <a:rPr>
+                <a:latin typeface="Courier"/>
+              </a:rPr>
+              <a:t>git push</a:t>
+            </a:r>
+            <a:r>
+              <a:t/>
+            </a:r>
+            <a:r>
+              <a:rPr>
+                <a:latin typeface="Courier"/>
+              </a:rPr>
+              <a:t/>
+            </a:r>
+          </a:p>
+          <a:p>
+            <a:pPr>
+              <a:defRPr sz="1800"/>
+            </a:pPr>
+            <a:r>
+              <a:t>Log in to Jenkins and build your project</a:t>
+            </a:r>
+          </a:p>
+          <a:p>
+            <a:pPr lvl="1">
+              <a:defRPr sz="1600"/>
+            </a:pPr>
+            <a:r>
+              <a:t>Debug any issues that may arise. Reach out to facilitator for guidance if needed.</a:t>
             </a:r>
           </a:p>
         </p:txBody>
@@ -40933,7 +40958,7 @@
               <a:defRPr sz="3000"/>
             </a:pPr>
             <a:r>
-              <a:t>Archive Artifacts</a:t>
+              <a:t>Summary</a:t>
             </a:r>
           </a:p>
         </p:txBody>
@@ -40964,47 +40989,7 @@
               <a:defRPr sz="1800"/>
             </a:pPr>
             <a:r>
-              <a:t>For audit purposes, you may want to archive build/test results for each pipeline run.</a:t>
-            </a:r>
-          </a:p>
-          <a:p>
-            <a:pPr>
-              <a:defRPr sz="1800"/>
-            </a:pPr>
-            <a:r>
-              <a:t>Uncomment the post section of the </a:t>
-            </a:r>
-            <a:r>
-              <a:rPr>
-                <a:latin typeface="Courier"/>
-              </a:rPr>
-              <a:t/>
-            </a:r>
-            <a:r>
-              <a:t/>
-            </a:r>
-            <a:r>
-              <a:rPr>
-                <a:latin typeface="Courier"/>
-              </a:rPr>
-              <a:t>Jenkinsfile</a:t>
-            </a:r>
-            <a:r>
-              <a:t/>
-            </a:r>
-            <a:r>
-              <a:rPr>
-                <a:latin typeface="Courier"/>
-              </a:rPr>
-              <a:t/>
-            </a:r>
-          </a:p>
-          <a:p>
-            <a:pPr>
-              <a:defRPr sz="1800"/>
-            </a:pPr>
-            <a:r>
-              <a:t>Commit and Push Code to GitHub</a:t>
+              <a:t>Congratulations on completing the Zowe workshop. You learned about the following topics today:</a:t>
             </a:r>
           </a:p>
           <a:p>
@@ -41012,31 +40997,7 @@
               <a:defRPr sz="1600"/>
             </a:pPr>
             <a:r>
-              <a:t/>
-            </a:r>
-            <a:r>
-              <a:rPr>
-                <a:latin typeface="Courier"/>
-              </a:rPr>
-              <a:t/>
-            </a:r>
-            <a:r>
-              <a:t/>
-            </a:r>
-            <a:r>
-              <a:rPr>
-                <a:latin typeface="Courier"/>
-              </a:rPr>
-              <a:t>git commit -a -m "Updating"</a:t>
-            </a:r>
-            <a:r>
-              <a:t/>
-            </a:r>
-            <a:r>
-              <a:rPr>
-                <a:latin typeface="Courier"/>
-              </a:rPr>
-              <a:t/>
+              <a:t>Automating testing concepts.</a:t>
             </a:r>
           </a:p>
           <a:p>
@@ -41044,39 +41005,7 @@
               <a:defRPr sz="1600"/>
             </a:pPr>
             <a:r>
-              <a:t/>
-            </a:r>
-            <a:r>
-              <a:rPr>
-                <a:latin typeface="Courier"/>
-              </a:rPr>
-              <a:t/>
-            </a:r>
-            <a:r>
-              <a:t/>
-            </a:r>
-            <a:r>
-              <a:rPr>
-                <a:latin typeface="Courier"/>
-              </a:rPr>
-              <a:t>git push</a:t>
-            </a:r>
-            <a:r>
-              <a:t/>
-            </a:r>
-            <a:r>
-              <a:rPr>
-                <a:latin typeface="Courier"/>
-              </a:rPr>
-              <a:t/>
-            </a:r>
-          </a:p>
-          <a:p>
-            <a:pPr>
-              <a:defRPr sz="1800"/>
-            </a:pPr>
-            <a:r>
-              <a:t>Log in to Jenkins and build your project</a:t>
+              <a:t>Using Mocha to built an integration test for a CICS transaction.</a:t>
             </a:r>
           </a:p>
           <a:p>
@@ -41084,7 +41013,15 @@
               <a:defRPr sz="1600"/>
             </a:pPr>
             <a:r>
-              <a:t>Debug any issues that may arise. Reach out to facilitator for guidance if needed.</a:t>
+              <a:t>Implementing a Test stage in Jenkins to call automated tests</a:t>
+            </a:r>
+          </a:p>
+          <a:p>
+            <a:pPr lvl="1">
+              <a:defRPr sz="1600"/>
+            </a:pPr>
+            <a:r>
+              <a:t>Making code changes and enjoying your automated build, deploy and test process.</a:t>
             </a:r>
           </a:p>
         </p:txBody>
@@ -41114,89 +41051,43 @@
             <a:spLocks noGrp="1"/>
           </p:cNvSpPr>
           <p:nvPr>
-            <p:ph type="title"/>
+            <p:ph type="ctrTitle"/>
+          </p:nvPr>
+        </p:nvSpPr>
+        <p:spPr/>
+        <p:txBody>
+          <a:bodyPr/>
+          <a:lstStyle/>
+          <a:p>
+            <a:pPr>
+              <a:defRPr sz="4000"/>
+            </a:pPr>
+            <a:r>
+              <a:t>Review - What have we learned?</a:t>
+            </a:r>
+          </a:p>
+        </p:txBody>
+      </p:sp>
+      <p:sp>
+        <p:nvSpPr>
+          <p:cNvPr id="3" name="Subtitle 2"/>
+          <p:cNvSpPr>
+            <a:spLocks noGrp="1"/>
+          </p:cNvSpPr>
+          <p:nvPr>
+            <p:ph type="subTitle" idx="1"/>
           </p:nvPr>
         </p:nvSpPr>
         <p:spPr>
           <a:xfrm>
-            <a:off x="182880" y="182880"/>
-            <a:ext cx="11826240" cy="381000"/>
+            <a:off x="527050" y="5274310"/>
+            <a:ext cx="9144000" cy="365760"/>
           </a:xfrm>
         </p:spPr>
         <p:txBody>
-          <a:bodyPr anchor="t"/>
+          <a:bodyPr/>
           <a:lstStyle/>
-          <a:p>
-            <a:pPr>
-              <a:defRPr sz="3000"/>
-            </a:pPr>
-            <a:r>
-              <a:t>Summary</a:t>
-            </a:r>
-          </a:p>
-        </p:txBody>
-      </p:sp>
-      <p:sp>
-        <p:nvSpPr>
-          <p:cNvPr id="3" name="Content Placeholder 2"/>
-          <p:cNvSpPr>
-            <a:spLocks noGrp="1"/>
-          </p:cNvSpPr>
-          <p:nvPr>
-            <p:ph idx="1"/>
-          </p:nvPr>
-        </p:nvSpPr>
-        <p:spPr>
-          <a:xfrm>
-            <a:off x="182880" y="838200"/>
-            <a:ext cx="11826240" cy="5654040"/>
-          </a:xfrm>
-        </p:spPr>
-        <p:txBody>
-          <a:bodyPr>
-            <a:normAutofit/>
-          </a:bodyPr>
-          <a:lstStyle/>
-          <a:p>
-            <a:pPr>
-              <a:defRPr sz="1800"/>
-            </a:pPr>
-            <a:r>
-              <a:t>Congratulations on completing the Zowe workshop. You learned about the following topics today:</a:t>
-            </a:r>
-          </a:p>
-          <a:p>
-            <a:pPr lvl="1">
-              <a:defRPr sz="1600"/>
-            </a:pPr>
-            <a:r>
-              <a:t>Automating testing concepts.</a:t>
-            </a:r>
-          </a:p>
-          <a:p>
-            <a:pPr lvl="1">
-              <a:defRPr sz="1600"/>
-            </a:pPr>
-            <a:r>
-              <a:t>Using Mocha to built an integration test for a CICS transaction.</a:t>
-            </a:r>
-          </a:p>
-          <a:p>
-            <a:pPr lvl="1">
-              <a:defRPr sz="1600"/>
-            </a:pPr>
-            <a:r>
-              <a:t>Implementing a Test stage in Jenkins to call automated tests</a:t>
-            </a:r>
-          </a:p>
-          <a:p>
-            <a:pPr lvl="1">
-              <a:defRPr sz="1600"/>
-            </a:pPr>
-            <a:r>
-              <a:t>Making code changes and enjoying your automated build, deploy and test process.</a:t>
-            </a:r>
-          </a:p>
+          <a:p/>
         </p:txBody>
       </p:sp>
     </p:spTree>
@@ -41236,7 +41127,7 @@
               <a:defRPr sz="4000"/>
             </a:pPr>
             <a:r>
-              <a:t>Review - What have we learned?</a:t>
+              <a:t>Thank You</a:t>
             </a:r>
           </a:p>
         </p:txBody>
